--- a/Chap/OOProg01/Presentations/ObjectsClasses.pptx
+++ b/Chap/OOProg01/Presentations/ObjectsClasses.pptx
@@ -270,7 +270,7 @@
           <a:p>
             <a:fld id="{E15B7D8E-2A20-4C0E-991C-872DBB7459A8}" type="datetimeFigureOut">
               <a:rPr lang="da-DK" smtClean="0"/>
-              <a:t>11-08-2022</a:t>
+              <a:t>18-09-2022</a:t>
             </a:fld>
             <a:endParaRPr lang="da-DK"/>
           </a:p>
@@ -438,7 +438,7 @@
           <a:p>
             <a:fld id="{E15B7D8E-2A20-4C0E-991C-872DBB7459A8}" type="datetimeFigureOut">
               <a:rPr lang="da-DK" smtClean="0"/>
-              <a:t>11-08-2022</a:t>
+              <a:t>18-09-2022</a:t>
             </a:fld>
             <a:endParaRPr lang="da-DK"/>
           </a:p>
@@ -616,7 +616,7 @@
           <a:p>
             <a:fld id="{E15B7D8E-2A20-4C0E-991C-872DBB7459A8}" type="datetimeFigureOut">
               <a:rPr lang="da-DK" smtClean="0"/>
-              <a:t>11-08-2022</a:t>
+              <a:t>18-09-2022</a:t>
             </a:fld>
             <a:endParaRPr lang="da-DK"/>
           </a:p>
@@ -784,7 +784,7 @@
           <a:p>
             <a:fld id="{E15B7D8E-2A20-4C0E-991C-872DBB7459A8}" type="datetimeFigureOut">
               <a:rPr lang="da-DK" smtClean="0"/>
-              <a:t>11-08-2022</a:t>
+              <a:t>18-09-2022</a:t>
             </a:fld>
             <a:endParaRPr lang="da-DK"/>
           </a:p>
@@ -1029,7 +1029,7 @@
           <a:p>
             <a:fld id="{E15B7D8E-2A20-4C0E-991C-872DBB7459A8}" type="datetimeFigureOut">
               <a:rPr lang="da-DK" smtClean="0"/>
-              <a:t>11-08-2022</a:t>
+              <a:t>18-09-2022</a:t>
             </a:fld>
             <a:endParaRPr lang="da-DK"/>
           </a:p>
@@ -1258,7 +1258,7 @@
           <a:p>
             <a:fld id="{E15B7D8E-2A20-4C0E-991C-872DBB7459A8}" type="datetimeFigureOut">
               <a:rPr lang="da-DK" smtClean="0"/>
-              <a:t>11-08-2022</a:t>
+              <a:t>18-09-2022</a:t>
             </a:fld>
             <a:endParaRPr lang="da-DK"/>
           </a:p>
@@ -1622,7 +1622,7 @@
           <a:p>
             <a:fld id="{E15B7D8E-2A20-4C0E-991C-872DBB7459A8}" type="datetimeFigureOut">
               <a:rPr lang="da-DK" smtClean="0"/>
-              <a:t>11-08-2022</a:t>
+              <a:t>18-09-2022</a:t>
             </a:fld>
             <a:endParaRPr lang="da-DK"/>
           </a:p>
@@ -1739,7 +1739,7 @@
           <a:p>
             <a:fld id="{E15B7D8E-2A20-4C0E-991C-872DBB7459A8}" type="datetimeFigureOut">
               <a:rPr lang="da-DK" smtClean="0"/>
-              <a:t>11-08-2022</a:t>
+              <a:t>18-09-2022</a:t>
             </a:fld>
             <a:endParaRPr lang="da-DK"/>
           </a:p>
@@ -1834,7 +1834,7 @@
           <a:p>
             <a:fld id="{E15B7D8E-2A20-4C0E-991C-872DBB7459A8}" type="datetimeFigureOut">
               <a:rPr lang="da-DK" smtClean="0"/>
-              <a:t>11-08-2022</a:t>
+              <a:t>18-09-2022</a:t>
             </a:fld>
             <a:endParaRPr lang="da-DK"/>
           </a:p>
@@ -2109,7 +2109,7 @@
           <a:p>
             <a:fld id="{E15B7D8E-2A20-4C0E-991C-872DBB7459A8}" type="datetimeFigureOut">
               <a:rPr lang="da-DK" smtClean="0"/>
-              <a:t>11-08-2022</a:t>
+              <a:t>18-09-2022</a:t>
             </a:fld>
             <a:endParaRPr lang="da-DK"/>
           </a:p>
@@ -2361,7 +2361,7 @@
           <a:p>
             <a:fld id="{E15B7D8E-2A20-4C0E-991C-872DBB7459A8}" type="datetimeFigureOut">
               <a:rPr lang="da-DK" smtClean="0"/>
-              <a:t>11-08-2022</a:t>
+              <a:t>18-09-2022</a:t>
             </a:fld>
             <a:endParaRPr lang="da-DK"/>
           </a:p>
@@ -2572,7 +2572,7 @@
           <a:p>
             <a:fld id="{E15B7D8E-2A20-4C0E-991C-872DBB7459A8}" type="datetimeFigureOut">
               <a:rPr lang="da-DK" smtClean="0"/>
-              <a:t>11-08-2022</a:t>
+              <a:t>18-09-2022</a:t>
             </a:fld>
             <a:endParaRPr lang="da-DK"/>
           </a:p>
@@ -5956,7 +5956,7 @@
           <a:lstStyle/>
           <a:p>
             <a:r>
-              <a:rPr lang="da-DK" sz="4800" b="1">
+              <a:rPr lang="da-DK" sz="4800" b="1" dirty="0">
                 <a:solidFill>
                   <a:schemeClr val="accent6">
                     <a:lumMod val="75000"/>
@@ -5964,9 +5964,42 @@
                 </a:solidFill>
                 <a:latin typeface="Consolas" panose="020B0609020204030204" pitchFamily="49" charset="0"/>
               </a:rPr>
-              <a:t>// get value</a:t>
-            </a:r>
-            <a:endParaRPr lang="da-DK" sz="4800" b="1">
+              <a:t>// </a:t>
+            </a:r>
+            <a:r>
+              <a:rPr lang="da-DK" sz="4800" b="1" dirty="0" err="1">
+                <a:solidFill>
+                  <a:schemeClr val="accent6">
+                    <a:lumMod val="75000"/>
+                  </a:schemeClr>
+                </a:solidFill>
+                <a:latin typeface="Consolas" panose="020B0609020204030204" pitchFamily="49" charset="0"/>
+              </a:rPr>
+              <a:t>get</a:t>
+            </a:r>
+            <a:r>
+              <a:rPr lang="da-DK" sz="4800" b="1" dirty="0">
+                <a:solidFill>
+                  <a:schemeClr val="accent6">
+                    <a:lumMod val="75000"/>
+                  </a:schemeClr>
+                </a:solidFill>
+                <a:latin typeface="Consolas" panose="020B0609020204030204" pitchFamily="49" charset="0"/>
+              </a:rPr>
+              <a:t> </a:t>
+            </a:r>
+            <a:r>
+              <a:rPr lang="da-DK" sz="4800" b="1" dirty="0" err="1">
+                <a:solidFill>
+                  <a:schemeClr val="accent6">
+                    <a:lumMod val="75000"/>
+                  </a:schemeClr>
+                </a:solidFill>
+                <a:latin typeface="Consolas" panose="020B0609020204030204" pitchFamily="49" charset="0"/>
+              </a:rPr>
+              <a:t>value</a:t>
+            </a:r>
+            <a:endParaRPr lang="da-DK" sz="4800" b="1" dirty="0">
               <a:solidFill>
                 <a:srgbClr val="0070C0"/>
               </a:solidFill>
@@ -5975,7 +6008,7 @@
           </a:p>
           <a:p>
             <a:r>
-              <a:rPr lang="da-DK" sz="4800" b="1">
+              <a:rPr lang="da-DK" sz="4800" b="1" dirty="0">
                 <a:solidFill>
                   <a:srgbClr val="0070C0"/>
                 </a:solidFill>
@@ -5984,20 +6017,38 @@
               <a:t>int </a:t>
             </a:r>
             <a:r>
-              <a:rPr lang="da-DK" sz="4800" b="1">
-                <a:latin typeface="Consolas" panose="020B0609020204030204" pitchFamily="49" charset="0"/>
-              </a:rPr>
-              <a:t>price = c.Price;</a:t>
-            </a:r>
-          </a:p>
-          <a:p>
-            <a:endParaRPr lang="da-DK" sz="4800" b="1">
+              <a:rPr lang="da-DK" sz="4800" b="1" dirty="0" err="1">
+                <a:latin typeface="Consolas" panose="020B0609020204030204" pitchFamily="49" charset="0"/>
+              </a:rPr>
+              <a:t>price</a:t>
+            </a:r>
+            <a:r>
+              <a:rPr lang="da-DK" sz="4800" b="1" dirty="0">
+                <a:latin typeface="Consolas" panose="020B0609020204030204" pitchFamily="49" charset="0"/>
+              </a:rPr>
+              <a:t> = </a:t>
+            </a:r>
+            <a:r>
+              <a:rPr lang="da-DK" sz="4800" b="1" dirty="0" err="1">
+                <a:latin typeface="Consolas" panose="020B0609020204030204" pitchFamily="49" charset="0"/>
+              </a:rPr>
+              <a:t>c.Price</a:t>
+            </a:r>
+            <a:r>
+              <a:rPr lang="da-DK" sz="4800" b="1" dirty="0">
+                <a:latin typeface="Consolas" panose="020B0609020204030204" pitchFamily="49" charset="0"/>
+              </a:rPr>
+              <a:t>;</a:t>
+            </a:r>
+          </a:p>
+          <a:p>
+            <a:endParaRPr lang="da-DK" sz="4800" b="1" dirty="0">
               <a:latin typeface="Consolas" panose="020B0609020204030204" pitchFamily="49" charset="0"/>
             </a:endParaRPr>
           </a:p>
           <a:p>
             <a:r>
-              <a:rPr lang="da-DK" sz="4800" b="1">
+              <a:rPr lang="da-DK" sz="4800" b="1" dirty="0">
                 <a:solidFill>
                   <a:schemeClr val="accent6">
                     <a:lumMod val="75000"/>
@@ -6005,18 +6056,35 @@
                 </a:solidFill>
                 <a:latin typeface="Consolas" panose="020B0609020204030204" pitchFamily="49" charset="0"/>
               </a:rPr>
-              <a:t>// set value</a:t>
-            </a:r>
-            <a:endParaRPr lang="da-DK" sz="4800" b="1">
+              <a:t>// set </a:t>
+            </a:r>
+            <a:r>
+              <a:rPr lang="da-DK" sz="4800" b="1" dirty="0" err="1">
+                <a:solidFill>
+                  <a:schemeClr val="accent6">
+                    <a:lumMod val="75000"/>
+                  </a:schemeClr>
+                </a:solidFill>
+                <a:latin typeface="Consolas" panose="020B0609020204030204" pitchFamily="49" charset="0"/>
+              </a:rPr>
+              <a:t>value</a:t>
+            </a:r>
+            <a:endParaRPr lang="da-DK" sz="4800" b="1" dirty="0">
               <a:latin typeface="Consolas" panose="020B0609020204030204" pitchFamily="49" charset="0"/>
             </a:endParaRPr>
           </a:p>
           <a:p>
             <a:r>
-              <a:rPr lang="da-DK" sz="4800" b="1">
-                <a:latin typeface="Consolas" panose="020B0609020204030204" pitchFamily="49" charset="0"/>
-              </a:rPr>
-              <a:t>c.price = 85000;   </a:t>
+              <a:rPr lang="da-DK" sz="4800" b="1" dirty="0" err="1">
+                <a:latin typeface="Consolas" panose="020B0609020204030204" pitchFamily="49" charset="0"/>
+              </a:rPr>
+              <a:t>c.Price</a:t>
+            </a:r>
+            <a:r>
+              <a:rPr lang="da-DK" sz="4800" b="1" dirty="0">
+                <a:latin typeface="Consolas" panose="020B0609020204030204" pitchFamily="49" charset="0"/>
+              </a:rPr>
+              <a:t> = 85000;   </a:t>
             </a:r>
           </a:p>
         </p:txBody>

--- a/Chap/OOProg01/Presentations/ObjectsClasses.pptx
+++ b/Chap/OOProg01/Presentations/ObjectsClasses.pptx
@@ -7,34 +7,41 @@
   <p:sldIdLst>
     <p:sldId id="314" r:id="rId2"/>
     <p:sldId id="315" r:id="rId3"/>
-    <p:sldId id="316" r:id="rId4"/>
-    <p:sldId id="317" r:id="rId5"/>
-    <p:sldId id="336" r:id="rId6"/>
-    <p:sldId id="337" r:id="rId7"/>
-    <p:sldId id="319" r:id="rId8"/>
-    <p:sldId id="323" r:id="rId9"/>
-    <p:sldId id="324" r:id="rId10"/>
-    <p:sldId id="320" r:id="rId11"/>
-    <p:sldId id="322" r:id="rId12"/>
-    <p:sldId id="330" r:id="rId13"/>
-    <p:sldId id="325" r:id="rId14"/>
-    <p:sldId id="326" r:id="rId15"/>
-    <p:sldId id="327" r:id="rId16"/>
-    <p:sldId id="310" r:id="rId17"/>
-    <p:sldId id="311" r:id="rId18"/>
-    <p:sldId id="338" r:id="rId19"/>
-    <p:sldId id="339" r:id="rId20"/>
-    <p:sldId id="340" r:id="rId21"/>
-    <p:sldId id="341" r:id="rId22"/>
-    <p:sldId id="342" r:id="rId23"/>
-    <p:sldId id="329" r:id="rId24"/>
-    <p:sldId id="331" r:id="rId25"/>
-    <p:sldId id="312" r:id="rId26"/>
-    <p:sldId id="328" r:id="rId27"/>
-    <p:sldId id="332" r:id="rId28"/>
-    <p:sldId id="313" r:id="rId29"/>
-    <p:sldId id="333" r:id="rId30"/>
-    <p:sldId id="335" r:id="rId31"/>
+    <p:sldId id="343" r:id="rId4"/>
+    <p:sldId id="344" r:id="rId5"/>
+    <p:sldId id="345" r:id="rId6"/>
+    <p:sldId id="346" r:id="rId7"/>
+    <p:sldId id="347" r:id="rId8"/>
+    <p:sldId id="324" r:id="rId9"/>
+    <p:sldId id="348" r:id="rId10"/>
+    <p:sldId id="316" r:id="rId11"/>
+    <p:sldId id="317" r:id="rId12"/>
+    <p:sldId id="336" r:id="rId13"/>
+    <p:sldId id="337" r:id="rId14"/>
+    <p:sldId id="319" r:id="rId15"/>
+    <p:sldId id="320" r:id="rId16"/>
+    <p:sldId id="322" r:id="rId17"/>
+    <p:sldId id="330" r:id="rId18"/>
+    <p:sldId id="325" r:id="rId19"/>
+    <p:sldId id="326" r:id="rId20"/>
+    <p:sldId id="349" r:id="rId21"/>
+    <p:sldId id="350" r:id="rId22"/>
+    <p:sldId id="327" r:id="rId23"/>
+    <p:sldId id="310" r:id="rId24"/>
+    <p:sldId id="311" r:id="rId25"/>
+    <p:sldId id="338" r:id="rId26"/>
+    <p:sldId id="339" r:id="rId27"/>
+    <p:sldId id="340" r:id="rId28"/>
+    <p:sldId id="341" r:id="rId29"/>
+    <p:sldId id="342" r:id="rId30"/>
+    <p:sldId id="329" r:id="rId31"/>
+    <p:sldId id="331" r:id="rId32"/>
+    <p:sldId id="312" r:id="rId33"/>
+    <p:sldId id="328" r:id="rId34"/>
+    <p:sldId id="332" r:id="rId35"/>
+    <p:sldId id="313" r:id="rId36"/>
+    <p:sldId id="333" r:id="rId37"/>
+    <p:sldId id="335" r:id="rId38"/>
   </p:sldIdLst>
   <p:sldSz cx="12192000" cy="6858000"/>
   <p:notesSz cx="6858000" cy="9144000"/>
@@ -270,7 +277,7 @@
           <a:p>
             <a:fld id="{E15B7D8E-2A20-4C0E-991C-872DBB7459A8}" type="datetimeFigureOut">
               <a:rPr lang="da-DK" smtClean="0"/>
-              <a:t>18-09-2022</a:t>
+              <a:t>24-08-2024</a:t>
             </a:fld>
             <a:endParaRPr lang="da-DK"/>
           </a:p>
@@ -438,7 +445,7 @@
           <a:p>
             <a:fld id="{E15B7D8E-2A20-4C0E-991C-872DBB7459A8}" type="datetimeFigureOut">
               <a:rPr lang="da-DK" smtClean="0"/>
-              <a:t>18-09-2022</a:t>
+              <a:t>24-08-2024</a:t>
             </a:fld>
             <a:endParaRPr lang="da-DK"/>
           </a:p>
@@ -616,7 +623,7 @@
           <a:p>
             <a:fld id="{E15B7D8E-2A20-4C0E-991C-872DBB7459A8}" type="datetimeFigureOut">
               <a:rPr lang="da-DK" smtClean="0"/>
-              <a:t>18-09-2022</a:t>
+              <a:t>24-08-2024</a:t>
             </a:fld>
             <a:endParaRPr lang="da-DK"/>
           </a:p>
@@ -784,7 +791,7 @@
           <a:p>
             <a:fld id="{E15B7D8E-2A20-4C0E-991C-872DBB7459A8}" type="datetimeFigureOut">
               <a:rPr lang="da-DK" smtClean="0"/>
-              <a:t>18-09-2022</a:t>
+              <a:t>24-08-2024</a:t>
             </a:fld>
             <a:endParaRPr lang="da-DK"/>
           </a:p>
@@ -1029,7 +1036,7 @@
           <a:p>
             <a:fld id="{E15B7D8E-2A20-4C0E-991C-872DBB7459A8}" type="datetimeFigureOut">
               <a:rPr lang="da-DK" smtClean="0"/>
-              <a:t>18-09-2022</a:t>
+              <a:t>24-08-2024</a:t>
             </a:fld>
             <a:endParaRPr lang="da-DK"/>
           </a:p>
@@ -1258,7 +1265,7 @@
           <a:p>
             <a:fld id="{E15B7D8E-2A20-4C0E-991C-872DBB7459A8}" type="datetimeFigureOut">
               <a:rPr lang="da-DK" smtClean="0"/>
-              <a:t>18-09-2022</a:t>
+              <a:t>24-08-2024</a:t>
             </a:fld>
             <a:endParaRPr lang="da-DK"/>
           </a:p>
@@ -1622,7 +1629,7 @@
           <a:p>
             <a:fld id="{E15B7D8E-2A20-4C0E-991C-872DBB7459A8}" type="datetimeFigureOut">
               <a:rPr lang="da-DK" smtClean="0"/>
-              <a:t>18-09-2022</a:t>
+              <a:t>24-08-2024</a:t>
             </a:fld>
             <a:endParaRPr lang="da-DK"/>
           </a:p>
@@ -1739,7 +1746,7 @@
           <a:p>
             <a:fld id="{E15B7D8E-2A20-4C0E-991C-872DBB7459A8}" type="datetimeFigureOut">
               <a:rPr lang="da-DK" smtClean="0"/>
-              <a:t>18-09-2022</a:t>
+              <a:t>24-08-2024</a:t>
             </a:fld>
             <a:endParaRPr lang="da-DK"/>
           </a:p>
@@ -1834,7 +1841,7 @@
           <a:p>
             <a:fld id="{E15B7D8E-2A20-4C0E-991C-872DBB7459A8}" type="datetimeFigureOut">
               <a:rPr lang="da-DK" smtClean="0"/>
-              <a:t>18-09-2022</a:t>
+              <a:t>24-08-2024</a:t>
             </a:fld>
             <a:endParaRPr lang="da-DK"/>
           </a:p>
@@ -2109,7 +2116,7 @@
           <a:p>
             <a:fld id="{E15B7D8E-2A20-4C0E-991C-872DBB7459A8}" type="datetimeFigureOut">
               <a:rPr lang="da-DK" smtClean="0"/>
-              <a:t>18-09-2022</a:t>
+              <a:t>24-08-2024</a:t>
             </a:fld>
             <a:endParaRPr lang="da-DK"/>
           </a:p>
@@ -2361,7 +2368,7 @@
           <a:p>
             <a:fld id="{E15B7D8E-2A20-4C0E-991C-872DBB7459A8}" type="datetimeFigureOut">
               <a:rPr lang="da-DK" smtClean="0"/>
-              <a:t>18-09-2022</a:t>
+              <a:t>24-08-2024</a:t>
             </a:fld>
             <a:endParaRPr lang="da-DK"/>
           </a:p>
@@ -2572,7 +2579,7 @@
           <a:p>
             <a:fld id="{E15B7D8E-2A20-4C0E-991C-872DBB7459A8}" type="datetimeFigureOut">
               <a:rPr lang="da-DK" smtClean="0"/>
-              <a:t>18-09-2022</a:t>
+              <a:t>24-08-2024</a:t>
             </a:fld>
             <a:endParaRPr lang="da-DK"/>
           </a:p>
@@ -3052,356 +3059,108 @@
       </p:grpSpPr>
       <p:sp>
         <p:nvSpPr>
-          <p:cNvPr id="16" name="Rektangel 15"/>
-          <p:cNvSpPr/>
-          <p:nvPr/>
-        </p:nvSpPr>
-        <p:spPr>
-          <a:xfrm>
-            <a:off x="4009091" y="1273388"/>
-            <a:ext cx="3737413" cy="5032586"/>
-          </a:xfrm>
-          <a:prstGeom prst="rect">
-            <a:avLst/>
-          </a:prstGeom>
-          <a:solidFill>
-            <a:schemeClr val="accent6">
-              <a:lumMod val="75000"/>
-            </a:schemeClr>
-          </a:solidFill>
-        </p:spPr>
-        <p:style>
-          <a:lnRef idx="2">
-            <a:schemeClr val="accent1">
-              <a:shade val="50000"/>
-            </a:schemeClr>
-          </a:lnRef>
-          <a:fillRef idx="1">
-            <a:schemeClr val="accent1"/>
-          </a:fillRef>
-          <a:effectRef idx="0">
-            <a:schemeClr val="accent1"/>
-          </a:effectRef>
-          <a:fontRef idx="minor">
-            <a:schemeClr val="lt1"/>
-          </a:fontRef>
-        </p:style>
-        <p:txBody>
-          <a:bodyPr rtlCol="0" anchor="t"/>
-          <a:lstStyle/>
-          <a:p>
-            <a:pPr algn="ctr"/>
-            <a:r>
-              <a:rPr lang="da-DK" sz="4800" b="1"/>
-              <a:t>public</a:t>
-            </a:r>
-          </a:p>
-        </p:txBody>
-      </p:sp>
-      <p:sp>
-        <p:nvSpPr>
-          <p:cNvPr id="17" name="Rektangel 16"/>
-          <p:cNvSpPr/>
-          <p:nvPr/>
-        </p:nvSpPr>
-        <p:spPr>
-          <a:xfrm>
-            <a:off x="7746504" y="1273389"/>
-            <a:ext cx="3524323" cy="5032584"/>
-          </a:xfrm>
-          <a:prstGeom prst="rect">
-            <a:avLst/>
-          </a:prstGeom>
-        </p:spPr>
-        <p:style>
-          <a:lnRef idx="2">
-            <a:schemeClr val="accent1">
-              <a:shade val="50000"/>
-            </a:schemeClr>
-          </a:lnRef>
-          <a:fillRef idx="1">
-            <a:schemeClr val="accent1"/>
-          </a:fillRef>
-          <a:effectRef idx="0">
-            <a:schemeClr val="accent1"/>
-          </a:effectRef>
-          <a:fontRef idx="minor">
-            <a:schemeClr val="lt1"/>
-          </a:fontRef>
-        </p:style>
-        <p:txBody>
-          <a:bodyPr rtlCol="0" anchor="t"/>
-          <a:lstStyle/>
-          <a:p>
-            <a:pPr algn="ctr"/>
-            <a:r>
-              <a:rPr lang="da-DK" sz="4800" b="1"/>
-              <a:t>private</a:t>
-            </a:r>
-          </a:p>
-        </p:txBody>
-      </p:sp>
-      <p:sp>
-        <p:nvSpPr>
-          <p:cNvPr id="6" name="Smilende ansigt 5"/>
-          <p:cNvSpPr/>
-          <p:nvPr/>
-        </p:nvSpPr>
-        <p:spPr>
-          <a:xfrm>
-            <a:off x="913643" y="2705594"/>
-            <a:ext cx="1544320" cy="1524000"/>
-          </a:xfrm>
-          <a:prstGeom prst="smileyFace">
-            <a:avLst/>
-          </a:prstGeom>
-        </p:spPr>
-        <p:style>
-          <a:lnRef idx="2">
-            <a:schemeClr val="accent4">
-              <a:shade val="50000"/>
-            </a:schemeClr>
-          </a:lnRef>
-          <a:fillRef idx="1">
-            <a:schemeClr val="accent4"/>
-          </a:fillRef>
-          <a:effectRef idx="0">
-            <a:schemeClr val="accent4"/>
-          </a:effectRef>
-          <a:fontRef idx="minor">
-            <a:schemeClr val="lt1"/>
-          </a:fontRef>
-        </p:style>
-        <p:txBody>
-          <a:bodyPr rtlCol="0" anchor="ctr"/>
-          <a:lstStyle/>
-          <a:p>
-            <a:pPr algn="ctr"/>
-            <a:endParaRPr lang="da-DK"/>
-          </a:p>
-        </p:txBody>
-      </p:sp>
-      <p:sp>
-        <p:nvSpPr>
-          <p:cNvPr id="7" name="Højre-venstrepil 6"/>
-          <p:cNvSpPr/>
-          <p:nvPr/>
-        </p:nvSpPr>
-        <p:spPr>
-          <a:xfrm>
-            <a:off x="2669754" y="3191022"/>
-            <a:ext cx="914400" cy="568960"/>
-          </a:xfrm>
-          <a:prstGeom prst="leftRightArrow">
-            <a:avLst/>
-          </a:prstGeom>
-          <a:solidFill>
-            <a:schemeClr val="bg1">
-              <a:lumMod val="75000"/>
-            </a:schemeClr>
-          </a:solidFill>
-        </p:spPr>
-        <p:style>
-          <a:lnRef idx="2">
-            <a:schemeClr val="accent1">
-              <a:shade val="50000"/>
-            </a:schemeClr>
-          </a:lnRef>
-          <a:fillRef idx="1">
-            <a:schemeClr val="accent1"/>
-          </a:fillRef>
-          <a:effectRef idx="0">
-            <a:schemeClr val="accent1"/>
-          </a:effectRef>
-          <a:fontRef idx="minor">
-            <a:schemeClr val="lt1"/>
-          </a:fontRef>
-        </p:style>
-        <p:txBody>
-          <a:bodyPr rtlCol="0" anchor="ctr"/>
-          <a:lstStyle/>
-          <a:p>
-            <a:pPr algn="ctr"/>
-            <a:endParaRPr lang="da-DK"/>
-          </a:p>
-        </p:txBody>
-      </p:sp>
-      <p:sp>
-        <p:nvSpPr>
-          <p:cNvPr id="20" name="Tekstfelt 19"/>
-          <p:cNvSpPr txBox="1"/>
-          <p:nvPr/>
-        </p:nvSpPr>
-        <p:spPr>
-          <a:xfrm>
-            <a:off x="4135653" y="2319495"/>
-            <a:ext cx="2745880" cy="646331"/>
-          </a:xfrm>
-          <a:prstGeom prst="rect">
-            <a:avLst/>
-          </a:prstGeom>
-          <a:noFill/>
-        </p:spPr>
-        <p:txBody>
-          <a:bodyPr wrap="none" rtlCol="0">
-            <a:spAutoFit/>
+          <p:cNvPr id="2" name="Titel 1"/>
+          <p:cNvSpPr>
+            <a:spLocks noGrp="1"/>
+          </p:cNvSpPr>
+          <p:nvPr>
+            <p:ph type="title"/>
+          </p:nvPr>
+        </p:nvSpPr>
+        <p:spPr/>
+        <p:txBody>
+          <a:bodyPr/>
+          <a:lstStyle/>
+          <a:p>
+            <a:r>
+              <a:rPr lang="da-DK" b="1"/>
+              <a:t>Class</a:t>
+            </a:r>
+            <a:r>
+              <a:rPr lang="da-DK"/>
+              <a:t> types</a:t>
+            </a:r>
+          </a:p>
+        </p:txBody>
+      </p:sp>
+      <p:sp>
+        <p:nvSpPr>
+          <p:cNvPr id="3" name="Pladsholder til indhold 2"/>
+          <p:cNvSpPr>
+            <a:spLocks noGrp="1"/>
+          </p:cNvSpPr>
+          <p:nvPr>
+            <p:ph idx="1"/>
+          </p:nvPr>
+        </p:nvSpPr>
+        <p:spPr/>
+        <p:txBody>
+          <a:bodyPr>
+            <a:normAutofit/>
           </a:bodyPr>
           <a:lstStyle/>
           <a:p>
-            <a:r>
-              <a:rPr lang="da-DK" sz="3600"/>
-              <a:t> </a:t>
-            </a:r>
-            <a:r>
-              <a:rPr lang="da-DK" sz="3600" b="1">
-                <a:solidFill>
-                  <a:srgbClr val="FFFF00"/>
-                </a:solidFill>
-              </a:rPr>
-              <a:t>Construction</a:t>
-            </a:r>
-            <a:endParaRPr lang="da-DK" sz="3600">
-              <a:solidFill>
-                <a:srgbClr val="FFFF00"/>
-              </a:solidFill>
-            </a:endParaRPr>
-          </a:p>
-        </p:txBody>
-      </p:sp>
-      <p:sp>
-        <p:nvSpPr>
-          <p:cNvPr id="21" name="Tekstfelt 20"/>
-          <p:cNvSpPr txBox="1"/>
-          <p:nvPr/>
-        </p:nvSpPr>
-        <p:spPr>
-          <a:xfrm>
-            <a:off x="4254271" y="3191022"/>
-            <a:ext cx="1168910" cy="646331"/>
-          </a:xfrm>
-          <a:prstGeom prst="rect">
-            <a:avLst/>
-          </a:prstGeom>
-          <a:noFill/>
-        </p:spPr>
-        <p:txBody>
-          <a:bodyPr wrap="none" rtlCol="0">
-            <a:spAutoFit/>
-          </a:bodyPr>
-          <a:lstStyle/>
-          <a:p>
-            <a:r>
-              <a:rPr lang="da-DK" sz="3600" b="1">
-                <a:solidFill>
-                  <a:srgbClr val="FFFF00"/>
-                </a:solidFill>
-              </a:rPr>
-              <a:t>State</a:t>
-            </a:r>
-            <a:endParaRPr lang="da-DK" sz="3600">
-              <a:solidFill>
-                <a:srgbClr val="FFFF00"/>
-              </a:solidFill>
-            </a:endParaRPr>
-          </a:p>
-        </p:txBody>
-      </p:sp>
-      <p:sp>
-        <p:nvSpPr>
-          <p:cNvPr id="22" name="Tekstfelt 21"/>
-          <p:cNvSpPr txBox="1"/>
-          <p:nvPr/>
-        </p:nvSpPr>
-        <p:spPr>
-          <a:xfrm>
-            <a:off x="4254271" y="4062549"/>
-            <a:ext cx="1888530" cy="646331"/>
-          </a:xfrm>
-          <a:prstGeom prst="rect">
-            <a:avLst/>
-          </a:prstGeom>
-          <a:noFill/>
-        </p:spPr>
-        <p:txBody>
-          <a:bodyPr wrap="none" rtlCol="0">
-            <a:spAutoFit/>
-          </a:bodyPr>
-          <a:lstStyle/>
-          <a:p>
-            <a:r>
-              <a:rPr lang="da-DK" sz="3600" b="1">
-                <a:solidFill>
-                  <a:srgbClr val="FFFF00"/>
-                </a:solidFill>
-              </a:rPr>
-              <a:t>Behavior</a:t>
-            </a:r>
-            <a:endParaRPr lang="da-DK" sz="3600">
-              <a:solidFill>
-                <a:srgbClr val="FFFF00"/>
-              </a:solidFill>
-            </a:endParaRPr>
-          </a:p>
-        </p:txBody>
-      </p:sp>
-      <p:sp>
-        <p:nvSpPr>
-          <p:cNvPr id="10" name="Tekstfelt 9"/>
-          <p:cNvSpPr txBox="1"/>
-          <p:nvPr/>
-        </p:nvSpPr>
-        <p:spPr>
-          <a:xfrm>
-            <a:off x="9191173" y="2732765"/>
-            <a:ext cx="1429934" cy="1569660"/>
-          </a:xfrm>
-          <a:prstGeom prst="rect">
-            <a:avLst/>
-          </a:prstGeom>
-          <a:noFill/>
-        </p:spPr>
-        <p:txBody>
-          <a:bodyPr wrap="square" rtlCol="0">
-            <a:spAutoFit/>
-          </a:bodyPr>
-          <a:lstStyle/>
-          <a:p>
-            <a:r>
-              <a:rPr lang="da-DK" sz="9600">
-                <a:solidFill>
-                  <a:srgbClr val="FFFF00"/>
-                </a:solidFill>
-              </a:rPr>
-              <a:t>?</a:t>
-            </a:r>
-          </a:p>
-        </p:txBody>
-      </p:sp>
-      <p:sp>
-        <p:nvSpPr>
-          <p:cNvPr id="2" name="Tekstfelt 1"/>
-          <p:cNvSpPr txBox="1"/>
-          <p:nvPr/>
-        </p:nvSpPr>
-        <p:spPr>
-          <a:xfrm>
-            <a:off x="872567" y="1660358"/>
-            <a:ext cx="1626471" cy="830997"/>
-          </a:xfrm>
-          <a:prstGeom prst="rect">
-            <a:avLst/>
-          </a:prstGeom>
-          <a:noFill/>
-        </p:spPr>
-        <p:txBody>
-          <a:bodyPr wrap="none" rtlCol="0">
-            <a:spAutoFit/>
-          </a:bodyPr>
-          <a:lstStyle/>
-          <a:p>
-            <a:r>
-              <a:rPr lang="da-DK" sz="4800"/>
-              <a:t>Client</a:t>
+            <a:pPr marL="457200" lvl="1" indent="0">
+              <a:buNone/>
+            </a:pPr>
+            <a:r>
+              <a:rPr lang="da-DK" sz="6000" b="1">
+                <a:solidFill>
+                  <a:schemeClr val="accent6">
+                    <a:lumMod val="75000"/>
+                  </a:schemeClr>
+                </a:solidFill>
+                <a:latin typeface="Consolas" panose="020B0609020204030204" pitchFamily="49" charset="0"/>
+              </a:rPr>
+              <a:t>Student</a:t>
+            </a:r>
+          </a:p>
+          <a:p>
+            <a:pPr marL="457200" lvl="1" indent="0">
+              <a:buNone/>
+            </a:pPr>
+            <a:r>
+              <a:rPr lang="da-DK" sz="6000" b="1">
+                <a:solidFill>
+                  <a:schemeClr val="accent6">
+                    <a:lumMod val="75000"/>
+                  </a:schemeClr>
+                </a:solidFill>
+                <a:latin typeface="Consolas" panose="020B0609020204030204" pitchFamily="49" charset="0"/>
+              </a:rPr>
+              <a:t>TimeTable</a:t>
+            </a:r>
+          </a:p>
+          <a:p>
+            <a:pPr marL="457200" lvl="1" indent="0">
+              <a:buNone/>
+            </a:pPr>
+            <a:r>
+              <a:rPr lang="da-DK" sz="6000" b="1">
+                <a:solidFill>
+                  <a:schemeClr val="accent6">
+                    <a:lumMod val="75000"/>
+                  </a:schemeClr>
+                </a:solidFill>
+                <a:latin typeface="Consolas" panose="020B0609020204030204" pitchFamily="49" charset="0"/>
+              </a:rPr>
+              <a:t>TimeTablePlanner</a:t>
+            </a:r>
+          </a:p>
+          <a:p>
+            <a:pPr marL="457200" lvl="1" indent="0">
+              <a:buNone/>
+            </a:pPr>
+            <a:r>
+              <a:rPr lang="da-DK" sz="6000" b="1">
+                <a:solidFill>
+                  <a:schemeClr val="accent6">
+                    <a:lumMod val="75000"/>
+                  </a:schemeClr>
+                </a:solidFill>
+                <a:latin typeface="Consolas" panose="020B0609020204030204" pitchFamily="49" charset="0"/>
+              </a:rPr>
+              <a:t>ListBox</a:t>
             </a:r>
           </a:p>
         </p:txBody>
@@ -3409,13 +3168,25 @@
     </p:spTree>
     <p:extLst>
       <p:ext uri="{BB962C8B-B14F-4D97-AF65-F5344CB8AC3E}">
-        <p14:creationId xmlns:p14="http://schemas.microsoft.com/office/powerpoint/2010/main" val="368702114"/>
+        <p14:creationId xmlns:p14="http://schemas.microsoft.com/office/powerpoint/2010/main" val="3693650341"/>
       </p:ext>
     </p:extLst>
   </p:cSld>
   <p:clrMapOvr>
     <a:masterClrMapping/>
   </p:clrMapOvr>
+  <mc:AlternateContent xmlns:mc="http://schemas.openxmlformats.org/markup-compatibility/2006">
+    <mc:Choice xmlns:p14="http://schemas.microsoft.com/office/powerpoint/2010/main" Requires="p14">
+      <p:transition spd="med" p14:dur="700">
+        <p:fade/>
+      </p:transition>
+    </mc:Choice>
+    <mc:Fallback>
+      <p:transition spd="med">
+        <p:fade/>
+      </p:transition>
+    </mc:Fallback>
+  </mc:AlternateContent>
 </p:sld>
 </file>
 
@@ -3438,24 +3209,239 @@
       </p:grpSpPr>
       <p:sp>
         <p:nvSpPr>
-          <p:cNvPr id="16" name="Rektangel 15"/>
+          <p:cNvPr id="3" name="Pladsholder til indhold 2"/>
+          <p:cNvSpPr>
+            <a:spLocks noGrp="1"/>
+          </p:cNvSpPr>
+          <p:nvPr>
+            <p:ph idx="1"/>
+          </p:nvPr>
+        </p:nvSpPr>
+        <p:spPr>
+          <a:xfrm>
+            <a:off x="838200" y="751974"/>
+            <a:ext cx="10515600" cy="5424989"/>
+          </a:xfrm>
+        </p:spPr>
+        <p:txBody>
+          <a:bodyPr>
+            <a:normAutofit/>
+          </a:bodyPr>
+          <a:lstStyle/>
+          <a:p>
+            <a:pPr marL="0" indent="0">
+              <a:buNone/>
+            </a:pPr>
+            <a:endParaRPr lang="da-DK" sz="4400" b="1">
+              <a:solidFill>
+                <a:schemeClr val="accent6">
+                  <a:lumMod val="75000"/>
+                </a:schemeClr>
+              </a:solidFill>
+              <a:latin typeface="Consolas" panose="020B0609020204030204" pitchFamily="49" charset="0"/>
+            </a:endParaRPr>
+          </a:p>
+          <a:p>
+            <a:pPr marL="0" indent="0">
+              <a:buNone/>
+            </a:pPr>
+            <a:r>
+              <a:rPr lang="da-DK" sz="4400" b="1">
+                <a:solidFill>
+                  <a:schemeClr val="accent6">
+                    <a:lumMod val="75000"/>
+                  </a:schemeClr>
+                </a:solidFill>
+                <a:latin typeface="Consolas" panose="020B0609020204030204" pitchFamily="49" charset="0"/>
+              </a:rPr>
+              <a:t>Student    </a:t>
+            </a:r>
+            <a:r>
+              <a:rPr lang="da-DK" sz="4400" b="1">
+                <a:solidFill>
+                  <a:schemeClr val="bg1">
+                    <a:lumMod val="50000"/>
+                  </a:schemeClr>
+                </a:solidFill>
+                <a:latin typeface="Consolas" panose="020B0609020204030204" pitchFamily="49" charset="0"/>
+              </a:rPr>
+              <a:t>// Physical entity</a:t>
+            </a:r>
+            <a:r>
+              <a:rPr lang="da-DK" sz="4400" b="1">
+                <a:solidFill>
+                  <a:schemeClr val="accent6">
+                    <a:lumMod val="75000"/>
+                  </a:schemeClr>
+                </a:solidFill>
+                <a:latin typeface="Consolas" panose="020B0609020204030204" pitchFamily="49" charset="0"/>
+              </a:rPr>
+              <a:t> </a:t>
+            </a:r>
+          </a:p>
+          <a:p>
+            <a:pPr marL="0" indent="0">
+              <a:buNone/>
+            </a:pPr>
+            <a:r>
+              <a:rPr lang="da-DK" sz="4400" b="1">
+                <a:solidFill>
+                  <a:schemeClr val="accent6">
+                    <a:lumMod val="75000"/>
+                  </a:schemeClr>
+                </a:solidFill>
+                <a:latin typeface="Consolas" panose="020B0609020204030204" pitchFamily="49" charset="0"/>
+              </a:rPr>
+              <a:t>TimeTable  </a:t>
+            </a:r>
+            <a:r>
+              <a:rPr lang="da-DK" sz="4400" b="1">
+                <a:solidFill>
+                  <a:schemeClr val="bg1">
+                    <a:lumMod val="50000"/>
+                  </a:schemeClr>
+                </a:solidFill>
+                <a:latin typeface="Consolas" panose="020B0609020204030204" pitchFamily="49" charset="0"/>
+              </a:rPr>
+              <a:t>// Conceptual entity</a:t>
+            </a:r>
+            <a:endParaRPr lang="da-DK" sz="4400" b="1">
+              <a:solidFill>
+                <a:schemeClr val="accent6">
+                  <a:lumMod val="75000"/>
+                </a:schemeClr>
+              </a:solidFill>
+              <a:latin typeface="Consolas" panose="020B0609020204030204" pitchFamily="49" charset="0"/>
+            </a:endParaRPr>
+          </a:p>
+          <a:p>
+            <a:pPr marL="0" indent="0">
+              <a:buNone/>
+            </a:pPr>
+            <a:r>
+              <a:rPr lang="da-DK" sz="4400" b="1">
+                <a:solidFill>
+                  <a:schemeClr val="accent6">
+                    <a:lumMod val="75000"/>
+                  </a:schemeClr>
+                </a:solidFill>
+                <a:latin typeface="Consolas" panose="020B0609020204030204" pitchFamily="49" charset="0"/>
+              </a:rPr>
+              <a:t>TimeTablePlanner </a:t>
+            </a:r>
+            <a:r>
+              <a:rPr lang="da-DK" sz="4400" b="1">
+                <a:solidFill>
+                  <a:schemeClr val="bg1">
+                    <a:lumMod val="50000"/>
+                  </a:schemeClr>
+                </a:solidFill>
+                <a:latin typeface="Consolas" panose="020B0609020204030204" pitchFamily="49" charset="0"/>
+              </a:rPr>
+              <a:t>// Process</a:t>
+            </a:r>
+            <a:endParaRPr lang="da-DK" sz="4400" b="1">
+              <a:solidFill>
+                <a:schemeClr val="accent6">
+                  <a:lumMod val="75000"/>
+                </a:schemeClr>
+              </a:solidFill>
+              <a:latin typeface="Consolas" panose="020B0609020204030204" pitchFamily="49" charset="0"/>
+            </a:endParaRPr>
+          </a:p>
+          <a:p>
+            <a:pPr marL="0" indent="0">
+              <a:buNone/>
+            </a:pPr>
+            <a:r>
+              <a:rPr lang="da-DK" sz="4400" b="1">
+                <a:solidFill>
+                  <a:schemeClr val="accent6">
+                    <a:lumMod val="75000"/>
+                  </a:schemeClr>
+                </a:solidFill>
+                <a:latin typeface="Consolas" panose="020B0609020204030204" pitchFamily="49" charset="0"/>
+              </a:rPr>
+              <a:t>ListBox </a:t>
+            </a:r>
+            <a:r>
+              <a:rPr lang="da-DK" sz="4400" b="1">
+                <a:solidFill>
+                  <a:schemeClr val="bg1">
+                    <a:lumMod val="50000"/>
+                  </a:schemeClr>
+                </a:solidFill>
+                <a:latin typeface="Consolas" panose="020B0609020204030204" pitchFamily="49" charset="0"/>
+              </a:rPr>
+              <a:t>// Software entity</a:t>
+            </a:r>
+            <a:endParaRPr lang="da-DK" sz="4400" b="1">
+              <a:solidFill>
+                <a:schemeClr val="accent6">
+                  <a:lumMod val="75000"/>
+                </a:schemeClr>
+              </a:solidFill>
+              <a:latin typeface="Consolas" panose="020B0609020204030204" pitchFamily="49" charset="0"/>
+            </a:endParaRPr>
+          </a:p>
+        </p:txBody>
+      </p:sp>
+    </p:spTree>
+    <p:extLst>
+      <p:ext uri="{BB962C8B-B14F-4D97-AF65-F5344CB8AC3E}">
+        <p14:creationId xmlns:p14="http://schemas.microsoft.com/office/powerpoint/2010/main" val="1908328238"/>
+      </p:ext>
+    </p:extLst>
+  </p:cSld>
+  <p:clrMapOvr>
+    <a:masterClrMapping/>
+  </p:clrMapOvr>
+  <mc:AlternateContent xmlns:mc="http://schemas.openxmlformats.org/markup-compatibility/2006">
+    <mc:Choice xmlns:p14="http://schemas.microsoft.com/office/powerpoint/2010/main" Requires="p14">
+      <p:transition spd="med" p14:dur="700">
+        <p:fade/>
+      </p:transition>
+    </mc:Choice>
+    <mc:Fallback>
+      <p:transition spd="med">
+        <p:fade/>
+      </p:transition>
+    </mc:Fallback>
+  </mc:AlternateContent>
+</p:sld>
+</file>
+
+<file path=ppt/slides/slide12.xml><?xml version="1.0" encoding="utf-8"?>
+<p:sld xmlns:a="http://schemas.openxmlformats.org/drawingml/2006/main" xmlns:r="http://schemas.openxmlformats.org/officeDocument/2006/relationships" xmlns:p="http://schemas.openxmlformats.org/presentationml/2006/main">
+  <p:cSld>
+    <p:spTree>
+      <p:nvGrpSpPr>
+        <p:cNvPr id="1" name=""/>
+        <p:cNvGrpSpPr/>
+        <p:nvPr/>
+      </p:nvGrpSpPr>
+      <p:grpSpPr>
+        <a:xfrm>
+          <a:off x="0" y="0"/>
+          <a:ext cx="0" cy="0"/>
+          <a:chOff x="0" y="0"/>
+          <a:chExt cx="0" cy="0"/>
+        </a:xfrm>
+      </p:grpSpPr>
+      <p:sp>
+        <p:nvSpPr>
+          <p:cNvPr id="4" name="Afrundet rektangel 3"/>
           <p:cNvSpPr/>
           <p:nvPr/>
         </p:nvSpPr>
         <p:spPr>
           <a:xfrm>
-            <a:off x="4009091" y="1273388"/>
-            <a:ext cx="3737413" cy="5032586"/>
-          </a:xfrm>
-          <a:prstGeom prst="rect">
+            <a:off x="1100889" y="860258"/>
+            <a:ext cx="10064416" cy="5311942"/>
+          </a:xfrm>
+          <a:prstGeom prst="roundRect">
             <a:avLst/>
           </a:prstGeom>
-          <a:solidFill>
-            <a:schemeClr val="tx1">
-              <a:lumMod val="95000"/>
-              <a:lumOff val="5000"/>
-            </a:schemeClr>
-          </a:solidFill>
         </p:spPr>
         <p:style>
           <a:lnRef idx="2">
@@ -3479,8 +3465,576 @@
           <a:p>
             <a:pPr algn="ctr"/>
             <a:r>
+              <a:rPr lang="da-DK" sz="7200"/>
+              <a:t>Class</a:t>
+            </a:r>
+          </a:p>
+        </p:txBody>
+      </p:sp>
+      <p:sp>
+        <p:nvSpPr>
+          <p:cNvPr id="5" name="Afrundet rektangel 4"/>
+          <p:cNvSpPr/>
+          <p:nvPr/>
+        </p:nvSpPr>
+        <p:spPr>
+          <a:xfrm>
+            <a:off x="6990347" y="2550695"/>
+            <a:ext cx="3410953" cy="2586789"/>
+          </a:xfrm>
+          <a:prstGeom prst="roundRect">
+            <a:avLst/>
+          </a:prstGeom>
+          <a:solidFill>
+            <a:schemeClr val="accent6">
+              <a:lumMod val="75000"/>
+            </a:schemeClr>
+          </a:solidFill>
+        </p:spPr>
+        <p:style>
+          <a:lnRef idx="2">
+            <a:schemeClr val="accent1">
+              <a:shade val="50000"/>
+            </a:schemeClr>
+          </a:lnRef>
+          <a:fillRef idx="1">
+            <a:schemeClr val="accent1"/>
+          </a:fillRef>
+          <a:effectRef idx="0">
+            <a:schemeClr val="accent1"/>
+          </a:effectRef>
+          <a:fontRef idx="minor">
+            <a:schemeClr val="lt1"/>
+          </a:fontRef>
+        </p:style>
+        <p:txBody>
+          <a:bodyPr rtlCol="0" anchor="ctr"/>
+          <a:lstStyle/>
+          <a:p>
+            <a:pPr algn="ctr"/>
+            <a:r>
+              <a:rPr lang="da-DK" sz="6000"/>
+              <a:t>Logic</a:t>
+            </a:r>
+          </a:p>
+        </p:txBody>
+      </p:sp>
+      <p:sp>
+        <p:nvSpPr>
+          <p:cNvPr id="6" name="Afrundet rektangel 5"/>
+          <p:cNvSpPr/>
+          <p:nvPr/>
+        </p:nvSpPr>
+        <p:spPr>
+          <a:xfrm>
+            <a:off x="2059405" y="2550695"/>
+            <a:ext cx="3410953" cy="2586789"/>
+          </a:xfrm>
+          <a:prstGeom prst="roundRect">
+            <a:avLst/>
+          </a:prstGeom>
+          <a:solidFill>
+            <a:srgbClr val="C00000"/>
+          </a:solidFill>
+        </p:spPr>
+        <p:style>
+          <a:lnRef idx="2">
+            <a:schemeClr val="accent1">
+              <a:shade val="50000"/>
+            </a:schemeClr>
+          </a:lnRef>
+          <a:fillRef idx="1">
+            <a:schemeClr val="accent1"/>
+          </a:fillRef>
+          <a:effectRef idx="0">
+            <a:schemeClr val="accent1"/>
+          </a:effectRef>
+          <a:fontRef idx="minor">
+            <a:schemeClr val="lt1"/>
+          </a:fontRef>
+        </p:style>
+        <p:txBody>
+          <a:bodyPr rtlCol="0" anchor="ctr"/>
+          <a:lstStyle/>
+          <a:p>
+            <a:pPr algn="ctr"/>
+            <a:r>
+              <a:rPr lang="da-DK" sz="6000"/>
+              <a:t>Data</a:t>
+            </a:r>
+          </a:p>
+        </p:txBody>
+      </p:sp>
+    </p:spTree>
+    <p:extLst>
+      <p:ext uri="{BB962C8B-B14F-4D97-AF65-F5344CB8AC3E}">
+        <p14:creationId xmlns:p14="http://schemas.microsoft.com/office/powerpoint/2010/main" val="1580180874"/>
+      </p:ext>
+    </p:extLst>
+  </p:cSld>
+  <p:clrMapOvr>
+    <a:masterClrMapping/>
+  </p:clrMapOvr>
+  <mc:AlternateContent xmlns:mc="http://schemas.openxmlformats.org/markup-compatibility/2006">
+    <mc:Choice xmlns:p14="http://schemas.microsoft.com/office/powerpoint/2010/main" Requires="p14">
+      <p:transition spd="med" p14:dur="700">
+        <p:fade/>
+      </p:transition>
+    </mc:Choice>
+    <mc:Fallback>
+      <p:transition spd="med">
+        <p:fade/>
+      </p:transition>
+    </mc:Fallback>
+  </mc:AlternateContent>
+</p:sld>
+</file>
+
+<file path=ppt/slides/slide13.xml><?xml version="1.0" encoding="utf-8"?>
+<p:sld xmlns:a="http://schemas.openxmlformats.org/drawingml/2006/main" xmlns:r="http://schemas.openxmlformats.org/officeDocument/2006/relationships" xmlns:p="http://schemas.openxmlformats.org/presentationml/2006/main">
+  <p:cSld>
+    <p:spTree>
+      <p:nvGrpSpPr>
+        <p:cNvPr id="1" name=""/>
+        <p:cNvGrpSpPr/>
+        <p:nvPr/>
+      </p:nvGrpSpPr>
+      <p:grpSpPr>
+        <a:xfrm>
+          <a:off x="0" y="0"/>
+          <a:ext cx="0" cy="0"/>
+          <a:chOff x="0" y="0"/>
+          <a:chExt cx="0" cy="0"/>
+        </a:xfrm>
+      </p:grpSpPr>
+      <p:sp>
+        <p:nvSpPr>
+          <p:cNvPr id="4" name="Afrundet rektangel 3"/>
+          <p:cNvSpPr/>
+          <p:nvPr/>
+        </p:nvSpPr>
+        <p:spPr>
+          <a:xfrm>
+            <a:off x="1100889" y="860258"/>
+            <a:ext cx="10064416" cy="5311942"/>
+          </a:xfrm>
+          <a:prstGeom prst="roundRect">
+            <a:avLst/>
+          </a:prstGeom>
+        </p:spPr>
+        <p:style>
+          <a:lnRef idx="2">
+            <a:schemeClr val="accent1">
+              <a:shade val="50000"/>
+            </a:schemeClr>
+          </a:lnRef>
+          <a:fillRef idx="1">
+            <a:schemeClr val="accent1"/>
+          </a:fillRef>
+          <a:effectRef idx="0">
+            <a:schemeClr val="accent1"/>
+          </a:effectRef>
+          <a:fontRef idx="minor">
+            <a:schemeClr val="lt1"/>
+          </a:fontRef>
+        </p:style>
+        <p:txBody>
+          <a:bodyPr rtlCol="0" anchor="t"/>
+          <a:lstStyle/>
+          <a:p>
+            <a:pPr algn="ctr"/>
+            <a:r>
+              <a:rPr lang="da-DK" sz="7200"/>
+              <a:t>Class</a:t>
+            </a:r>
+          </a:p>
+        </p:txBody>
+      </p:sp>
+      <p:sp>
+        <p:nvSpPr>
+          <p:cNvPr id="5" name="Afrundet rektangel 4"/>
+          <p:cNvSpPr/>
+          <p:nvPr/>
+        </p:nvSpPr>
+        <p:spPr>
+          <a:xfrm>
+            <a:off x="6990347" y="2550695"/>
+            <a:ext cx="3410953" cy="2586789"/>
+          </a:xfrm>
+          <a:prstGeom prst="roundRect">
+            <a:avLst/>
+          </a:prstGeom>
+          <a:solidFill>
+            <a:schemeClr val="accent6">
+              <a:lumMod val="75000"/>
+            </a:schemeClr>
+          </a:solidFill>
+        </p:spPr>
+        <p:style>
+          <a:lnRef idx="2">
+            <a:schemeClr val="accent1">
+              <a:shade val="50000"/>
+            </a:schemeClr>
+          </a:lnRef>
+          <a:fillRef idx="1">
+            <a:schemeClr val="accent1"/>
+          </a:fillRef>
+          <a:effectRef idx="0">
+            <a:schemeClr val="accent1"/>
+          </a:effectRef>
+          <a:fontRef idx="minor">
+            <a:schemeClr val="lt1"/>
+          </a:fontRef>
+        </p:style>
+        <p:txBody>
+          <a:bodyPr rtlCol="0" anchor="ctr"/>
+          <a:lstStyle/>
+          <a:p>
+            <a:pPr algn="ctr"/>
+            <a:r>
+              <a:rPr lang="da-DK" sz="6000"/>
+              <a:t>Behavior</a:t>
+            </a:r>
+          </a:p>
+        </p:txBody>
+      </p:sp>
+      <p:sp>
+        <p:nvSpPr>
+          <p:cNvPr id="6" name="Afrundet rektangel 5"/>
+          <p:cNvSpPr/>
+          <p:nvPr/>
+        </p:nvSpPr>
+        <p:spPr>
+          <a:xfrm>
+            <a:off x="2059405" y="2550695"/>
+            <a:ext cx="3410953" cy="2586789"/>
+          </a:xfrm>
+          <a:prstGeom prst="roundRect">
+            <a:avLst/>
+          </a:prstGeom>
+          <a:solidFill>
+            <a:srgbClr val="C00000"/>
+          </a:solidFill>
+        </p:spPr>
+        <p:style>
+          <a:lnRef idx="2">
+            <a:schemeClr val="accent1">
+              <a:shade val="50000"/>
+            </a:schemeClr>
+          </a:lnRef>
+          <a:fillRef idx="1">
+            <a:schemeClr val="accent1"/>
+          </a:fillRef>
+          <a:effectRef idx="0">
+            <a:schemeClr val="accent1"/>
+          </a:effectRef>
+          <a:fontRef idx="minor">
+            <a:schemeClr val="lt1"/>
+          </a:fontRef>
+        </p:style>
+        <p:txBody>
+          <a:bodyPr rtlCol="0" anchor="ctr"/>
+          <a:lstStyle/>
+          <a:p>
+            <a:pPr algn="ctr"/>
+            <a:r>
+              <a:rPr lang="da-DK" sz="6000"/>
+              <a:t>State</a:t>
+            </a:r>
+          </a:p>
+        </p:txBody>
+      </p:sp>
+    </p:spTree>
+    <p:extLst>
+      <p:ext uri="{BB962C8B-B14F-4D97-AF65-F5344CB8AC3E}">
+        <p14:creationId xmlns:p14="http://schemas.microsoft.com/office/powerpoint/2010/main" val="1617663655"/>
+      </p:ext>
+    </p:extLst>
+  </p:cSld>
+  <p:clrMapOvr>
+    <a:masterClrMapping/>
+  </p:clrMapOvr>
+  <mc:AlternateContent xmlns:mc="http://schemas.openxmlformats.org/markup-compatibility/2006" xmlns:p14="http://schemas.microsoft.com/office/powerpoint/2010/main">
+    <mc:Choice Requires="p14">
+      <p:transition spd="med" p14:dur="700">
+        <p:fade/>
+      </p:transition>
+    </mc:Choice>
+    <mc:Fallback xmlns="">
+      <p:transition spd="med">
+        <p:fade/>
+      </p:transition>
+    </mc:Fallback>
+  </mc:AlternateContent>
+</p:sld>
+</file>
+
+<file path=ppt/slides/slide14.xml><?xml version="1.0" encoding="utf-8"?>
+<p:sld xmlns:a="http://schemas.openxmlformats.org/drawingml/2006/main" xmlns:r="http://schemas.openxmlformats.org/officeDocument/2006/relationships" xmlns:p="http://schemas.openxmlformats.org/presentationml/2006/main">
+  <p:cSld>
+    <p:spTree>
+      <p:nvGrpSpPr>
+        <p:cNvPr id="1" name=""/>
+        <p:cNvGrpSpPr/>
+        <p:nvPr/>
+      </p:nvGrpSpPr>
+      <p:grpSpPr>
+        <a:xfrm>
+          <a:off x="0" y="0"/>
+          <a:ext cx="0" cy="0"/>
+          <a:chOff x="0" y="0"/>
+          <a:chExt cx="0" cy="0"/>
+        </a:xfrm>
+      </p:grpSpPr>
+      <p:sp>
+        <p:nvSpPr>
+          <p:cNvPr id="2" name="Titel 1"/>
+          <p:cNvSpPr>
+            <a:spLocks noGrp="1"/>
+          </p:cNvSpPr>
+          <p:nvPr>
+            <p:ph type="title"/>
+          </p:nvPr>
+        </p:nvSpPr>
+        <p:spPr/>
+        <p:txBody>
+          <a:bodyPr/>
+          <a:lstStyle/>
+          <a:p>
+            <a:r>
+              <a:rPr lang="da-DK"/>
+              <a:t>Where do classes come from…?</a:t>
+            </a:r>
+          </a:p>
+        </p:txBody>
+      </p:sp>
+      <p:sp>
+        <p:nvSpPr>
+          <p:cNvPr id="3" name="Pladsholder til indhold 2"/>
+          <p:cNvSpPr>
+            <a:spLocks noGrp="1"/>
+          </p:cNvSpPr>
+          <p:nvPr>
+            <p:ph idx="1"/>
+          </p:nvPr>
+        </p:nvSpPr>
+        <p:spPr>
+          <a:xfrm>
+            <a:off x="838200" y="1825625"/>
+            <a:ext cx="6254416" cy="4351338"/>
+          </a:xfrm>
+        </p:spPr>
+        <p:txBody>
+          <a:bodyPr/>
+          <a:lstStyle/>
+          <a:p>
+            <a:r>
+              <a:rPr lang="da-DK"/>
+              <a:t>.NET class library</a:t>
+            </a:r>
+          </a:p>
+          <a:p>
+            <a:r>
+              <a:rPr lang="da-DK"/>
+              <a:t>Third-party suppliers (e.g. via NuGet)</a:t>
+            </a:r>
+          </a:p>
+          <a:p>
+            <a:r>
+              <a:rPr lang="da-DK"/>
+              <a:t>Open source (e.g. from GitHub)</a:t>
+            </a:r>
+          </a:p>
+          <a:p>
+            <a:r>
+              <a:rPr lang="da-DK"/>
+              <a:t>Own company</a:t>
+            </a:r>
+          </a:p>
+          <a:p>
+            <a:r>
+              <a:rPr lang="da-DK"/>
+              <a:t>Your own library</a:t>
+            </a:r>
+          </a:p>
+          <a:p>
+            <a:r>
+              <a:rPr lang="da-DK"/>
+              <a:t>Write it yourself…</a:t>
+            </a:r>
+          </a:p>
+        </p:txBody>
+      </p:sp>
+      <p:pic>
+        <p:nvPicPr>
+          <p:cNvPr id="4" name="Picture 2" descr="Billedresultat for stork"/>
+          <p:cNvPicPr>
+            <a:picLocks noChangeAspect="1" noChangeArrowheads="1"/>
+          </p:cNvPicPr>
+          <p:nvPr/>
+        </p:nvPicPr>
+        <p:blipFill>
+          <a:blip r:embed="rId2" cstate="print">
+            <a:extLst>
+              <a:ext uri="{28A0092B-C50C-407E-A947-70E740481C1C}">
+                <a14:useLocalDpi xmlns:a14="http://schemas.microsoft.com/office/drawing/2010/main" val="0"/>
+              </a:ext>
+            </a:extLst>
+          </a:blip>
+          <a:srcRect/>
+          <a:stretch>
+            <a:fillRect/>
+          </a:stretch>
+        </p:blipFill>
+        <p:spPr bwMode="auto">
+          <a:xfrm flipH="1">
+            <a:off x="8436334" y="1720856"/>
+            <a:ext cx="3204928" cy="3873267"/>
+          </a:xfrm>
+          <a:prstGeom prst="rect">
+            <a:avLst/>
+          </a:prstGeom>
+          <a:noFill/>
+          <a:extLst>
+            <a:ext uri="{909E8E84-426E-40DD-AFC4-6F175D3DCCD1}">
+              <a14:hiddenFill xmlns:a14="http://schemas.microsoft.com/office/drawing/2010/main">
+                <a:solidFill>
+                  <a:srgbClr val="FFFFFF"/>
+                </a:solidFill>
+              </a14:hiddenFill>
+            </a:ext>
+          </a:extLst>
+        </p:spPr>
+      </p:pic>
+    </p:spTree>
+    <p:extLst>
+      <p:ext uri="{BB962C8B-B14F-4D97-AF65-F5344CB8AC3E}">
+        <p14:creationId xmlns:p14="http://schemas.microsoft.com/office/powerpoint/2010/main" val="104270971"/>
+      </p:ext>
+    </p:extLst>
+  </p:cSld>
+  <p:clrMapOvr>
+    <a:masterClrMapping/>
+  </p:clrMapOvr>
+  <mc:AlternateContent xmlns:mc="http://schemas.openxmlformats.org/markup-compatibility/2006">
+    <mc:Choice xmlns:p14="http://schemas.microsoft.com/office/powerpoint/2010/main" Requires="p14">
+      <p:transition spd="med" p14:dur="700">
+        <p:fade/>
+      </p:transition>
+    </mc:Choice>
+    <mc:Fallback>
+      <p:transition spd="med">
+        <p:fade/>
+      </p:transition>
+    </mc:Fallback>
+  </mc:AlternateContent>
+</p:sld>
+</file>
+
+<file path=ppt/slides/slide15.xml><?xml version="1.0" encoding="utf-8"?>
+<p:sld xmlns:a="http://schemas.openxmlformats.org/drawingml/2006/main" xmlns:r="http://schemas.openxmlformats.org/officeDocument/2006/relationships" xmlns:p="http://schemas.openxmlformats.org/presentationml/2006/main">
+  <p:cSld>
+    <p:spTree>
+      <p:nvGrpSpPr>
+        <p:cNvPr id="1" name=""/>
+        <p:cNvGrpSpPr/>
+        <p:nvPr/>
+      </p:nvGrpSpPr>
+      <p:grpSpPr>
+        <a:xfrm>
+          <a:off x="0" y="0"/>
+          <a:ext cx="0" cy="0"/>
+          <a:chOff x="0" y="0"/>
+          <a:chExt cx="0" cy="0"/>
+        </a:xfrm>
+      </p:grpSpPr>
+      <p:sp>
+        <p:nvSpPr>
+          <p:cNvPr id="16" name="Rektangel 15"/>
+          <p:cNvSpPr/>
+          <p:nvPr/>
+        </p:nvSpPr>
+        <p:spPr>
+          <a:xfrm>
+            <a:off x="4009091" y="1273388"/>
+            <a:ext cx="3737413" cy="5032586"/>
+          </a:xfrm>
+          <a:prstGeom prst="rect">
+            <a:avLst/>
+          </a:prstGeom>
+          <a:solidFill>
+            <a:schemeClr val="accent6">
+              <a:lumMod val="75000"/>
+            </a:schemeClr>
+          </a:solidFill>
+        </p:spPr>
+        <p:style>
+          <a:lnRef idx="2">
+            <a:schemeClr val="accent1">
+              <a:shade val="50000"/>
+            </a:schemeClr>
+          </a:lnRef>
+          <a:fillRef idx="1">
+            <a:schemeClr val="accent1"/>
+          </a:fillRef>
+          <a:effectRef idx="0">
+            <a:schemeClr val="accent1"/>
+          </a:effectRef>
+          <a:fontRef idx="minor">
+            <a:schemeClr val="lt1"/>
+          </a:fontRef>
+        </p:style>
+        <p:txBody>
+          <a:bodyPr rtlCol="0" anchor="t"/>
+          <a:lstStyle/>
+          <a:p>
+            <a:pPr algn="ctr"/>
+            <a:r>
               <a:rPr lang="da-DK" sz="4800" b="1"/>
-              <a:t>Black Box</a:t>
+              <a:t>public</a:t>
+            </a:r>
+          </a:p>
+        </p:txBody>
+      </p:sp>
+      <p:sp>
+        <p:nvSpPr>
+          <p:cNvPr id="17" name="Rektangel 16"/>
+          <p:cNvSpPr/>
+          <p:nvPr/>
+        </p:nvSpPr>
+        <p:spPr>
+          <a:xfrm>
+            <a:off x="7746504" y="1273389"/>
+            <a:ext cx="3524323" cy="5032584"/>
+          </a:xfrm>
+          <a:prstGeom prst="rect">
+            <a:avLst/>
+          </a:prstGeom>
+        </p:spPr>
+        <p:style>
+          <a:lnRef idx="2">
+            <a:schemeClr val="accent1">
+              <a:shade val="50000"/>
+            </a:schemeClr>
+          </a:lnRef>
+          <a:fillRef idx="1">
+            <a:schemeClr val="accent1"/>
+          </a:fillRef>
+          <a:effectRef idx="0">
+            <a:schemeClr val="accent1"/>
+          </a:effectRef>
+          <a:fontRef idx="minor">
+            <a:schemeClr val="lt1"/>
+          </a:fontRef>
+        </p:style>
+        <p:txBody>
+          <a:bodyPr rtlCol="0" anchor="t"/>
+          <a:lstStyle/>
+          <a:p>
+            <a:pPr algn="ctr"/>
+            <a:r>
+              <a:rPr lang="da-DK" sz="4800" b="1"/>
+              <a:t>private</a:t>
             </a:r>
           </a:p>
         </p:txBody>
@@ -3572,6 +4126,362 @@
       </p:sp>
       <p:sp>
         <p:nvSpPr>
+          <p:cNvPr id="20" name="Tekstfelt 19"/>
+          <p:cNvSpPr txBox="1"/>
+          <p:nvPr/>
+        </p:nvSpPr>
+        <p:spPr>
+          <a:xfrm>
+            <a:off x="4135653" y="2319495"/>
+            <a:ext cx="2745880" cy="646331"/>
+          </a:xfrm>
+          <a:prstGeom prst="rect">
+            <a:avLst/>
+          </a:prstGeom>
+          <a:noFill/>
+        </p:spPr>
+        <p:txBody>
+          <a:bodyPr wrap="none" rtlCol="0">
+            <a:spAutoFit/>
+          </a:bodyPr>
+          <a:lstStyle/>
+          <a:p>
+            <a:r>
+              <a:rPr lang="da-DK" sz="3600"/>
+              <a:t> </a:t>
+            </a:r>
+            <a:r>
+              <a:rPr lang="da-DK" sz="3600" b="1">
+                <a:solidFill>
+                  <a:srgbClr val="FFFF00"/>
+                </a:solidFill>
+              </a:rPr>
+              <a:t>Construction</a:t>
+            </a:r>
+            <a:endParaRPr lang="da-DK" sz="3600">
+              <a:solidFill>
+                <a:srgbClr val="FFFF00"/>
+              </a:solidFill>
+            </a:endParaRPr>
+          </a:p>
+        </p:txBody>
+      </p:sp>
+      <p:sp>
+        <p:nvSpPr>
+          <p:cNvPr id="21" name="Tekstfelt 20"/>
+          <p:cNvSpPr txBox="1"/>
+          <p:nvPr/>
+        </p:nvSpPr>
+        <p:spPr>
+          <a:xfrm>
+            <a:off x="4254271" y="3191022"/>
+            <a:ext cx="1168910" cy="646331"/>
+          </a:xfrm>
+          <a:prstGeom prst="rect">
+            <a:avLst/>
+          </a:prstGeom>
+          <a:noFill/>
+        </p:spPr>
+        <p:txBody>
+          <a:bodyPr wrap="none" rtlCol="0">
+            <a:spAutoFit/>
+          </a:bodyPr>
+          <a:lstStyle/>
+          <a:p>
+            <a:r>
+              <a:rPr lang="da-DK" sz="3600" b="1">
+                <a:solidFill>
+                  <a:srgbClr val="FFFF00"/>
+                </a:solidFill>
+              </a:rPr>
+              <a:t>State</a:t>
+            </a:r>
+            <a:endParaRPr lang="da-DK" sz="3600">
+              <a:solidFill>
+                <a:srgbClr val="FFFF00"/>
+              </a:solidFill>
+            </a:endParaRPr>
+          </a:p>
+        </p:txBody>
+      </p:sp>
+      <p:sp>
+        <p:nvSpPr>
+          <p:cNvPr id="22" name="Tekstfelt 21"/>
+          <p:cNvSpPr txBox="1"/>
+          <p:nvPr/>
+        </p:nvSpPr>
+        <p:spPr>
+          <a:xfrm>
+            <a:off x="4254271" y="4062549"/>
+            <a:ext cx="1888530" cy="646331"/>
+          </a:xfrm>
+          <a:prstGeom prst="rect">
+            <a:avLst/>
+          </a:prstGeom>
+          <a:noFill/>
+        </p:spPr>
+        <p:txBody>
+          <a:bodyPr wrap="none" rtlCol="0">
+            <a:spAutoFit/>
+          </a:bodyPr>
+          <a:lstStyle/>
+          <a:p>
+            <a:r>
+              <a:rPr lang="da-DK" sz="3600" b="1">
+                <a:solidFill>
+                  <a:srgbClr val="FFFF00"/>
+                </a:solidFill>
+              </a:rPr>
+              <a:t>Behavior</a:t>
+            </a:r>
+            <a:endParaRPr lang="da-DK" sz="3600">
+              <a:solidFill>
+                <a:srgbClr val="FFFF00"/>
+              </a:solidFill>
+            </a:endParaRPr>
+          </a:p>
+        </p:txBody>
+      </p:sp>
+      <p:sp>
+        <p:nvSpPr>
+          <p:cNvPr id="10" name="Tekstfelt 9"/>
+          <p:cNvSpPr txBox="1"/>
+          <p:nvPr/>
+        </p:nvSpPr>
+        <p:spPr>
+          <a:xfrm>
+            <a:off x="9191173" y="2732765"/>
+            <a:ext cx="1429934" cy="1569660"/>
+          </a:xfrm>
+          <a:prstGeom prst="rect">
+            <a:avLst/>
+          </a:prstGeom>
+          <a:noFill/>
+        </p:spPr>
+        <p:txBody>
+          <a:bodyPr wrap="square" rtlCol="0">
+            <a:spAutoFit/>
+          </a:bodyPr>
+          <a:lstStyle/>
+          <a:p>
+            <a:r>
+              <a:rPr lang="da-DK" sz="9600">
+                <a:solidFill>
+                  <a:srgbClr val="FFFF00"/>
+                </a:solidFill>
+              </a:rPr>
+              <a:t>?</a:t>
+            </a:r>
+          </a:p>
+        </p:txBody>
+      </p:sp>
+      <p:sp>
+        <p:nvSpPr>
+          <p:cNvPr id="2" name="Tekstfelt 1"/>
+          <p:cNvSpPr txBox="1"/>
+          <p:nvPr/>
+        </p:nvSpPr>
+        <p:spPr>
+          <a:xfrm>
+            <a:off x="872567" y="1660358"/>
+            <a:ext cx="1626471" cy="830997"/>
+          </a:xfrm>
+          <a:prstGeom prst="rect">
+            <a:avLst/>
+          </a:prstGeom>
+          <a:noFill/>
+        </p:spPr>
+        <p:txBody>
+          <a:bodyPr wrap="none" rtlCol="0">
+            <a:spAutoFit/>
+          </a:bodyPr>
+          <a:lstStyle/>
+          <a:p>
+            <a:r>
+              <a:rPr lang="da-DK" sz="4800"/>
+              <a:t>Client</a:t>
+            </a:r>
+          </a:p>
+        </p:txBody>
+      </p:sp>
+    </p:spTree>
+    <p:extLst>
+      <p:ext uri="{BB962C8B-B14F-4D97-AF65-F5344CB8AC3E}">
+        <p14:creationId xmlns:p14="http://schemas.microsoft.com/office/powerpoint/2010/main" val="368702114"/>
+      </p:ext>
+    </p:extLst>
+  </p:cSld>
+  <p:clrMapOvr>
+    <a:masterClrMapping/>
+  </p:clrMapOvr>
+  <mc:AlternateContent xmlns:mc="http://schemas.openxmlformats.org/markup-compatibility/2006">
+    <mc:Choice xmlns:p14="http://schemas.microsoft.com/office/powerpoint/2010/main" Requires="p14">
+      <p:transition spd="med" p14:dur="700">
+        <p:fade/>
+      </p:transition>
+    </mc:Choice>
+    <mc:Fallback>
+      <p:transition spd="med">
+        <p:fade/>
+      </p:transition>
+    </mc:Fallback>
+  </mc:AlternateContent>
+</p:sld>
+</file>
+
+<file path=ppt/slides/slide16.xml><?xml version="1.0" encoding="utf-8"?>
+<p:sld xmlns:a="http://schemas.openxmlformats.org/drawingml/2006/main" xmlns:r="http://schemas.openxmlformats.org/officeDocument/2006/relationships" xmlns:p="http://schemas.openxmlformats.org/presentationml/2006/main">
+  <p:cSld>
+    <p:spTree>
+      <p:nvGrpSpPr>
+        <p:cNvPr id="1" name=""/>
+        <p:cNvGrpSpPr/>
+        <p:nvPr/>
+      </p:nvGrpSpPr>
+      <p:grpSpPr>
+        <a:xfrm>
+          <a:off x="0" y="0"/>
+          <a:ext cx="0" cy="0"/>
+          <a:chOff x="0" y="0"/>
+          <a:chExt cx="0" cy="0"/>
+        </a:xfrm>
+      </p:grpSpPr>
+      <p:sp>
+        <p:nvSpPr>
+          <p:cNvPr id="16" name="Rektangel 15"/>
+          <p:cNvSpPr/>
+          <p:nvPr/>
+        </p:nvSpPr>
+        <p:spPr>
+          <a:xfrm>
+            <a:off x="4009091" y="1273388"/>
+            <a:ext cx="3737413" cy="5032586"/>
+          </a:xfrm>
+          <a:prstGeom prst="rect">
+            <a:avLst/>
+          </a:prstGeom>
+          <a:solidFill>
+            <a:schemeClr val="tx1">
+              <a:lumMod val="95000"/>
+              <a:lumOff val="5000"/>
+            </a:schemeClr>
+          </a:solidFill>
+        </p:spPr>
+        <p:style>
+          <a:lnRef idx="2">
+            <a:schemeClr val="accent1">
+              <a:shade val="50000"/>
+            </a:schemeClr>
+          </a:lnRef>
+          <a:fillRef idx="1">
+            <a:schemeClr val="accent1"/>
+          </a:fillRef>
+          <a:effectRef idx="0">
+            <a:schemeClr val="accent1"/>
+          </a:effectRef>
+          <a:fontRef idx="minor">
+            <a:schemeClr val="lt1"/>
+          </a:fontRef>
+        </p:style>
+        <p:txBody>
+          <a:bodyPr rtlCol="0" anchor="t"/>
+          <a:lstStyle/>
+          <a:p>
+            <a:pPr algn="ctr"/>
+            <a:r>
+              <a:rPr lang="da-DK" sz="4800" b="1"/>
+              <a:t>Black Box</a:t>
+            </a:r>
+          </a:p>
+        </p:txBody>
+      </p:sp>
+      <p:sp>
+        <p:nvSpPr>
+          <p:cNvPr id="6" name="Smilende ansigt 5"/>
+          <p:cNvSpPr/>
+          <p:nvPr/>
+        </p:nvSpPr>
+        <p:spPr>
+          <a:xfrm>
+            <a:off x="913643" y="2705594"/>
+            <a:ext cx="1544320" cy="1524000"/>
+          </a:xfrm>
+          <a:prstGeom prst="smileyFace">
+            <a:avLst/>
+          </a:prstGeom>
+        </p:spPr>
+        <p:style>
+          <a:lnRef idx="2">
+            <a:schemeClr val="accent4">
+              <a:shade val="50000"/>
+            </a:schemeClr>
+          </a:lnRef>
+          <a:fillRef idx="1">
+            <a:schemeClr val="accent4"/>
+          </a:fillRef>
+          <a:effectRef idx="0">
+            <a:schemeClr val="accent4"/>
+          </a:effectRef>
+          <a:fontRef idx="minor">
+            <a:schemeClr val="lt1"/>
+          </a:fontRef>
+        </p:style>
+        <p:txBody>
+          <a:bodyPr rtlCol="0" anchor="ctr"/>
+          <a:lstStyle/>
+          <a:p>
+            <a:pPr algn="ctr"/>
+            <a:endParaRPr lang="da-DK"/>
+          </a:p>
+        </p:txBody>
+      </p:sp>
+      <p:sp>
+        <p:nvSpPr>
+          <p:cNvPr id="7" name="Højre-venstrepil 6"/>
+          <p:cNvSpPr/>
+          <p:nvPr/>
+        </p:nvSpPr>
+        <p:spPr>
+          <a:xfrm>
+            <a:off x="2669754" y="3191022"/>
+            <a:ext cx="914400" cy="568960"/>
+          </a:xfrm>
+          <a:prstGeom prst="leftRightArrow">
+            <a:avLst/>
+          </a:prstGeom>
+          <a:solidFill>
+            <a:schemeClr val="bg1">
+              <a:lumMod val="75000"/>
+            </a:schemeClr>
+          </a:solidFill>
+        </p:spPr>
+        <p:style>
+          <a:lnRef idx="2">
+            <a:schemeClr val="accent1">
+              <a:shade val="50000"/>
+            </a:schemeClr>
+          </a:lnRef>
+          <a:fillRef idx="1">
+            <a:schemeClr val="accent1"/>
+          </a:fillRef>
+          <a:effectRef idx="0">
+            <a:schemeClr val="accent1"/>
+          </a:effectRef>
+          <a:fontRef idx="minor">
+            <a:schemeClr val="lt1"/>
+          </a:fontRef>
+        </p:style>
+        <p:txBody>
+          <a:bodyPr rtlCol="0" anchor="ctr"/>
+          <a:lstStyle/>
+          <a:p>
+            <a:pPr algn="ctr"/>
+            <a:endParaRPr lang="da-DK"/>
+          </a:p>
+        </p:txBody>
+      </p:sp>
+      <p:sp>
+        <p:nvSpPr>
           <p:cNvPr id="5" name="Tekstfelt 4"/>
           <p:cNvSpPr txBox="1"/>
           <p:nvPr/>
@@ -3609,10 +4519,22 @@
   <p:clrMapOvr>
     <a:masterClrMapping/>
   </p:clrMapOvr>
+  <mc:AlternateContent xmlns:mc="http://schemas.openxmlformats.org/markup-compatibility/2006">
+    <mc:Choice xmlns:p14="http://schemas.microsoft.com/office/powerpoint/2010/main" Requires="p14">
+      <p:transition spd="med" p14:dur="700">
+        <p:fade/>
+      </p:transition>
+    </mc:Choice>
+    <mc:Fallback>
+      <p:transition spd="med">
+        <p:fade/>
+      </p:transition>
+    </mc:Fallback>
+  </mc:AlternateContent>
 </p:sld>
 </file>
 
-<file path=ppt/slides/slide12.xml><?xml version="1.0" encoding="utf-8"?>
+<file path=ppt/slides/slide17.xml><?xml version="1.0" encoding="utf-8"?>
 <p:sld xmlns:a="http://schemas.openxmlformats.org/drawingml/2006/main" xmlns:r="http://schemas.openxmlformats.org/officeDocument/2006/relationships" xmlns:p="http://schemas.openxmlformats.org/presentationml/2006/main">
   <p:cSld>
     <p:spTree>
@@ -3781,10 +4703,22 @@
   <p:clrMapOvr>
     <a:masterClrMapping/>
   </p:clrMapOvr>
+  <mc:AlternateContent xmlns:mc="http://schemas.openxmlformats.org/markup-compatibility/2006">
+    <mc:Choice xmlns:p14="http://schemas.microsoft.com/office/powerpoint/2010/main" Requires="p14">
+      <p:transition spd="med" p14:dur="700">
+        <p:fade/>
+      </p:transition>
+    </mc:Choice>
+    <mc:Fallback>
+      <p:transition spd="med">
+        <p:fade/>
+      </p:transition>
+    </mc:Fallback>
+  </mc:AlternateContent>
 </p:sld>
 </file>
 
-<file path=ppt/slides/slide13.xml><?xml version="1.0" encoding="utf-8"?>
+<file path=ppt/slides/slide18.xml><?xml version="1.0" encoding="utf-8"?>
 <p:sld xmlns:a="http://schemas.openxmlformats.org/drawingml/2006/main" xmlns:r="http://schemas.openxmlformats.org/officeDocument/2006/relationships" xmlns:p="http://schemas.openxmlformats.org/presentationml/2006/main">
   <p:cSld>
     <p:spTree>
@@ -3889,10 +4823,22 @@
   <p:clrMapOvr>
     <a:masterClrMapping/>
   </p:clrMapOvr>
+  <mc:AlternateContent xmlns:mc="http://schemas.openxmlformats.org/markup-compatibility/2006">
+    <mc:Choice xmlns:p14="http://schemas.microsoft.com/office/powerpoint/2010/main" Requires="p14">
+      <p:transition spd="med" p14:dur="700">
+        <p:fade/>
+      </p:transition>
+    </mc:Choice>
+    <mc:Fallback>
+      <p:transition spd="med">
+        <p:fade/>
+      </p:transition>
+    </mc:Fallback>
+  </mc:AlternateContent>
 </p:sld>
 </file>
 
-<file path=ppt/slides/slide14.xml><?xml version="1.0" encoding="utf-8"?>
+<file path=ppt/slides/slide19.xml><?xml version="1.0" encoding="utf-8"?>
 <p:sld xmlns:a="http://schemas.openxmlformats.org/drawingml/2006/main" xmlns:r="http://schemas.openxmlformats.org/officeDocument/2006/relationships" xmlns:p="http://schemas.openxmlformats.org/presentationml/2006/main">
   <p:cSld>
     <p:spTree>
@@ -3911,13 +4857,302 @@
       </p:grpSpPr>
       <p:sp>
         <p:nvSpPr>
+          <p:cNvPr id="7" name="Tekstfelt 6"/>
+          <p:cNvSpPr txBox="1"/>
+          <p:nvPr/>
+        </p:nvSpPr>
+        <p:spPr>
+          <a:xfrm>
+            <a:off x="1987126" y="444436"/>
+            <a:ext cx="8278228" cy="1015663"/>
+          </a:xfrm>
+          <a:prstGeom prst="rect">
+            <a:avLst/>
+          </a:prstGeom>
+          <a:noFill/>
+        </p:spPr>
+        <p:txBody>
+          <a:bodyPr wrap="none" rtlCol="0">
+            <a:spAutoFit/>
+          </a:bodyPr>
+          <a:lstStyle/>
+          <a:p>
+            <a:r>
+              <a:rPr lang="da-DK" b="1"/>
+              <a:t> </a:t>
+            </a:r>
+            <a:r>
+              <a:rPr lang="da-DK" sz="6000" b="1">
+                <a:solidFill>
+                  <a:schemeClr val="bg1">
+                    <a:lumMod val="75000"/>
+                  </a:schemeClr>
+                </a:solidFill>
+                <a:latin typeface="Consolas" panose="020B0609020204030204" pitchFamily="49" charset="0"/>
+              </a:rPr>
+              <a:t>Car c = new Car(…);</a:t>
+            </a:r>
+          </a:p>
+        </p:txBody>
+      </p:sp>
+      <p:sp>
+        <p:nvSpPr>
+          <p:cNvPr id="2" name="Rektangel 1">
+            <a:extLst>
+              <a:ext uri="{FF2B5EF4-FFF2-40B4-BE49-F238E27FC236}">
+                <a16:creationId xmlns:a16="http://schemas.microsoft.com/office/drawing/2014/main" id="{36BEE32D-F122-6C50-9CE0-A8374D2A2F98}"/>
+              </a:ext>
+            </a:extLst>
+          </p:cNvPr>
+          <p:cNvSpPr/>
+          <p:nvPr/>
+        </p:nvSpPr>
+        <p:spPr>
+          <a:xfrm>
+            <a:off x="9581322" y="2769995"/>
+            <a:ext cx="2250219" cy="2663687"/>
+          </a:xfrm>
+          <a:prstGeom prst="rect">
+            <a:avLst/>
+          </a:prstGeom>
+          <a:solidFill>
+            <a:schemeClr val="accent6">
+              <a:lumMod val="75000"/>
+            </a:schemeClr>
+          </a:solidFill>
+        </p:spPr>
+        <p:style>
+          <a:lnRef idx="2">
+            <a:schemeClr val="accent1">
+              <a:shade val="15000"/>
+            </a:schemeClr>
+          </a:lnRef>
+          <a:fillRef idx="1">
+            <a:schemeClr val="accent1"/>
+          </a:fillRef>
+          <a:effectRef idx="0">
+            <a:schemeClr val="accent1"/>
+          </a:effectRef>
+          <a:fontRef idx="minor">
+            <a:schemeClr val="lt1"/>
+          </a:fontRef>
+        </p:style>
+        <p:txBody>
+          <a:bodyPr rtlCol="0" anchor="t"/>
+          <a:lstStyle/>
+          <a:p>
+            <a:r>
+              <a:rPr lang="da-DK" sz="3200">
+                <a:solidFill>
+                  <a:srgbClr val="FFFF00"/>
+                </a:solidFill>
+              </a:rPr>
+              <a:t>Class Car</a:t>
+            </a:r>
+          </a:p>
+        </p:txBody>
+      </p:sp>
+    </p:spTree>
+    <p:extLst>
+      <p:ext uri="{BB962C8B-B14F-4D97-AF65-F5344CB8AC3E}">
+        <p14:creationId xmlns:p14="http://schemas.microsoft.com/office/powerpoint/2010/main" val="1909221989"/>
+      </p:ext>
+    </p:extLst>
+  </p:cSld>
+  <p:clrMapOvr>
+    <a:masterClrMapping/>
+  </p:clrMapOvr>
+  <mc:AlternateContent xmlns:mc="http://schemas.openxmlformats.org/markup-compatibility/2006">
+    <mc:Choice xmlns:p14="http://schemas.microsoft.com/office/powerpoint/2010/main" Requires="p14">
+      <p:transition spd="med" p14:dur="700">
+        <p:fade/>
+      </p:transition>
+    </mc:Choice>
+    <mc:Fallback>
+      <p:transition spd="med">
+        <p:fade/>
+      </p:transition>
+    </mc:Fallback>
+  </mc:AlternateContent>
+</p:sld>
+</file>
+
+<file path=ppt/slides/slide2.xml><?xml version="1.0" encoding="utf-8"?>
+<p:sld xmlns:a="http://schemas.openxmlformats.org/drawingml/2006/main" xmlns:r="http://schemas.openxmlformats.org/officeDocument/2006/relationships" xmlns:p="http://schemas.openxmlformats.org/presentationml/2006/main">
+  <p:cSld>
+    <p:spTree>
+      <p:nvGrpSpPr>
+        <p:cNvPr id="1" name=""/>
+        <p:cNvGrpSpPr/>
+        <p:nvPr/>
+      </p:nvGrpSpPr>
+      <p:grpSpPr>
+        <a:xfrm>
+          <a:off x="0" y="0"/>
+          <a:ext cx="0" cy="0"/>
+          <a:chOff x="0" y="0"/>
+          <a:chExt cx="0" cy="0"/>
+        </a:xfrm>
+      </p:grpSpPr>
+      <p:sp>
+        <p:nvSpPr>
+          <p:cNvPr id="2" name="Titel 1"/>
+          <p:cNvSpPr>
+            <a:spLocks noGrp="1"/>
+          </p:cNvSpPr>
+          <p:nvPr>
+            <p:ph type="title"/>
+          </p:nvPr>
+        </p:nvSpPr>
+        <p:spPr/>
+        <p:txBody>
+          <a:bodyPr/>
+          <a:lstStyle/>
+          <a:p>
+            <a:r>
+              <a:rPr lang="da-DK" b="1"/>
+              <a:t>Simple</a:t>
+            </a:r>
+            <a:r>
+              <a:rPr lang="da-DK"/>
+              <a:t> types (aka </a:t>
+            </a:r>
+            <a:r>
+              <a:rPr lang="da-DK" b="1"/>
+              <a:t>primitive</a:t>
+            </a:r>
+            <a:r>
+              <a:rPr lang="da-DK"/>
+              <a:t> types)</a:t>
+            </a:r>
+          </a:p>
+        </p:txBody>
+      </p:sp>
+      <p:sp>
+        <p:nvSpPr>
+          <p:cNvPr id="3" name="Pladsholder til indhold 2"/>
+          <p:cNvSpPr>
+            <a:spLocks noGrp="1"/>
+          </p:cNvSpPr>
+          <p:nvPr>
+            <p:ph idx="1"/>
+          </p:nvPr>
+        </p:nvSpPr>
+        <p:spPr/>
+        <p:txBody>
+          <a:bodyPr>
+            <a:normAutofit/>
+          </a:bodyPr>
+          <a:lstStyle/>
+          <a:p>
+            <a:pPr marL="457200" lvl="1" indent="0">
+              <a:buNone/>
+            </a:pPr>
+            <a:r>
+              <a:rPr lang="da-DK" sz="6000" b="1">
+                <a:solidFill>
+                  <a:srgbClr val="0070C0"/>
+                </a:solidFill>
+                <a:latin typeface="Consolas" panose="020B0609020204030204" pitchFamily="49" charset="0"/>
+              </a:rPr>
+              <a:t>int</a:t>
+            </a:r>
+          </a:p>
+          <a:p>
+            <a:pPr marL="457200" lvl="1" indent="0">
+              <a:buNone/>
+            </a:pPr>
+            <a:r>
+              <a:rPr lang="da-DK" sz="6000" b="1">
+                <a:solidFill>
+                  <a:srgbClr val="0070C0"/>
+                </a:solidFill>
+                <a:latin typeface="Consolas" panose="020B0609020204030204" pitchFamily="49" charset="0"/>
+              </a:rPr>
+              <a:t>double</a:t>
+            </a:r>
+          </a:p>
+          <a:p>
+            <a:pPr marL="457200" lvl="1" indent="0">
+              <a:buNone/>
+            </a:pPr>
+            <a:r>
+              <a:rPr lang="da-DK" sz="6000" b="1">
+                <a:solidFill>
+                  <a:srgbClr val="0070C0"/>
+                </a:solidFill>
+                <a:latin typeface="Consolas" panose="020B0609020204030204" pitchFamily="49" charset="0"/>
+              </a:rPr>
+              <a:t>string</a:t>
+            </a:r>
+          </a:p>
+          <a:p>
+            <a:pPr marL="457200" lvl="1" indent="0">
+              <a:buNone/>
+            </a:pPr>
+            <a:r>
+              <a:rPr lang="da-DK" sz="6000" b="1">
+                <a:solidFill>
+                  <a:srgbClr val="0070C0"/>
+                </a:solidFill>
+                <a:latin typeface="Consolas" panose="020B0609020204030204" pitchFamily="49" charset="0"/>
+              </a:rPr>
+              <a:t>bool</a:t>
+            </a:r>
+          </a:p>
+        </p:txBody>
+      </p:sp>
+    </p:spTree>
+    <p:extLst>
+      <p:ext uri="{BB962C8B-B14F-4D97-AF65-F5344CB8AC3E}">
+        <p14:creationId xmlns:p14="http://schemas.microsoft.com/office/powerpoint/2010/main" val="3295563567"/>
+      </p:ext>
+    </p:extLst>
+  </p:cSld>
+  <p:clrMapOvr>
+    <a:masterClrMapping/>
+  </p:clrMapOvr>
+  <mc:AlternateContent xmlns:mc="http://schemas.openxmlformats.org/markup-compatibility/2006">
+    <mc:Choice xmlns:p14="http://schemas.microsoft.com/office/powerpoint/2010/main" Requires="p14">
+      <p:transition spd="med" p14:dur="700">
+        <p:fade/>
+      </p:transition>
+    </mc:Choice>
+    <mc:Fallback>
+      <p:transition spd="med">
+        <p:fade/>
+      </p:transition>
+    </mc:Fallback>
+  </mc:AlternateContent>
+</p:sld>
+</file>
+
+<file path=ppt/slides/slide20.xml><?xml version="1.0" encoding="utf-8"?>
+<p:sld xmlns:a="http://schemas.openxmlformats.org/drawingml/2006/main" xmlns:r="http://schemas.openxmlformats.org/officeDocument/2006/relationships" xmlns:p="http://schemas.openxmlformats.org/presentationml/2006/main">
+  <p:cSld>
+    <p:spTree>
+      <p:nvGrpSpPr>
+        <p:cNvPr id="1" name=""/>
+        <p:cNvGrpSpPr/>
+        <p:nvPr/>
+      </p:nvGrpSpPr>
+      <p:grpSpPr>
+        <a:xfrm>
+          <a:off x="0" y="0"/>
+          <a:ext cx="0" cy="0"/>
+          <a:chOff x="0" y="0"/>
+          <a:chExt cx="0" cy="0"/>
+        </a:xfrm>
+      </p:grpSpPr>
+      <p:sp>
+        <p:nvSpPr>
           <p:cNvPr id="4" name="Sky 3"/>
           <p:cNvSpPr/>
           <p:nvPr/>
         </p:nvSpPr>
         <p:spPr>
           <a:xfrm>
-            <a:off x="5373258" y="2847883"/>
+            <a:off x="2641985" y="2644101"/>
             <a:ext cx="4455898" cy="2987040"/>
           </a:xfrm>
           <a:prstGeom prst="cloud">
@@ -3954,14 +5189,14 @@
       </p:sp>
       <p:sp>
         <p:nvSpPr>
-          <p:cNvPr id="5" name="Tekstfelt 4"/>
+          <p:cNvPr id="7" name="Tekstfelt 6"/>
           <p:cNvSpPr txBox="1"/>
           <p:nvPr/>
         </p:nvSpPr>
         <p:spPr>
           <a:xfrm>
-            <a:off x="3361105" y="3925904"/>
-            <a:ext cx="1508073" cy="1015663"/>
+            <a:off x="1987126" y="444436"/>
+            <a:ext cx="8278228" cy="1015663"/>
           </a:xfrm>
           <a:prstGeom prst="rect">
             <a:avLst/>
@@ -3969,30 +5204,191 @@
           <a:noFill/>
         </p:spPr>
         <p:txBody>
-          <a:bodyPr wrap="square" rtlCol="0">
+          <a:bodyPr wrap="none" rtlCol="0">
             <a:spAutoFit/>
           </a:bodyPr>
           <a:lstStyle/>
           <a:p>
             <a:r>
+              <a:rPr lang="da-DK" b="1"/>
+              <a:t> </a:t>
+            </a:r>
+            <a:r>
               <a:rPr lang="da-DK" sz="6000" b="1">
-                <a:latin typeface="Consolas" panose="020B0609020204030204" pitchFamily="49" charset="0"/>
-              </a:rPr>
-              <a:t>c =</a:t>
-            </a:r>
-          </a:p>
-        </p:txBody>
-      </p:sp>
-      <p:sp>
-        <p:nvSpPr>
-          <p:cNvPr id="7" name="Tekstfelt 6"/>
+                <a:solidFill>
+                  <a:schemeClr val="bg1">
+                    <a:lumMod val="75000"/>
+                  </a:schemeClr>
+                </a:solidFill>
+                <a:latin typeface="Consolas" panose="020B0609020204030204" pitchFamily="49" charset="0"/>
+              </a:rPr>
+              <a:t>Car c = </a:t>
+            </a:r>
+            <a:r>
+              <a:rPr lang="da-DK" sz="6000" b="1">
+                <a:solidFill>
+                  <a:srgbClr val="0070C0"/>
+                </a:solidFill>
+                <a:latin typeface="Consolas" panose="020B0609020204030204" pitchFamily="49" charset="0"/>
+              </a:rPr>
+              <a:t>new</a:t>
+            </a:r>
+            <a:r>
+              <a:rPr lang="da-DK" sz="6000" b="1">
+                <a:latin typeface="Consolas" panose="020B0609020204030204" pitchFamily="49" charset="0"/>
+              </a:rPr>
+              <a:t> </a:t>
+            </a:r>
+            <a:r>
+              <a:rPr lang="da-DK" sz="6000" b="1">
+                <a:solidFill>
+                  <a:schemeClr val="accent6">
+                    <a:lumMod val="75000"/>
+                  </a:schemeClr>
+                </a:solidFill>
+                <a:latin typeface="Consolas" panose="020B0609020204030204" pitchFamily="49" charset="0"/>
+              </a:rPr>
+              <a:t>Car</a:t>
+            </a:r>
+            <a:r>
+              <a:rPr lang="da-DK" sz="6000" b="1">
+                <a:latin typeface="Consolas" panose="020B0609020204030204" pitchFamily="49" charset="0"/>
+              </a:rPr>
+              <a:t>(…);</a:t>
+            </a:r>
+          </a:p>
+        </p:txBody>
+      </p:sp>
+      <p:sp>
+        <p:nvSpPr>
+          <p:cNvPr id="3" name="Pil: bøjet nedad 2">
+            <a:extLst>
+              <a:ext uri="{FF2B5EF4-FFF2-40B4-BE49-F238E27FC236}">
+                <a16:creationId xmlns:a16="http://schemas.microsoft.com/office/drawing/2014/main" id="{BB4554BA-95E8-2AAC-9F18-3170CCAF8E0B}"/>
+              </a:ext>
+            </a:extLst>
+          </p:cNvPr>
+          <p:cNvSpPr/>
+          <p:nvPr/>
+        </p:nvSpPr>
+        <p:spPr>
+          <a:xfrm flipH="1">
+            <a:off x="6400799" y="2325757"/>
+            <a:ext cx="4210215" cy="813975"/>
+          </a:xfrm>
+          <a:prstGeom prst="curvedDownArrow">
+            <a:avLst>
+              <a:gd name="adj1" fmla="val 0"/>
+              <a:gd name="adj2" fmla="val 50000"/>
+              <a:gd name="adj3" fmla="val 25000"/>
+            </a:avLst>
+          </a:prstGeom>
+          <a:solidFill>
+            <a:schemeClr val="tx1"/>
+          </a:solidFill>
+        </p:spPr>
+        <p:style>
+          <a:lnRef idx="2">
+            <a:schemeClr val="accent1">
+              <a:shade val="15000"/>
+            </a:schemeClr>
+          </a:lnRef>
+          <a:fillRef idx="1">
+            <a:schemeClr val="accent1"/>
+          </a:fillRef>
+          <a:effectRef idx="0">
+            <a:schemeClr val="accent1"/>
+          </a:effectRef>
+          <a:fontRef idx="minor">
+            <a:schemeClr val="lt1"/>
+          </a:fontRef>
+        </p:style>
+        <p:txBody>
+          <a:bodyPr rtlCol="0" anchor="ctr"/>
+          <a:lstStyle/>
+          <a:p>
+            <a:pPr algn="ctr"/>
+            <a:endParaRPr lang="da-DK">
+              <a:solidFill>
+                <a:schemeClr val="tx1"/>
+              </a:solidFill>
+            </a:endParaRPr>
+          </a:p>
+        </p:txBody>
+      </p:sp>
+      <p:sp>
+        <p:nvSpPr>
+          <p:cNvPr id="2" name="Rektangel 1">
+            <a:extLst>
+              <a:ext uri="{FF2B5EF4-FFF2-40B4-BE49-F238E27FC236}">
+                <a16:creationId xmlns:a16="http://schemas.microsoft.com/office/drawing/2014/main" id="{36BEE32D-F122-6C50-9CE0-A8374D2A2F98}"/>
+              </a:ext>
+            </a:extLst>
+          </p:cNvPr>
+          <p:cNvSpPr/>
+          <p:nvPr/>
+        </p:nvSpPr>
+        <p:spPr>
+          <a:xfrm>
+            <a:off x="9581322" y="2769995"/>
+            <a:ext cx="2250219" cy="2663687"/>
+          </a:xfrm>
+          <a:prstGeom prst="rect">
+            <a:avLst/>
+          </a:prstGeom>
+          <a:solidFill>
+            <a:schemeClr val="accent6">
+              <a:lumMod val="75000"/>
+            </a:schemeClr>
+          </a:solidFill>
+        </p:spPr>
+        <p:style>
+          <a:lnRef idx="2">
+            <a:schemeClr val="accent1">
+              <a:shade val="15000"/>
+            </a:schemeClr>
+          </a:lnRef>
+          <a:fillRef idx="1">
+            <a:schemeClr val="accent1"/>
+          </a:fillRef>
+          <a:effectRef idx="0">
+            <a:schemeClr val="accent1"/>
+          </a:effectRef>
+          <a:fontRef idx="minor">
+            <a:schemeClr val="lt1"/>
+          </a:fontRef>
+        </p:style>
+        <p:txBody>
+          <a:bodyPr rtlCol="0" anchor="t"/>
+          <a:lstStyle/>
+          <a:p>
+            <a:r>
+              <a:rPr lang="da-DK" sz="3200">
+                <a:solidFill>
+                  <a:srgbClr val="FFFF00"/>
+                </a:solidFill>
+              </a:rPr>
+              <a:t>Class Car</a:t>
+            </a:r>
+          </a:p>
+        </p:txBody>
+      </p:sp>
+      <p:sp>
+        <p:nvSpPr>
+          <p:cNvPr id="6" name="Tekstfelt 5">
+            <a:extLst>
+              <a:ext uri="{FF2B5EF4-FFF2-40B4-BE49-F238E27FC236}">
+                <a16:creationId xmlns:a16="http://schemas.microsoft.com/office/drawing/2014/main" id="{FE05ECD0-D4A0-64E7-98FC-80821CE05FAA}"/>
+              </a:ext>
+            </a:extLst>
+          </p:cNvPr>
           <p:cNvSpPr txBox="1"/>
           <p:nvPr/>
         </p:nvSpPr>
         <p:spPr>
           <a:xfrm>
-            <a:off x="2081642" y="1513886"/>
-            <a:ext cx="8278228" cy="1015663"/>
+            <a:off x="7932318" y="2422102"/>
+            <a:ext cx="1426865" cy="369332"/>
           </a:xfrm>
           <a:prstGeom prst="rect">
             <a:avLst/>
@@ -4006,57 +5402,8 @@
           <a:lstStyle/>
           <a:p>
             <a:r>
-              <a:rPr lang="da-DK" b="1"/>
-              <a:t> </a:t>
-            </a:r>
-            <a:r>
-              <a:rPr lang="da-DK" sz="6000" b="1">
-                <a:solidFill>
-                  <a:schemeClr val="accent6">
-                    <a:lumMod val="75000"/>
-                  </a:schemeClr>
-                </a:solidFill>
-                <a:latin typeface="Consolas" panose="020B0609020204030204" pitchFamily="49" charset="0"/>
-              </a:rPr>
-              <a:t>Car</a:t>
-            </a:r>
-            <a:r>
-              <a:rPr lang="da-DK" sz="6000" b="1">
-                <a:latin typeface="Consolas" panose="020B0609020204030204" pitchFamily="49" charset="0"/>
-              </a:rPr>
-              <a:t> c = </a:t>
-            </a:r>
-            <a:r>
-              <a:rPr lang="da-DK" sz="6000" b="1">
-                <a:solidFill>
-                  <a:srgbClr val="0070C0"/>
-                </a:solidFill>
-                <a:latin typeface="Consolas" panose="020B0609020204030204" pitchFamily="49" charset="0"/>
-              </a:rPr>
-              <a:t>new</a:t>
-            </a:r>
-            <a:r>
-              <a:rPr lang="da-DK" sz="6000" b="1">
-                <a:latin typeface="Consolas" panose="020B0609020204030204" pitchFamily="49" charset="0"/>
-              </a:rPr>
-              <a:t> </a:t>
-            </a:r>
-            <a:r>
-              <a:rPr lang="da-DK" sz="6000" b="1">
-                <a:solidFill>
-                  <a:schemeClr val="accent6">
-                    <a:lumMod val="75000"/>
-                  </a:schemeClr>
-                </a:solidFill>
-                <a:latin typeface="Consolas" panose="020B0609020204030204" pitchFamily="49" charset="0"/>
-              </a:rPr>
-              <a:t>Car</a:t>
-            </a:r>
-            <a:r>
-              <a:rPr lang="da-DK" sz="6000" b="1">
-                <a:latin typeface="Consolas" panose="020B0609020204030204" pitchFamily="49" charset="0"/>
-              </a:rPr>
-              <a:t>(…);</a:t>
+              <a:rPr lang="da-DK"/>
+              <a:t>Created from</a:t>
             </a:r>
           </a:p>
         </p:txBody>
@@ -4064,17 +5411,29 @@
     </p:spTree>
     <p:extLst>
       <p:ext uri="{BB962C8B-B14F-4D97-AF65-F5344CB8AC3E}">
-        <p14:creationId xmlns:p14="http://schemas.microsoft.com/office/powerpoint/2010/main" val="1909221989"/>
+        <p14:creationId xmlns:p14="http://schemas.microsoft.com/office/powerpoint/2010/main" val="3751382650"/>
       </p:ext>
     </p:extLst>
   </p:cSld>
   <p:clrMapOvr>
     <a:masterClrMapping/>
   </p:clrMapOvr>
+  <mc:AlternateContent xmlns:mc="http://schemas.openxmlformats.org/markup-compatibility/2006">
+    <mc:Choice xmlns:p14="http://schemas.microsoft.com/office/powerpoint/2010/main" Requires="p14">
+      <p:transition spd="med" p14:dur="700">
+        <p:fade/>
+      </p:transition>
+    </mc:Choice>
+    <mc:Fallback>
+      <p:transition spd="med">
+        <p:fade/>
+      </p:transition>
+    </mc:Fallback>
+  </mc:AlternateContent>
 </p:sld>
 </file>
 
-<file path=ppt/slides/slide15.xml><?xml version="1.0" encoding="utf-8"?>
+<file path=ppt/slides/slide21.xml><?xml version="1.0" encoding="utf-8"?>
 <p:sld xmlns:a="http://schemas.openxmlformats.org/drawingml/2006/main" xmlns:r="http://schemas.openxmlformats.org/officeDocument/2006/relationships" xmlns:p="http://schemas.openxmlformats.org/presentationml/2006/main">
   <p:cSld>
     <p:spTree>
@@ -4093,113 +5452,17 @@
       </p:grpSpPr>
       <p:sp>
         <p:nvSpPr>
-          <p:cNvPr id="2" name="Tekstfelt 1"/>
-          <p:cNvSpPr txBox="1"/>
+          <p:cNvPr id="4" name="Sky 3"/>
+          <p:cNvSpPr/>
           <p:nvPr/>
         </p:nvSpPr>
         <p:spPr>
           <a:xfrm>
-            <a:off x="559468" y="1513886"/>
-            <a:ext cx="9386827" cy="769441"/>
-          </a:xfrm>
-          <a:prstGeom prst="rect">
+            <a:off x="2641985" y="2644101"/>
+            <a:ext cx="4455898" cy="2987040"/>
+          </a:xfrm>
+          <a:prstGeom prst="cloud">
             <a:avLst/>
-          </a:prstGeom>
-          <a:noFill/>
-        </p:spPr>
-        <p:txBody>
-          <a:bodyPr wrap="square" rtlCol="0">
-            <a:spAutoFit/>
-          </a:bodyPr>
-          <a:lstStyle/>
-          <a:p>
-            <a:r>
-              <a:rPr lang="da-DK" sz="4000" b="1"/>
-              <a:t> </a:t>
-            </a:r>
-            <a:r>
-              <a:rPr lang="da-DK" sz="4400" b="1">
-                <a:solidFill>
-                  <a:schemeClr val="accent6">
-                    <a:lumMod val="75000"/>
-                  </a:schemeClr>
-                </a:solidFill>
-                <a:latin typeface="Consolas" panose="020B0609020204030204" pitchFamily="49" charset="0"/>
-              </a:rPr>
-              <a:t>Car</a:t>
-            </a:r>
-            <a:r>
-              <a:rPr lang="da-DK" sz="4400" b="1">
-                <a:latin typeface="Consolas" panose="020B0609020204030204" pitchFamily="49" charset="0"/>
-              </a:rPr>
-              <a:t> c = </a:t>
-            </a:r>
-            <a:r>
-              <a:rPr lang="da-DK" sz="4400" b="1">
-                <a:solidFill>
-                  <a:srgbClr val="0070C0"/>
-                </a:solidFill>
-                <a:latin typeface="Consolas" panose="020B0609020204030204" pitchFamily="49" charset="0"/>
-              </a:rPr>
-              <a:t>new</a:t>
-            </a:r>
-            <a:r>
-              <a:rPr lang="da-DK" sz="4400" b="1">
-                <a:latin typeface="Consolas" panose="020B0609020204030204" pitchFamily="49" charset="0"/>
-              </a:rPr>
-              <a:t> </a:t>
-            </a:r>
-            <a:r>
-              <a:rPr lang="da-DK" sz="4400" b="1">
-                <a:solidFill>
-                  <a:schemeClr val="accent6">
-                    <a:lumMod val="75000"/>
-                  </a:schemeClr>
-                </a:solidFill>
-                <a:latin typeface="Consolas" panose="020B0609020204030204" pitchFamily="49" charset="0"/>
-              </a:rPr>
-              <a:t>Car</a:t>
-            </a:r>
-            <a:r>
-              <a:rPr lang="da-DK" sz="4400" b="1">
-                <a:latin typeface="Consolas" panose="020B0609020204030204" pitchFamily="49" charset="0"/>
-              </a:rPr>
-              <a:t>(</a:t>
-            </a:r>
-            <a:r>
-              <a:rPr lang="da-DK" sz="4400" b="1">
-                <a:solidFill>
-                  <a:srgbClr val="C00000"/>
-                </a:solidFill>
-                <a:latin typeface="Consolas" panose="020B0609020204030204" pitchFamily="49" charset="0"/>
-              </a:rPr>
-              <a:t>"AC 32 702"</a:t>
-            </a:r>
-            <a:r>
-              <a:rPr lang="da-DK" sz="4400" b="1">
-                <a:latin typeface="Consolas" panose="020B0609020204030204" pitchFamily="49" charset="0"/>
-              </a:rPr>
-              <a:t>);</a:t>
-            </a:r>
-          </a:p>
-        </p:txBody>
-      </p:sp>
-      <p:sp>
-        <p:nvSpPr>
-          <p:cNvPr id="3" name="Rektangulær billedforklaring 2"/>
-          <p:cNvSpPr/>
-          <p:nvPr/>
-        </p:nvSpPr>
-        <p:spPr>
-          <a:xfrm>
-            <a:off x="5378117" y="3248527"/>
-            <a:ext cx="3068051" cy="1455821"/>
-          </a:xfrm>
-          <a:prstGeom prst="wedgeRectCallout">
-            <a:avLst>
-              <a:gd name="adj1" fmla="val -33027"/>
-              <a:gd name="adj2" fmla="val -127170"/>
-            </a:avLst>
           </a:prstGeom>
         </p:spPr>
         <p:style>
@@ -4222,17 +5485,268 @@
           <a:bodyPr rtlCol="0" anchor="ctr"/>
           <a:lstStyle/>
           <a:p>
-            <a:r>
-              <a:rPr lang="da-DK" sz="2400"/>
-              <a:t>May need to specify </a:t>
-            </a:r>
-            <a:r>
-              <a:rPr lang="da-DK" sz="2400" b="1"/>
-              <a:t>argument values </a:t>
-            </a:r>
-            <a:r>
-              <a:rPr lang="da-DK" sz="2400"/>
-              <a:t>when constructing an object</a:t>
+            <a:pPr algn="ctr"/>
+            <a:r>
+              <a:rPr lang="da-DK" sz="4800"/>
+              <a:t>object (Car)</a:t>
+            </a:r>
+          </a:p>
+        </p:txBody>
+      </p:sp>
+      <p:sp>
+        <p:nvSpPr>
+          <p:cNvPr id="5" name="Tekstfelt 4"/>
+          <p:cNvSpPr txBox="1"/>
+          <p:nvPr/>
+        </p:nvSpPr>
+        <p:spPr>
+          <a:xfrm>
+            <a:off x="419818" y="3594008"/>
+            <a:ext cx="1508073" cy="1015663"/>
+          </a:xfrm>
+          <a:prstGeom prst="rect">
+            <a:avLst/>
+          </a:prstGeom>
+          <a:noFill/>
+        </p:spPr>
+        <p:txBody>
+          <a:bodyPr wrap="square" rtlCol="0">
+            <a:spAutoFit/>
+          </a:bodyPr>
+          <a:lstStyle/>
+          <a:p>
+            <a:r>
+              <a:rPr lang="da-DK" sz="6000" b="1">
+                <a:latin typeface="Consolas" panose="020B0609020204030204" pitchFamily="49" charset="0"/>
+              </a:rPr>
+              <a:t>c =</a:t>
+            </a:r>
+          </a:p>
+        </p:txBody>
+      </p:sp>
+      <p:sp>
+        <p:nvSpPr>
+          <p:cNvPr id="7" name="Tekstfelt 6"/>
+          <p:cNvSpPr txBox="1"/>
+          <p:nvPr/>
+        </p:nvSpPr>
+        <p:spPr>
+          <a:xfrm>
+            <a:off x="1987126" y="444436"/>
+            <a:ext cx="8278228" cy="1015663"/>
+          </a:xfrm>
+          <a:prstGeom prst="rect">
+            <a:avLst/>
+          </a:prstGeom>
+          <a:noFill/>
+        </p:spPr>
+        <p:txBody>
+          <a:bodyPr wrap="none" rtlCol="0">
+            <a:spAutoFit/>
+          </a:bodyPr>
+          <a:lstStyle/>
+          <a:p>
+            <a:r>
+              <a:rPr lang="da-DK" b="1"/>
+              <a:t> </a:t>
+            </a:r>
+            <a:r>
+              <a:rPr lang="da-DK" sz="6000" b="1">
+                <a:solidFill>
+                  <a:schemeClr val="accent6">
+                    <a:lumMod val="75000"/>
+                  </a:schemeClr>
+                </a:solidFill>
+                <a:latin typeface="Consolas" panose="020B0609020204030204" pitchFamily="49" charset="0"/>
+              </a:rPr>
+              <a:t>Car</a:t>
+            </a:r>
+            <a:r>
+              <a:rPr lang="da-DK" sz="6000" b="1">
+                <a:latin typeface="Consolas" panose="020B0609020204030204" pitchFamily="49" charset="0"/>
+              </a:rPr>
+              <a:t> c = </a:t>
+            </a:r>
+            <a:r>
+              <a:rPr lang="da-DK" sz="6000" b="1">
+                <a:solidFill>
+                  <a:srgbClr val="0070C0"/>
+                </a:solidFill>
+                <a:latin typeface="Consolas" panose="020B0609020204030204" pitchFamily="49" charset="0"/>
+              </a:rPr>
+              <a:t>new</a:t>
+            </a:r>
+            <a:r>
+              <a:rPr lang="da-DK" sz="6000" b="1">
+                <a:latin typeface="Consolas" panose="020B0609020204030204" pitchFamily="49" charset="0"/>
+              </a:rPr>
+              <a:t> </a:t>
+            </a:r>
+            <a:r>
+              <a:rPr lang="da-DK" sz="6000" b="1">
+                <a:solidFill>
+                  <a:schemeClr val="accent6">
+                    <a:lumMod val="75000"/>
+                  </a:schemeClr>
+                </a:solidFill>
+                <a:latin typeface="Consolas" panose="020B0609020204030204" pitchFamily="49" charset="0"/>
+              </a:rPr>
+              <a:t>Car</a:t>
+            </a:r>
+            <a:r>
+              <a:rPr lang="da-DK" sz="6000" b="1">
+                <a:latin typeface="Consolas" panose="020B0609020204030204" pitchFamily="49" charset="0"/>
+              </a:rPr>
+              <a:t>(…);</a:t>
+            </a:r>
+          </a:p>
+        </p:txBody>
+      </p:sp>
+      <p:sp>
+        <p:nvSpPr>
+          <p:cNvPr id="3" name="Pil: bøjet nedad 2">
+            <a:extLst>
+              <a:ext uri="{FF2B5EF4-FFF2-40B4-BE49-F238E27FC236}">
+                <a16:creationId xmlns:a16="http://schemas.microsoft.com/office/drawing/2014/main" id="{BB4554BA-95E8-2AAC-9F18-3170CCAF8E0B}"/>
+              </a:ext>
+            </a:extLst>
+          </p:cNvPr>
+          <p:cNvSpPr/>
+          <p:nvPr/>
+        </p:nvSpPr>
+        <p:spPr>
+          <a:xfrm flipH="1">
+            <a:off x="6400799" y="2325757"/>
+            <a:ext cx="4210215" cy="813975"/>
+          </a:xfrm>
+          <a:prstGeom prst="curvedDownArrow">
+            <a:avLst>
+              <a:gd name="adj1" fmla="val 0"/>
+              <a:gd name="adj2" fmla="val 50000"/>
+              <a:gd name="adj3" fmla="val 25000"/>
+            </a:avLst>
+          </a:prstGeom>
+          <a:solidFill>
+            <a:schemeClr val="tx1"/>
+          </a:solidFill>
+        </p:spPr>
+        <p:style>
+          <a:lnRef idx="2">
+            <a:schemeClr val="accent1">
+              <a:shade val="15000"/>
+            </a:schemeClr>
+          </a:lnRef>
+          <a:fillRef idx="1">
+            <a:schemeClr val="accent1"/>
+          </a:fillRef>
+          <a:effectRef idx="0">
+            <a:schemeClr val="accent1"/>
+          </a:effectRef>
+          <a:fontRef idx="minor">
+            <a:schemeClr val="lt1"/>
+          </a:fontRef>
+        </p:style>
+        <p:txBody>
+          <a:bodyPr rtlCol="0" anchor="ctr"/>
+          <a:lstStyle/>
+          <a:p>
+            <a:pPr algn="ctr"/>
+            <a:endParaRPr lang="da-DK">
+              <a:solidFill>
+                <a:schemeClr val="tx1"/>
+              </a:solidFill>
+            </a:endParaRPr>
+          </a:p>
+        </p:txBody>
+      </p:sp>
+      <p:sp>
+        <p:nvSpPr>
+          <p:cNvPr id="2" name="Rektangel 1">
+            <a:extLst>
+              <a:ext uri="{FF2B5EF4-FFF2-40B4-BE49-F238E27FC236}">
+                <a16:creationId xmlns:a16="http://schemas.microsoft.com/office/drawing/2014/main" id="{36BEE32D-F122-6C50-9CE0-A8374D2A2F98}"/>
+              </a:ext>
+            </a:extLst>
+          </p:cNvPr>
+          <p:cNvSpPr/>
+          <p:nvPr/>
+        </p:nvSpPr>
+        <p:spPr>
+          <a:xfrm>
+            <a:off x="9581322" y="2769995"/>
+            <a:ext cx="2250219" cy="2663687"/>
+          </a:xfrm>
+          <a:prstGeom prst="rect">
+            <a:avLst/>
+          </a:prstGeom>
+          <a:solidFill>
+            <a:schemeClr val="accent6">
+              <a:lumMod val="75000"/>
+            </a:schemeClr>
+          </a:solidFill>
+        </p:spPr>
+        <p:style>
+          <a:lnRef idx="2">
+            <a:schemeClr val="accent1">
+              <a:shade val="15000"/>
+            </a:schemeClr>
+          </a:lnRef>
+          <a:fillRef idx="1">
+            <a:schemeClr val="accent1"/>
+          </a:fillRef>
+          <a:effectRef idx="0">
+            <a:schemeClr val="accent1"/>
+          </a:effectRef>
+          <a:fontRef idx="minor">
+            <a:schemeClr val="lt1"/>
+          </a:fontRef>
+        </p:style>
+        <p:txBody>
+          <a:bodyPr rtlCol="0" anchor="t"/>
+          <a:lstStyle/>
+          <a:p>
+            <a:r>
+              <a:rPr lang="da-DK" sz="3200">
+                <a:solidFill>
+                  <a:srgbClr val="FFFF00"/>
+                </a:solidFill>
+              </a:rPr>
+              <a:t>Class Car</a:t>
+            </a:r>
+          </a:p>
+        </p:txBody>
+      </p:sp>
+      <p:sp>
+        <p:nvSpPr>
+          <p:cNvPr id="6" name="Tekstfelt 5">
+            <a:extLst>
+              <a:ext uri="{FF2B5EF4-FFF2-40B4-BE49-F238E27FC236}">
+                <a16:creationId xmlns:a16="http://schemas.microsoft.com/office/drawing/2014/main" id="{FE05ECD0-D4A0-64E7-98FC-80821CE05FAA}"/>
+              </a:ext>
+            </a:extLst>
+          </p:cNvPr>
+          <p:cNvSpPr txBox="1"/>
+          <p:nvPr/>
+        </p:nvSpPr>
+        <p:spPr>
+          <a:xfrm>
+            <a:off x="7932318" y="2422102"/>
+            <a:ext cx="1426865" cy="369332"/>
+          </a:xfrm>
+          <a:prstGeom prst="rect">
+            <a:avLst/>
+          </a:prstGeom>
+          <a:noFill/>
+        </p:spPr>
+        <p:txBody>
+          <a:bodyPr wrap="none" rtlCol="0">
+            <a:spAutoFit/>
+          </a:bodyPr>
+          <a:lstStyle/>
+          <a:p>
+            <a:r>
+              <a:rPr lang="da-DK"/>
+              <a:t>Created from</a:t>
             </a:r>
           </a:p>
         </p:txBody>
@@ -4240,17 +5754,29 @@
     </p:spTree>
     <p:extLst>
       <p:ext uri="{BB962C8B-B14F-4D97-AF65-F5344CB8AC3E}">
-        <p14:creationId xmlns:p14="http://schemas.microsoft.com/office/powerpoint/2010/main" val="3064956208"/>
+        <p14:creationId xmlns:p14="http://schemas.microsoft.com/office/powerpoint/2010/main" val="711911370"/>
       </p:ext>
     </p:extLst>
   </p:cSld>
   <p:clrMapOvr>
     <a:masterClrMapping/>
   </p:clrMapOvr>
+  <mc:AlternateContent xmlns:mc="http://schemas.openxmlformats.org/markup-compatibility/2006">
+    <mc:Choice xmlns:p14="http://schemas.microsoft.com/office/powerpoint/2010/main" Requires="p14">
+      <p:transition spd="med" p14:dur="700">
+        <p:fade/>
+      </p:transition>
+    </mc:Choice>
+    <mc:Fallback>
+      <p:transition spd="med">
+        <p:fade/>
+      </p:transition>
+    </mc:Fallback>
+  </mc:AlternateContent>
 </p:sld>
 </file>
 
-<file path=ppt/slides/slide16.xml><?xml version="1.0" encoding="utf-8"?>
+<file path=ppt/slides/slide22.xml><?xml version="1.0" encoding="utf-8"?>
 <p:sld xmlns:a="http://schemas.openxmlformats.org/drawingml/2006/main" xmlns:r="http://schemas.openxmlformats.org/officeDocument/2006/relationships" xmlns:p="http://schemas.openxmlformats.org/presentationml/2006/main">
   <p:cSld>
     <p:spTree>
@@ -4275,8 +5801,8 @@
         </p:nvSpPr>
         <p:spPr>
           <a:xfrm>
-            <a:off x="565484" y="4768428"/>
-            <a:ext cx="11279605" cy="1569660"/>
+            <a:off x="559468" y="1513886"/>
+            <a:ext cx="9386827" cy="769441"/>
           </a:xfrm>
           <a:prstGeom prst="rect">
             <a:avLst/>
@@ -4290,7 +5816,11 @@
           <a:lstStyle/>
           <a:p>
             <a:r>
-              <a:rPr lang="da-DK" sz="4800" b="1">
+              <a:rPr lang="da-DK" sz="4000" b="1"/>
+              <a:t> </a:t>
+            </a:r>
+            <a:r>
+              <a:rPr lang="da-DK" sz="4400" b="1">
                 <a:solidFill>
                   <a:schemeClr val="accent6">
                     <a:lumMod val="75000"/>
@@ -4301,13 +5831,13 @@
               <a:t>Car</a:t>
             </a:r>
             <a:r>
-              <a:rPr lang="da-DK" sz="4800" b="1">
-                <a:latin typeface="Consolas" panose="020B0609020204030204" pitchFamily="49" charset="0"/>
-              </a:rPr>
-              <a:t> c1 = </a:t>
-            </a:r>
-            <a:r>
-              <a:rPr lang="da-DK" sz="4800" b="1">
+              <a:rPr lang="da-DK" sz="4400" b="1">
+                <a:latin typeface="Consolas" panose="020B0609020204030204" pitchFamily="49" charset="0"/>
+              </a:rPr>
+              <a:t> c = </a:t>
+            </a:r>
+            <a:r>
+              <a:rPr lang="da-DK" sz="4400" b="1">
                 <a:solidFill>
                   <a:srgbClr val="0070C0"/>
                 </a:solidFill>
@@ -4316,13 +5846,13 @@
               <a:t>new</a:t>
             </a:r>
             <a:r>
-              <a:rPr lang="da-DK" sz="4800" b="1">
+              <a:rPr lang="da-DK" sz="4400" b="1">
                 <a:latin typeface="Consolas" panose="020B0609020204030204" pitchFamily="49" charset="0"/>
               </a:rPr>
               <a:t> </a:t>
             </a:r>
             <a:r>
-              <a:rPr lang="da-DK" sz="4800" b="1">
+              <a:rPr lang="da-DK" sz="4400" b="1">
                 <a:solidFill>
                   <a:schemeClr val="accent6">
                     <a:lumMod val="75000"/>
@@ -4333,13 +5863,13 @@
               <a:t>Car</a:t>
             </a:r>
             <a:r>
-              <a:rPr lang="da-DK" sz="4800" b="1">
+              <a:rPr lang="da-DK" sz="4400" b="1">
                 <a:latin typeface="Consolas" panose="020B0609020204030204" pitchFamily="49" charset="0"/>
               </a:rPr>
               <a:t>(</a:t>
             </a:r>
             <a:r>
-              <a:rPr lang="da-DK" sz="4800" b="1">
+              <a:rPr lang="da-DK" sz="4400" b="1">
                 <a:solidFill>
                   <a:srgbClr val="C00000"/>
                 </a:solidFill>
@@ -4348,124 +5878,30 @@
               <a:t>"AC 32 702"</a:t>
             </a:r>
             <a:r>
-              <a:rPr lang="da-DK" sz="4800" b="1">
+              <a:rPr lang="da-DK" sz="4400" b="1">
                 <a:latin typeface="Consolas" panose="020B0609020204030204" pitchFamily="49" charset="0"/>
               </a:rPr>
               <a:t>);</a:t>
             </a:r>
           </a:p>
-          <a:p>
-            <a:r>
-              <a:rPr lang="da-DK" sz="4800" b="1">
-                <a:solidFill>
-                  <a:schemeClr val="accent6">
-                    <a:lumMod val="75000"/>
-                  </a:schemeClr>
-                </a:solidFill>
-                <a:latin typeface="Consolas" panose="020B0609020204030204" pitchFamily="49" charset="0"/>
-              </a:rPr>
-              <a:t>Car</a:t>
-            </a:r>
-            <a:r>
-              <a:rPr lang="da-DK" sz="4800" b="1">
-                <a:latin typeface="Consolas" panose="020B0609020204030204" pitchFamily="49" charset="0"/>
-              </a:rPr>
-              <a:t> c2 = </a:t>
-            </a:r>
-            <a:r>
-              <a:rPr lang="da-DK" sz="4800" b="1">
-                <a:solidFill>
-                  <a:srgbClr val="0070C0"/>
-                </a:solidFill>
-                <a:latin typeface="Consolas" panose="020B0609020204030204" pitchFamily="49" charset="0"/>
-              </a:rPr>
-              <a:t>new</a:t>
-            </a:r>
-            <a:r>
-              <a:rPr lang="da-DK" sz="4800" b="1">
-                <a:latin typeface="Consolas" panose="020B0609020204030204" pitchFamily="49" charset="0"/>
-              </a:rPr>
-              <a:t> </a:t>
-            </a:r>
-            <a:r>
-              <a:rPr lang="da-DK" sz="4800" b="1">
-                <a:solidFill>
-                  <a:schemeClr val="accent6">
-                    <a:lumMod val="75000"/>
-                  </a:schemeClr>
-                </a:solidFill>
-                <a:latin typeface="Consolas" panose="020B0609020204030204" pitchFamily="49" charset="0"/>
-              </a:rPr>
-              <a:t>Car</a:t>
-            </a:r>
-            <a:r>
-              <a:rPr lang="da-DK" sz="4800" b="1">
-                <a:latin typeface="Consolas" panose="020B0609020204030204" pitchFamily="49" charset="0"/>
-              </a:rPr>
-              <a:t>(</a:t>
-            </a:r>
-            <a:r>
-              <a:rPr lang="da-DK" sz="4800" b="1">
-                <a:solidFill>
-                  <a:srgbClr val="C00000"/>
-                </a:solidFill>
-                <a:latin typeface="Consolas" panose="020B0609020204030204" pitchFamily="49" charset="0"/>
-              </a:rPr>
-              <a:t>"TX 48 093"</a:t>
-            </a:r>
-            <a:r>
-              <a:rPr lang="da-DK" sz="4800" b="1">
-                <a:latin typeface="Consolas" panose="020B0609020204030204" pitchFamily="49" charset="0"/>
-              </a:rPr>
-              <a:t>);</a:t>
-            </a:r>
-          </a:p>
-        </p:txBody>
-      </p:sp>
-      <p:sp>
-        <p:nvSpPr>
-          <p:cNvPr id="4" name="Tekstfelt 3"/>
-          <p:cNvSpPr txBox="1"/>
+        </p:txBody>
+      </p:sp>
+      <p:sp>
+        <p:nvSpPr>
+          <p:cNvPr id="3" name="Rektangulær billedforklaring 2"/>
+          <p:cNvSpPr/>
           <p:nvPr/>
         </p:nvSpPr>
         <p:spPr>
           <a:xfrm>
-            <a:off x="2959947" y="850055"/>
-            <a:ext cx="1537600" cy="830997"/>
-          </a:xfrm>
-          <a:prstGeom prst="rect">
-            <a:avLst/>
-          </a:prstGeom>
-          <a:noFill/>
-        </p:spPr>
-        <p:txBody>
-          <a:bodyPr wrap="none" rtlCol="0">
-            <a:spAutoFit/>
-          </a:bodyPr>
-          <a:lstStyle/>
-          <a:p>
-            <a:r>
-              <a:rPr lang="da-DK" sz="4800" b="1">
-                <a:latin typeface="Consolas" panose="020B0609020204030204" pitchFamily="49" charset="0"/>
-              </a:rPr>
-              <a:t>c1 =</a:t>
-            </a:r>
-          </a:p>
-        </p:txBody>
-      </p:sp>
-      <p:sp>
-        <p:nvSpPr>
-          <p:cNvPr id="3" name="Sky 2"/>
-          <p:cNvSpPr/>
-          <p:nvPr/>
-        </p:nvSpPr>
-        <p:spPr>
-          <a:xfrm>
-            <a:off x="5059680" y="382796"/>
-            <a:ext cx="4455898" cy="1765514"/>
-          </a:xfrm>
-          <a:prstGeom prst="cloud">
-            <a:avLst/>
+            <a:off x="5378117" y="3248527"/>
+            <a:ext cx="3068051" cy="1455821"/>
+          </a:xfrm>
+          <a:prstGeom prst="wedgeRectCallout">
+            <a:avLst>
+              <a:gd name="adj1" fmla="val -33027"/>
+              <a:gd name="adj2" fmla="val -127170"/>
+            </a:avLst>
           </a:prstGeom>
         </p:spPr>
         <p:style>
@@ -4488,24 +5924,73 @@
           <a:bodyPr rtlCol="0" anchor="ctr"/>
           <a:lstStyle/>
           <a:p>
-            <a:pPr algn="ctr"/>
-            <a:r>
-              <a:rPr lang="da-DK" sz="3200"/>
-              <a:t>object (Car)</a:t>
-            </a:r>
-          </a:p>
-        </p:txBody>
-      </p:sp>
-      <p:sp>
-        <p:nvSpPr>
-          <p:cNvPr id="5" name="Tekstfelt 4"/>
+            <a:r>
+              <a:rPr lang="da-DK" sz="2400"/>
+              <a:t>May need to specify </a:t>
+            </a:r>
+            <a:r>
+              <a:rPr lang="da-DK" sz="2400" b="1"/>
+              <a:t>argument values </a:t>
+            </a:r>
+            <a:r>
+              <a:rPr lang="da-DK" sz="2400"/>
+              <a:t>when constructing an object</a:t>
+            </a:r>
+          </a:p>
+        </p:txBody>
+      </p:sp>
+    </p:spTree>
+    <p:extLst>
+      <p:ext uri="{BB962C8B-B14F-4D97-AF65-F5344CB8AC3E}">
+        <p14:creationId xmlns:p14="http://schemas.microsoft.com/office/powerpoint/2010/main" val="3064956208"/>
+      </p:ext>
+    </p:extLst>
+  </p:cSld>
+  <p:clrMapOvr>
+    <a:masterClrMapping/>
+  </p:clrMapOvr>
+  <mc:AlternateContent xmlns:mc="http://schemas.openxmlformats.org/markup-compatibility/2006">
+    <mc:Choice xmlns:p14="http://schemas.microsoft.com/office/powerpoint/2010/main" Requires="p14">
+      <p:transition spd="med" p14:dur="700">
+        <p:fade/>
+      </p:transition>
+    </mc:Choice>
+    <mc:Fallback>
+      <p:transition spd="med">
+        <p:fade/>
+      </p:transition>
+    </mc:Fallback>
+  </mc:AlternateContent>
+</p:sld>
+</file>
+
+<file path=ppt/slides/slide23.xml><?xml version="1.0" encoding="utf-8"?>
+<p:sld xmlns:a="http://schemas.openxmlformats.org/drawingml/2006/main" xmlns:r="http://schemas.openxmlformats.org/officeDocument/2006/relationships" xmlns:p="http://schemas.openxmlformats.org/presentationml/2006/main">
+  <p:cSld>
+    <p:spTree>
+      <p:nvGrpSpPr>
+        <p:cNvPr id="1" name=""/>
+        <p:cNvGrpSpPr/>
+        <p:nvPr/>
+      </p:nvGrpSpPr>
+      <p:grpSpPr>
+        <a:xfrm>
+          <a:off x="0" y="0"/>
+          <a:ext cx="0" cy="0"/>
+          <a:chOff x="0" y="0"/>
+          <a:chExt cx="0" cy="0"/>
+        </a:xfrm>
+      </p:grpSpPr>
+      <p:sp>
+        <p:nvSpPr>
+          <p:cNvPr id="2" name="Tekstfelt 1"/>
           <p:cNvSpPr txBox="1"/>
           <p:nvPr/>
         </p:nvSpPr>
         <p:spPr>
           <a:xfrm>
-            <a:off x="2959947" y="2809242"/>
-            <a:ext cx="1537600" cy="830997"/>
+            <a:off x="565484" y="4768428"/>
+            <a:ext cx="11279605" cy="1569660"/>
           </a:xfrm>
           <a:prstGeom prst="rect">
             <a:avLst/>
@@ -4513,6 +5998,161 @@
           <a:noFill/>
         </p:spPr>
         <p:txBody>
+          <a:bodyPr wrap="square" rtlCol="0">
+            <a:spAutoFit/>
+          </a:bodyPr>
+          <a:lstStyle/>
+          <a:p>
+            <a:r>
+              <a:rPr lang="da-DK" sz="4800" b="1">
+                <a:solidFill>
+                  <a:schemeClr val="accent6">
+                    <a:lumMod val="75000"/>
+                  </a:schemeClr>
+                </a:solidFill>
+                <a:latin typeface="Consolas" panose="020B0609020204030204" pitchFamily="49" charset="0"/>
+              </a:rPr>
+              <a:t>Car</a:t>
+            </a:r>
+            <a:r>
+              <a:rPr lang="da-DK" sz="4800" b="1">
+                <a:latin typeface="Consolas" panose="020B0609020204030204" pitchFamily="49" charset="0"/>
+              </a:rPr>
+              <a:t> c1 = </a:t>
+            </a:r>
+            <a:r>
+              <a:rPr lang="da-DK" sz="4800" b="1">
+                <a:solidFill>
+                  <a:srgbClr val="0070C0"/>
+                </a:solidFill>
+                <a:latin typeface="Consolas" panose="020B0609020204030204" pitchFamily="49" charset="0"/>
+              </a:rPr>
+              <a:t>new</a:t>
+            </a:r>
+            <a:r>
+              <a:rPr lang="da-DK" sz="4800" b="1">
+                <a:latin typeface="Consolas" panose="020B0609020204030204" pitchFamily="49" charset="0"/>
+              </a:rPr>
+              <a:t> </a:t>
+            </a:r>
+            <a:r>
+              <a:rPr lang="da-DK" sz="4800" b="1">
+                <a:solidFill>
+                  <a:schemeClr val="accent6">
+                    <a:lumMod val="75000"/>
+                  </a:schemeClr>
+                </a:solidFill>
+                <a:latin typeface="Consolas" panose="020B0609020204030204" pitchFamily="49" charset="0"/>
+              </a:rPr>
+              <a:t>Car</a:t>
+            </a:r>
+            <a:r>
+              <a:rPr lang="da-DK" sz="4800" b="1">
+                <a:latin typeface="Consolas" panose="020B0609020204030204" pitchFamily="49" charset="0"/>
+              </a:rPr>
+              <a:t>(</a:t>
+            </a:r>
+            <a:r>
+              <a:rPr lang="da-DK" sz="4800" b="1">
+                <a:solidFill>
+                  <a:srgbClr val="C00000"/>
+                </a:solidFill>
+                <a:latin typeface="Consolas" panose="020B0609020204030204" pitchFamily="49" charset="0"/>
+              </a:rPr>
+              <a:t>"AC 32 702"</a:t>
+            </a:r>
+            <a:r>
+              <a:rPr lang="da-DK" sz="4800" b="1">
+                <a:latin typeface="Consolas" panose="020B0609020204030204" pitchFamily="49" charset="0"/>
+              </a:rPr>
+              <a:t>);</a:t>
+            </a:r>
+          </a:p>
+          <a:p>
+            <a:r>
+              <a:rPr lang="da-DK" sz="4800" b="1">
+                <a:solidFill>
+                  <a:schemeClr val="accent6">
+                    <a:lumMod val="75000"/>
+                  </a:schemeClr>
+                </a:solidFill>
+                <a:latin typeface="Consolas" panose="020B0609020204030204" pitchFamily="49" charset="0"/>
+              </a:rPr>
+              <a:t>Car</a:t>
+            </a:r>
+            <a:r>
+              <a:rPr lang="da-DK" sz="4800" b="1">
+                <a:latin typeface="Consolas" panose="020B0609020204030204" pitchFamily="49" charset="0"/>
+              </a:rPr>
+              <a:t> c2 = </a:t>
+            </a:r>
+            <a:r>
+              <a:rPr lang="da-DK" sz="4800" b="1">
+                <a:solidFill>
+                  <a:srgbClr val="0070C0"/>
+                </a:solidFill>
+                <a:latin typeface="Consolas" panose="020B0609020204030204" pitchFamily="49" charset="0"/>
+              </a:rPr>
+              <a:t>new</a:t>
+            </a:r>
+            <a:r>
+              <a:rPr lang="da-DK" sz="4800" b="1">
+                <a:latin typeface="Consolas" panose="020B0609020204030204" pitchFamily="49" charset="0"/>
+              </a:rPr>
+              <a:t> </a:t>
+            </a:r>
+            <a:r>
+              <a:rPr lang="da-DK" sz="4800" b="1">
+                <a:solidFill>
+                  <a:schemeClr val="accent6">
+                    <a:lumMod val="75000"/>
+                  </a:schemeClr>
+                </a:solidFill>
+                <a:latin typeface="Consolas" panose="020B0609020204030204" pitchFamily="49" charset="0"/>
+              </a:rPr>
+              <a:t>Car</a:t>
+            </a:r>
+            <a:r>
+              <a:rPr lang="da-DK" sz="4800" b="1">
+                <a:latin typeface="Consolas" panose="020B0609020204030204" pitchFamily="49" charset="0"/>
+              </a:rPr>
+              <a:t>(</a:t>
+            </a:r>
+            <a:r>
+              <a:rPr lang="da-DK" sz="4800" b="1">
+                <a:solidFill>
+                  <a:srgbClr val="C00000"/>
+                </a:solidFill>
+                <a:latin typeface="Consolas" panose="020B0609020204030204" pitchFamily="49" charset="0"/>
+              </a:rPr>
+              <a:t>"TX 48 093"</a:t>
+            </a:r>
+            <a:r>
+              <a:rPr lang="da-DK" sz="4800" b="1">
+                <a:latin typeface="Consolas" panose="020B0609020204030204" pitchFamily="49" charset="0"/>
+              </a:rPr>
+              <a:t>);</a:t>
+            </a:r>
+          </a:p>
+        </p:txBody>
+      </p:sp>
+      <p:sp>
+        <p:nvSpPr>
+          <p:cNvPr id="4" name="Tekstfelt 3"/>
+          <p:cNvSpPr txBox="1"/>
+          <p:nvPr/>
+        </p:nvSpPr>
+        <p:spPr>
+          <a:xfrm>
+            <a:off x="2959947" y="850055"/>
+            <a:ext cx="1537600" cy="830997"/>
+          </a:xfrm>
+          <a:prstGeom prst="rect">
+            <a:avLst/>
+          </a:prstGeom>
+          <a:noFill/>
+        </p:spPr>
+        <p:txBody>
           <a:bodyPr wrap="none" rtlCol="0">
             <a:spAutoFit/>
           </a:bodyPr>
@@ -4522,28 +6162,25 @@
               <a:rPr lang="da-DK" sz="4800" b="1">
                 <a:latin typeface="Consolas" panose="020B0609020204030204" pitchFamily="49" charset="0"/>
               </a:rPr>
-              <a:t>c2 =</a:t>
-            </a:r>
-          </a:p>
-        </p:txBody>
-      </p:sp>
-      <p:sp>
-        <p:nvSpPr>
-          <p:cNvPr id="6" name="Sky 5"/>
+              <a:t>c1 =</a:t>
+            </a:r>
+          </a:p>
+        </p:txBody>
+      </p:sp>
+      <p:sp>
+        <p:nvSpPr>
+          <p:cNvPr id="3" name="Sky 2"/>
           <p:cNvSpPr/>
           <p:nvPr/>
         </p:nvSpPr>
         <p:spPr>
           <a:xfrm>
-            <a:off x="5059680" y="2341983"/>
+            <a:off x="5059680" y="382796"/>
             <a:ext cx="4455898" cy="1765514"/>
           </a:xfrm>
           <a:prstGeom prst="cloud">
             <a:avLst/>
           </a:prstGeom>
-          <a:solidFill>
-            <a:srgbClr val="0070C0"/>
-          </a:solidFill>
         </p:spPr>
         <p:style>
           <a:lnRef idx="2">
@@ -4573,6 +6210,83 @@
           </a:p>
         </p:txBody>
       </p:sp>
+      <p:sp>
+        <p:nvSpPr>
+          <p:cNvPr id="5" name="Tekstfelt 4"/>
+          <p:cNvSpPr txBox="1"/>
+          <p:nvPr/>
+        </p:nvSpPr>
+        <p:spPr>
+          <a:xfrm>
+            <a:off x="2959947" y="2809242"/>
+            <a:ext cx="1537600" cy="830997"/>
+          </a:xfrm>
+          <a:prstGeom prst="rect">
+            <a:avLst/>
+          </a:prstGeom>
+          <a:noFill/>
+        </p:spPr>
+        <p:txBody>
+          <a:bodyPr wrap="none" rtlCol="0">
+            <a:spAutoFit/>
+          </a:bodyPr>
+          <a:lstStyle/>
+          <a:p>
+            <a:r>
+              <a:rPr lang="da-DK" sz="4800" b="1">
+                <a:latin typeface="Consolas" panose="020B0609020204030204" pitchFamily="49" charset="0"/>
+              </a:rPr>
+              <a:t>c2 =</a:t>
+            </a:r>
+          </a:p>
+        </p:txBody>
+      </p:sp>
+      <p:sp>
+        <p:nvSpPr>
+          <p:cNvPr id="6" name="Sky 5"/>
+          <p:cNvSpPr/>
+          <p:nvPr/>
+        </p:nvSpPr>
+        <p:spPr>
+          <a:xfrm>
+            <a:off x="5059680" y="2341983"/>
+            <a:ext cx="4455898" cy="1765514"/>
+          </a:xfrm>
+          <a:prstGeom prst="cloud">
+            <a:avLst/>
+          </a:prstGeom>
+          <a:solidFill>
+            <a:srgbClr val="0070C0"/>
+          </a:solidFill>
+        </p:spPr>
+        <p:style>
+          <a:lnRef idx="2">
+            <a:schemeClr val="accent1">
+              <a:shade val="50000"/>
+            </a:schemeClr>
+          </a:lnRef>
+          <a:fillRef idx="1">
+            <a:schemeClr val="accent1"/>
+          </a:fillRef>
+          <a:effectRef idx="0">
+            <a:schemeClr val="accent1"/>
+          </a:effectRef>
+          <a:fontRef idx="minor">
+            <a:schemeClr val="lt1"/>
+          </a:fontRef>
+        </p:style>
+        <p:txBody>
+          <a:bodyPr rtlCol="0" anchor="ctr"/>
+          <a:lstStyle/>
+          <a:p>
+            <a:pPr algn="ctr"/>
+            <a:r>
+              <a:rPr lang="da-DK" sz="3200"/>
+              <a:t>object (Car)</a:t>
+            </a:r>
+          </a:p>
+        </p:txBody>
+      </p:sp>
     </p:spTree>
     <p:extLst>
       <p:ext uri="{BB962C8B-B14F-4D97-AF65-F5344CB8AC3E}">
@@ -4583,10 +6297,22 @@
   <p:clrMapOvr>
     <a:masterClrMapping/>
   </p:clrMapOvr>
+  <mc:AlternateContent xmlns:mc="http://schemas.openxmlformats.org/markup-compatibility/2006">
+    <mc:Choice xmlns:p14="http://schemas.microsoft.com/office/powerpoint/2010/main" Requires="p14">
+      <p:transition spd="med" p14:dur="700">
+        <p:fade/>
+      </p:transition>
+    </mc:Choice>
+    <mc:Fallback>
+      <p:transition spd="med">
+        <p:fade/>
+      </p:transition>
+    </mc:Fallback>
+  </mc:AlternateContent>
 </p:sld>
 </file>
 
-<file path=ppt/slides/slide17.xml><?xml version="1.0" encoding="utf-8"?>
+<file path=ppt/slides/slide24.xml><?xml version="1.0" encoding="utf-8"?>
 <p:sld xmlns:a="http://schemas.openxmlformats.org/drawingml/2006/main" xmlns:r="http://schemas.openxmlformats.org/officeDocument/2006/relationships" xmlns:p="http://schemas.openxmlformats.org/presentationml/2006/main">
   <p:cSld>
     <p:spTree>
@@ -4826,10 +6552,22 @@
   <p:clrMapOvr>
     <a:masterClrMapping/>
   </p:clrMapOvr>
+  <mc:AlternateContent xmlns:mc="http://schemas.openxmlformats.org/markup-compatibility/2006">
+    <mc:Choice xmlns:p14="http://schemas.microsoft.com/office/powerpoint/2010/main" Requires="p14">
+      <p:transition spd="med" p14:dur="700">
+        <p:fade/>
+      </p:transition>
+    </mc:Choice>
+    <mc:Fallback>
+      <p:transition spd="med">
+        <p:fade/>
+      </p:transition>
+    </mc:Fallback>
+  </mc:AlternateContent>
 </p:sld>
 </file>
 
-<file path=ppt/slides/slide18.xml><?xml version="1.0" encoding="utf-8"?>
+<file path=ppt/slides/slide25.xml><?xml version="1.0" encoding="utf-8"?>
 <p:sld xmlns:a="http://schemas.openxmlformats.org/drawingml/2006/main" xmlns:r="http://schemas.openxmlformats.org/officeDocument/2006/relationships" xmlns:p="http://schemas.openxmlformats.org/presentationml/2006/main">
   <p:cSld>
     <p:spTree>
@@ -5005,10 +6743,22 @@
   <p:clrMapOvr>
     <a:masterClrMapping/>
   </p:clrMapOvr>
+  <mc:AlternateContent xmlns:mc="http://schemas.openxmlformats.org/markup-compatibility/2006">
+    <mc:Choice xmlns:p14="http://schemas.microsoft.com/office/powerpoint/2010/main" Requires="p14">
+      <p:transition spd="med" p14:dur="700">
+        <p:fade/>
+      </p:transition>
+    </mc:Choice>
+    <mc:Fallback>
+      <p:transition spd="med">
+        <p:fade/>
+      </p:transition>
+    </mc:Fallback>
+  </mc:AlternateContent>
 </p:sld>
 </file>
 
-<file path=ppt/slides/slide19.xml><?xml version="1.0" encoding="utf-8"?>
+<file path=ppt/slides/slide26.xml><?xml version="1.0" encoding="utf-8"?>
 <p:sld xmlns:a="http://schemas.openxmlformats.org/drawingml/2006/main" xmlns:r="http://schemas.openxmlformats.org/officeDocument/2006/relationships" xmlns:p="http://schemas.openxmlformats.org/presentationml/2006/main">
   <p:cSld>
     <p:spTree>
@@ -5076,10 +6826,22 @@
   <p:clrMapOvr>
     <a:masterClrMapping/>
   </p:clrMapOvr>
+  <mc:AlternateContent xmlns:mc="http://schemas.openxmlformats.org/markup-compatibility/2006">
+    <mc:Choice xmlns:p14="http://schemas.microsoft.com/office/powerpoint/2010/main" Requires="p14">
+      <p:transition spd="med" p14:dur="700">
+        <p:fade/>
+      </p:transition>
+    </mc:Choice>
+    <mc:Fallback>
+      <p:transition spd="med">
+        <p:fade/>
+      </p:transition>
+    </mc:Fallback>
+  </mc:AlternateContent>
 </p:sld>
 </file>
 
-<file path=ppt/slides/slide2.xml><?xml version="1.0" encoding="utf-8"?>
+<file path=ppt/slides/slide27.xml><?xml version="1.0" encoding="utf-8"?>
 <p:sld xmlns:a="http://schemas.openxmlformats.org/drawingml/2006/main" xmlns:r="http://schemas.openxmlformats.org/officeDocument/2006/relationships" xmlns:p="http://schemas.openxmlformats.org/presentationml/2006/main">
   <p:cSld>
     <p:spTree>
@@ -5098,126 +6860,86 @@
       </p:grpSpPr>
       <p:sp>
         <p:nvSpPr>
-          <p:cNvPr id="2" name="Titel 1"/>
-          <p:cNvSpPr>
-            <a:spLocks noGrp="1"/>
-          </p:cNvSpPr>
-          <p:nvPr>
-            <p:ph type="title"/>
-          </p:nvPr>
-        </p:nvSpPr>
-        <p:spPr/>
-        <p:txBody>
-          <a:bodyPr/>
-          <a:lstStyle/>
-          <a:p>
-            <a:r>
-              <a:rPr lang="da-DK" b="1"/>
-              <a:t>Simple</a:t>
-            </a:r>
-            <a:r>
-              <a:rPr lang="da-DK"/>
-              <a:t> types (aka </a:t>
-            </a:r>
-            <a:r>
-              <a:rPr lang="da-DK" b="1"/>
-              <a:t>primitive</a:t>
-            </a:r>
-            <a:r>
-              <a:rPr lang="da-DK"/>
-              <a:t> types)</a:t>
-            </a:r>
-          </a:p>
-        </p:txBody>
-      </p:sp>
-      <p:sp>
-        <p:nvSpPr>
-          <p:cNvPr id="3" name="Pladsholder til indhold 2"/>
-          <p:cNvSpPr>
-            <a:spLocks noGrp="1"/>
-          </p:cNvSpPr>
-          <p:nvPr>
-            <p:ph idx="1"/>
-          </p:nvPr>
-        </p:nvSpPr>
-        <p:spPr/>
-        <p:txBody>
-          <a:bodyPr>
-            <a:normAutofit/>
+          <p:cNvPr id="2" name="Tekstfelt 1"/>
+          <p:cNvSpPr txBox="1"/>
+          <p:nvPr/>
+        </p:nvSpPr>
+        <p:spPr>
+          <a:xfrm>
+            <a:off x="1457067" y="1370177"/>
+            <a:ext cx="11297921" cy="2062103"/>
+          </a:xfrm>
+          <a:prstGeom prst="rect">
+            <a:avLst/>
+          </a:prstGeom>
+          <a:noFill/>
+        </p:spPr>
+        <p:txBody>
+          <a:bodyPr wrap="square" rtlCol="0">
+            <a:spAutoFit/>
           </a:bodyPr>
           <a:lstStyle/>
           <a:p>
-            <a:pPr marL="457200" lvl="1" indent="0">
-              <a:buNone/>
-            </a:pPr>
-            <a:r>
-              <a:rPr lang="da-DK" sz="6000" b="1">
-                <a:solidFill>
-                  <a:srgbClr val="0070C0"/>
-                </a:solidFill>
-                <a:latin typeface="Consolas" panose="020B0609020204030204" pitchFamily="49" charset="0"/>
-              </a:rPr>
-              <a:t>int</a:t>
-            </a:r>
-          </a:p>
-          <a:p>
-            <a:pPr marL="457200" lvl="1" indent="0">
-              <a:buNone/>
-            </a:pPr>
-            <a:r>
-              <a:rPr lang="da-DK" sz="6000" b="1">
-                <a:solidFill>
-                  <a:srgbClr val="0070C0"/>
-                </a:solidFill>
-                <a:latin typeface="Consolas" panose="020B0609020204030204" pitchFamily="49" charset="0"/>
-              </a:rPr>
-              <a:t>double</a:t>
-            </a:r>
-          </a:p>
-          <a:p>
-            <a:pPr marL="457200" lvl="1" indent="0">
-              <a:buNone/>
-            </a:pPr>
-            <a:r>
-              <a:rPr lang="da-DK" sz="6000" b="1">
-                <a:solidFill>
-                  <a:srgbClr val="0070C0"/>
-                </a:solidFill>
-                <a:latin typeface="Consolas" panose="020B0609020204030204" pitchFamily="49" charset="0"/>
-              </a:rPr>
-              <a:t>string</a:t>
-            </a:r>
-          </a:p>
-          <a:p>
-            <a:pPr marL="457200" lvl="1" indent="0">
-              <a:buNone/>
-            </a:pPr>
-            <a:r>
-              <a:rPr lang="da-DK" sz="6000" b="1">
-                <a:solidFill>
-                  <a:srgbClr val="0070C0"/>
-                </a:solidFill>
-                <a:latin typeface="Consolas" panose="020B0609020204030204" pitchFamily="49" charset="0"/>
-              </a:rPr>
-              <a:t>bool</a:t>
-            </a:r>
+            <a:r>
+              <a:rPr lang="da-DK" sz="8000" b="1">
+                <a:latin typeface="Consolas" panose="020B0609020204030204" pitchFamily="49" charset="0"/>
+              </a:rPr>
+              <a:t>c</a:t>
+            </a:r>
+            <a:r>
+              <a:rPr lang="da-DK" sz="8000" b="1">
+                <a:solidFill>
+                  <a:srgbClr val="FF0000"/>
+                </a:solidFill>
+                <a:latin typeface="Consolas" panose="020B0609020204030204" pitchFamily="49" charset="0"/>
+              </a:rPr>
+              <a:t>.</a:t>
+            </a:r>
+            <a:r>
+              <a:rPr lang="da-DK" sz="8000" b="1">
+                <a:latin typeface="Consolas" panose="020B0609020204030204" pitchFamily="49" charset="0"/>
+              </a:rPr>
+              <a:t>TurnOnEngine();</a:t>
+            </a:r>
+          </a:p>
+          <a:p>
+            <a:endParaRPr lang="da-DK" sz="4800" b="1">
+              <a:solidFill>
+                <a:schemeClr val="accent6">
+                  <a:lumMod val="75000"/>
+                </a:schemeClr>
+              </a:solidFill>
+              <a:latin typeface="Consolas" panose="020B0609020204030204" pitchFamily="49" charset="0"/>
+            </a:endParaRPr>
           </a:p>
         </p:txBody>
       </p:sp>
     </p:spTree>
     <p:extLst>
       <p:ext uri="{BB962C8B-B14F-4D97-AF65-F5344CB8AC3E}">
-        <p14:creationId xmlns:p14="http://schemas.microsoft.com/office/powerpoint/2010/main" val="3295563567"/>
+        <p14:creationId xmlns:p14="http://schemas.microsoft.com/office/powerpoint/2010/main" val="2515548064"/>
       </p:ext>
     </p:extLst>
   </p:cSld>
   <p:clrMapOvr>
     <a:masterClrMapping/>
   </p:clrMapOvr>
+  <mc:AlternateContent xmlns:mc="http://schemas.openxmlformats.org/markup-compatibility/2006">
+    <mc:Choice xmlns:p14="http://schemas.microsoft.com/office/powerpoint/2010/main" Requires="p14">
+      <p:transition spd="med" p14:dur="700">
+        <p:fade/>
+      </p:transition>
+    </mc:Choice>
+    <mc:Fallback>
+      <p:transition spd="med">
+        <p:fade/>
+      </p:transition>
+    </mc:Fallback>
+  </mc:AlternateContent>
 </p:sld>
 </file>
 
-<file path=ppt/slides/slide20.xml><?xml version="1.0" encoding="utf-8"?>
+<file path=ppt/slides/slide28.xml><?xml version="1.0" encoding="utf-8"?>
 <p:sld xmlns:a="http://schemas.openxmlformats.org/drawingml/2006/main" xmlns:r="http://schemas.openxmlformats.org/officeDocument/2006/relationships" xmlns:p="http://schemas.openxmlformats.org/presentationml/2006/main">
   <p:cSld>
     <p:spTree>
@@ -5236,74 +6958,78 @@
       </p:grpSpPr>
       <p:sp>
         <p:nvSpPr>
-          <p:cNvPr id="2" name="Tekstfelt 1"/>
-          <p:cNvSpPr txBox="1"/>
+          <p:cNvPr id="3" name="Ellipse 2"/>
+          <p:cNvSpPr/>
           <p:nvPr/>
         </p:nvSpPr>
         <p:spPr>
           <a:xfrm>
-            <a:off x="1457067" y="1370177"/>
-            <a:ext cx="11297921" cy="2062103"/>
-          </a:xfrm>
-          <a:prstGeom prst="rect">
+            <a:off x="3488444" y="718551"/>
+            <a:ext cx="5400000" cy="5400000"/>
+          </a:xfrm>
+          <a:prstGeom prst="ellipse">
             <a:avLst/>
           </a:prstGeom>
-          <a:noFill/>
-        </p:spPr>
-        <p:txBody>
-          <a:bodyPr wrap="square" rtlCol="0">
-            <a:spAutoFit/>
-          </a:bodyPr>
-          <a:lstStyle/>
-          <a:p>
-            <a:r>
-              <a:rPr lang="da-DK" sz="8000" b="1">
-                <a:latin typeface="Consolas" panose="020B0609020204030204" pitchFamily="49" charset="0"/>
-              </a:rPr>
-              <a:t>c</a:t>
-            </a:r>
-            <a:r>
-              <a:rPr lang="da-DK" sz="8000" b="1">
-                <a:solidFill>
-                  <a:srgbClr val="FF0000"/>
-                </a:solidFill>
-                <a:latin typeface="Consolas" panose="020B0609020204030204" pitchFamily="49" charset="0"/>
-              </a:rPr>
-              <a:t>.</a:t>
-            </a:r>
-            <a:r>
-              <a:rPr lang="da-DK" sz="8000" b="1">
-                <a:latin typeface="Consolas" panose="020B0609020204030204" pitchFamily="49" charset="0"/>
-              </a:rPr>
-              <a:t>TurnOnEngine();</a:t>
-            </a:r>
-          </a:p>
-          <a:p>
-            <a:endParaRPr lang="da-DK" sz="4800" b="1">
-              <a:solidFill>
-                <a:schemeClr val="accent6">
-                  <a:lumMod val="75000"/>
-                </a:schemeClr>
-              </a:solidFill>
-              <a:latin typeface="Consolas" panose="020B0609020204030204" pitchFamily="49" charset="0"/>
-            </a:endParaRPr>
+          <a:solidFill>
+            <a:srgbClr val="FF0000"/>
+          </a:solidFill>
+          <a:ln>
+            <a:solidFill>
+              <a:srgbClr val="FF0000"/>
+            </a:solidFill>
+          </a:ln>
+        </p:spPr>
+        <p:style>
+          <a:lnRef idx="2">
+            <a:schemeClr val="accent1">
+              <a:shade val="50000"/>
+            </a:schemeClr>
+          </a:lnRef>
+          <a:fillRef idx="1">
+            <a:schemeClr val="accent1"/>
+          </a:fillRef>
+          <a:effectRef idx="0">
+            <a:schemeClr val="accent1"/>
+          </a:effectRef>
+          <a:fontRef idx="minor">
+            <a:schemeClr val="lt1"/>
+          </a:fontRef>
+        </p:style>
+        <p:txBody>
+          <a:bodyPr rtlCol="0" anchor="ctr"/>
+          <a:lstStyle/>
+          <a:p>
+            <a:pPr algn="ctr"/>
+            <a:endParaRPr lang="da-DK"/>
           </a:p>
         </p:txBody>
       </p:sp>
     </p:spTree>
     <p:extLst>
       <p:ext uri="{BB962C8B-B14F-4D97-AF65-F5344CB8AC3E}">
-        <p14:creationId xmlns:p14="http://schemas.microsoft.com/office/powerpoint/2010/main" val="2515548064"/>
+        <p14:creationId xmlns:p14="http://schemas.microsoft.com/office/powerpoint/2010/main" val="991971527"/>
       </p:ext>
     </p:extLst>
   </p:cSld>
   <p:clrMapOvr>
     <a:masterClrMapping/>
   </p:clrMapOvr>
+  <mc:AlternateContent xmlns:mc="http://schemas.openxmlformats.org/markup-compatibility/2006">
+    <mc:Choice xmlns:p14="http://schemas.microsoft.com/office/powerpoint/2010/main" Requires="p14">
+      <p:transition spd="med" p14:dur="700">
+        <p:fade/>
+      </p:transition>
+    </mc:Choice>
+    <mc:Fallback>
+      <p:transition spd="med">
+        <p:fade/>
+      </p:transition>
+    </mc:Fallback>
+  </mc:AlternateContent>
 </p:sld>
 </file>
 
-<file path=ppt/slides/slide21.xml><?xml version="1.0" encoding="utf-8"?>
+<file path=ppt/slides/slide29.xml><?xml version="1.0" encoding="utf-8"?>
 <p:sld xmlns:a="http://schemas.openxmlformats.org/drawingml/2006/main" xmlns:r="http://schemas.openxmlformats.org/officeDocument/2006/relationships" xmlns:p="http://schemas.openxmlformats.org/presentationml/2006/main">
   <p:cSld>
     <p:spTree>
@@ -5364,24 +7090,39 @@
           <a:lstStyle/>
           <a:p>
             <a:pPr algn="ctr"/>
-            <a:endParaRPr lang="da-DK"/>
+            <a:r>
+              <a:rPr lang="da-DK" sz="4800"/>
+              <a:t>…the most important dot in your life!</a:t>
+            </a:r>
           </a:p>
         </p:txBody>
       </p:sp>
     </p:spTree>
     <p:extLst>
       <p:ext uri="{BB962C8B-B14F-4D97-AF65-F5344CB8AC3E}">
-        <p14:creationId xmlns:p14="http://schemas.microsoft.com/office/powerpoint/2010/main" val="991971527"/>
+        <p14:creationId xmlns:p14="http://schemas.microsoft.com/office/powerpoint/2010/main" val="2582533186"/>
       </p:ext>
     </p:extLst>
   </p:cSld>
   <p:clrMapOvr>
     <a:masterClrMapping/>
   </p:clrMapOvr>
+  <mc:AlternateContent xmlns:mc="http://schemas.openxmlformats.org/markup-compatibility/2006">
+    <mc:Choice xmlns:p14="http://schemas.microsoft.com/office/powerpoint/2010/main" Requires="p14">
+      <p:transition spd="med" p14:dur="700">
+        <p:fade/>
+      </p:transition>
+    </mc:Choice>
+    <mc:Fallback>
+      <p:transition spd="med">
+        <p:fade/>
+      </p:transition>
+    </mc:Fallback>
+  </mc:AlternateContent>
 </p:sld>
 </file>
 
-<file path=ppt/slides/slide22.xml><?xml version="1.0" encoding="utf-8"?>
+<file path=ppt/slides/slide3.xml><?xml version="1.0" encoding="utf-8"?>
 <p:sld xmlns:a="http://schemas.openxmlformats.org/drawingml/2006/main" xmlns:r="http://schemas.openxmlformats.org/officeDocument/2006/relationships" xmlns:p="http://schemas.openxmlformats.org/presentationml/2006/main">
   <p:cSld>
     <p:spTree>
@@ -5400,26 +7141,58 @@
       </p:grpSpPr>
       <p:sp>
         <p:nvSpPr>
-          <p:cNvPr id="3" name="Ellipse 2"/>
+          <p:cNvPr id="2" name="Titel 1">
+            <a:extLst>
+              <a:ext uri="{FF2B5EF4-FFF2-40B4-BE49-F238E27FC236}">
+                <a16:creationId xmlns:a16="http://schemas.microsoft.com/office/drawing/2014/main" id="{163FA250-D69B-4B90-5026-222BF8A1FBF3}"/>
+              </a:ext>
+            </a:extLst>
+          </p:cNvPr>
+          <p:cNvSpPr>
+            <a:spLocks noGrp="1"/>
+          </p:cNvSpPr>
+          <p:nvPr>
+            <p:ph type="title"/>
+          </p:nvPr>
+        </p:nvSpPr>
+        <p:spPr/>
+        <p:txBody>
+          <a:bodyPr/>
+          <a:lstStyle/>
+          <a:p>
+            <a:r>
+              <a:rPr lang="da-DK" b="1"/>
+              <a:t>Object</a:t>
+            </a:r>
+            <a:endParaRPr lang="da-DK"/>
+          </a:p>
+        </p:txBody>
+      </p:sp>
+      <p:sp>
+        <p:nvSpPr>
+          <p:cNvPr id="4" name="Afrundet rektangel 3">
+            <a:extLst>
+              <a:ext uri="{FF2B5EF4-FFF2-40B4-BE49-F238E27FC236}">
+                <a16:creationId xmlns:a16="http://schemas.microsoft.com/office/drawing/2014/main" id="{844D465F-14E5-EADB-171D-6196E5178291}"/>
+              </a:ext>
+            </a:extLst>
+          </p:cNvPr>
           <p:cNvSpPr/>
           <p:nvPr/>
         </p:nvSpPr>
         <p:spPr>
           <a:xfrm>
-            <a:off x="3488444" y="718551"/>
-            <a:ext cx="5400000" cy="5400000"/>
-          </a:xfrm>
-          <a:prstGeom prst="ellipse">
+            <a:off x="3389540" y="2362573"/>
+            <a:ext cx="7001490" cy="4100885"/>
+          </a:xfrm>
+          <a:prstGeom prst="roundRect">
             <a:avLst/>
           </a:prstGeom>
           <a:solidFill>
-            <a:srgbClr val="FF0000"/>
+            <a:schemeClr val="accent5">
+              <a:lumMod val="50000"/>
+            </a:schemeClr>
           </a:solidFill>
-          <a:ln>
-            <a:solidFill>
-              <a:srgbClr val="FF0000"/>
-            </a:solidFill>
-          </a:ln>
         </p:spPr>
         <p:style>
           <a:lnRef idx="2">
@@ -5438,13 +7211,122 @@
           </a:fontRef>
         </p:style>
         <p:txBody>
-          <a:bodyPr rtlCol="0" anchor="ctr"/>
-          <a:lstStyle/>
-          <a:p>
-            <a:pPr algn="ctr"/>
-            <a:r>
-              <a:rPr lang="da-DK" sz="4800"/>
-              <a:t>…the most important dot in your life!</a:t>
+          <a:bodyPr rtlCol="0" anchor="t"/>
+          <a:lstStyle/>
+          <a:p>
+            <a:r>
+              <a:rPr lang="da-DK" sz="3200">
+                <a:solidFill>
+                  <a:srgbClr val="FFFF00"/>
+                </a:solidFill>
+              </a:rPr>
+              <a:t>Name</a:t>
+            </a:r>
+            <a:r>
+              <a:rPr lang="da-DK" sz="3200"/>
+              <a:t> : ”John Smith” (</a:t>
+            </a:r>
+            <a:r>
+              <a:rPr lang="da-DK" sz="3200">
+                <a:solidFill>
+                  <a:srgbClr val="FFFF00"/>
+                </a:solidFill>
+              </a:rPr>
+              <a:t>string</a:t>
+            </a:r>
+            <a:r>
+              <a:rPr lang="da-DK" sz="3200"/>
+              <a:t>)</a:t>
+            </a:r>
+          </a:p>
+          <a:p>
+            <a:r>
+              <a:rPr lang="da-DK" sz="3200">
+                <a:solidFill>
+                  <a:srgbClr val="FFFF00"/>
+                </a:solidFill>
+              </a:rPr>
+              <a:t>Weight</a:t>
+            </a:r>
+            <a:r>
+              <a:rPr lang="da-DK" sz="3200"/>
+              <a:t>: 85.3 (</a:t>
+            </a:r>
+            <a:r>
+              <a:rPr lang="da-DK" sz="3200">
+                <a:solidFill>
+                  <a:srgbClr val="FFFF00"/>
+                </a:solidFill>
+              </a:rPr>
+              <a:t>double</a:t>
+            </a:r>
+            <a:r>
+              <a:rPr lang="da-DK" sz="3200"/>
+              <a:t>)</a:t>
+            </a:r>
+          </a:p>
+          <a:p>
+            <a:r>
+              <a:rPr lang="da-DK" sz="3200">
+                <a:solidFill>
+                  <a:srgbClr val="FFFF00"/>
+                </a:solidFill>
+              </a:rPr>
+              <a:t>Height</a:t>
+            </a:r>
+            <a:r>
+              <a:rPr lang="da-DK" sz="3200"/>
+              <a:t>: 1.86 (</a:t>
+            </a:r>
+            <a:r>
+              <a:rPr lang="da-DK" sz="3200">
+                <a:solidFill>
+                  <a:srgbClr val="FFFF00"/>
+                </a:solidFill>
+              </a:rPr>
+              <a:t>double</a:t>
+            </a:r>
+            <a:r>
+              <a:rPr lang="da-DK" sz="3200"/>
+              <a:t>)</a:t>
+            </a:r>
+          </a:p>
+          <a:p>
+            <a:endParaRPr lang="da-DK" sz="2400"/>
+          </a:p>
+        </p:txBody>
+      </p:sp>
+      <p:sp>
+        <p:nvSpPr>
+          <p:cNvPr id="5" name="Tekstfelt 4">
+            <a:extLst>
+              <a:ext uri="{FF2B5EF4-FFF2-40B4-BE49-F238E27FC236}">
+                <a16:creationId xmlns:a16="http://schemas.microsoft.com/office/drawing/2014/main" id="{91BEA99D-13BD-837A-54CC-6DB0A68F38D9}"/>
+              </a:ext>
+            </a:extLst>
+          </p:cNvPr>
+          <p:cNvSpPr txBox="1"/>
+          <p:nvPr/>
+        </p:nvSpPr>
+        <p:spPr>
+          <a:xfrm>
+            <a:off x="6213657" y="1275189"/>
+            <a:ext cx="1353256" cy="830997"/>
+          </a:xfrm>
+          <a:prstGeom prst="rect">
+            <a:avLst/>
+          </a:prstGeom>
+          <a:noFill/>
+        </p:spPr>
+        <p:txBody>
+          <a:bodyPr wrap="none" rtlCol="0">
+            <a:spAutoFit/>
+          </a:bodyPr>
+          <a:lstStyle/>
+          <a:p>
+            <a:r>
+              <a:rPr lang="da-DK" sz="4800" i="1"/>
+              <a:t>John</a:t>
             </a:r>
           </a:p>
         </p:txBody>
@@ -5452,17 +7334,29 @@
     </p:spTree>
     <p:extLst>
       <p:ext uri="{BB962C8B-B14F-4D97-AF65-F5344CB8AC3E}">
-        <p14:creationId xmlns:p14="http://schemas.microsoft.com/office/powerpoint/2010/main" val="2582533186"/>
+        <p14:creationId xmlns:p14="http://schemas.microsoft.com/office/powerpoint/2010/main" val="353053663"/>
       </p:ext>
     </p:extLst>
   </p:cSld>
   <p:clrMapOvr>
     <a:masterClrMapping/>
   </p:clrMapOvr>
+  <mc:AlternateContent xmlns:mc="http://schemas.openxmlformats.org/markup-compatibility/2006">
+    <mc:Choice xmlns:p14="http://schemas.microsoft.com/office/powerpoint/2010/main" Requires="p14">
+      <p:transition spd="med" p14:dur="700">
+        <p:fade/>
+      </p:transition>
+    </mc:Choice>
+    <mc:Fallback>
+      <p:transition spd="med">
+        <p:fade/>
+      </p:transition>
+    </mc:Fallback>
+  </mc:AlternateContent>
 </p:sld>
 </file>
 
-<file path=ppt/slides/slide23.xml><?xml version="1.0" encoding="utf-8"?>
+<file path=ppt/slides/slide30.xml><?xml version="1.0" encoding="utf-8"?>
 <p:sld xmlns:a="http://schemas.openxmlformats.org/drawingml/2006/main" xmlns:r="http://schemas.openxmlformats.org/officeDocument/2006/relationships" xmlns:p="http://schemas.openxmlformats.org/presentationml/2006/main">
   <p:cSld>
     <p:spTree>
@@ -5525,7 +7419,11 @@
           <a:p>
             <a:r>
               <a:rPr lang="da-DK"/>
-              <a:t>The (external) state of an object is accessed through properties</a:t>
+              <a:t>The (external) state of an object is accessed through </a:t>
+            </a:r>
+            <a:r>
+              <a:rPr lang="da-DK" b="1"/>
+              <a:t>properties</a:t>
             </a:r>
           </a:p>
           <a:p>
@@ -5681,10 +7579,22 @@
   <p:clrMapOvr>
     <a:masterClrMapping/>
   </p:clrMapOvr>
+  <mc:AlternateContent xmlns:mc="http://schemas.openxmlformats.org/markup-compatibility/2006">
+    <mc:Choice xmlns:p14="http://schemas.microsoft.com/office/powerpoint/2010/main" Requires="p14">
+      <p:transition spd="med" p14:dur="700">
+        <p:fade/>
+      </p:transition>
+    </mc:Choice>
+    <mc:Fallback>
+      <p:transition spd="med">
+        <p:fade/>
+      </p:transition>
+    </mc:Fallback>
+  </mc:AlternateContent>
 </p:sld>
 </file>
 
-<file path=ppt/slides/slide24.xml><?xml version="1.0" encoding="utf-8"?>
+<file path=ppt/slides/slide31.xml><?xml version="1.0" encoding="utf-8"?>
 <p:sld xmlns:a="http://schemas.openxmlformats.org/drawingml/2006/main" xmlns:r="http://schemas.openxmlformats.org/officeDocument/2006/relationships" xmlns:p="http://schemas.openxmlformats.org/presentationml/2006/main">
   <p:cSld>
     <p:spTree>
@@ -5913,10 +7823,22 @@
   <p:clrMapOvr>
     <a:masterClrMapping/>
   </p:clrMapOvr>
+  <mc:AlternateContent xmlns:mc="http://schemas.openxmlformats.org/markup-compatibility/2006">
+    <mc:Choice xmlns:p14="http://schemas.microsoft.com/office/powerpoint/2010/main" Requires="p14">
+      <p:transition spd="med" p14:dur="700">
+        <p:fade/>
+      </p:transition>
+    </mc:Choice>
+    <mc:Fallback>
+      <p:transition spd="med">
+        <p:fade/>
+      </p:transition>
+    </mc:Fallback>
+  </mc:AlternateContent>
 </p:sld>
 </file>
 
-<file path=ppt/slides/slide25.xml><?xml version="1.0" encoding="utf-8"?>
+<file path=ppt/slides/slide32.xml><?xml version="1.0" encoding="utf-8"?>
 <p:sld xmlns:a="http://schemas.openxmlformats.org/drawingml/2006/main" xmlns:r="http://schemas.openxmlformats.org/officeDocument/2006/relationships" xmlns:p="http://schemas.openxmlformats.org/presentationml/2006/main">
   <p:cSld>
     <p:spTree>
@@ -6181,6 +8103,18 @@
   <p:clrMapOvr>
     <a:masterClrMapping/>
   </p:clrMapOvr>
+  <mc:AlternateContent xmlns:mc="http://schemas.openxmlformats.org/markup-compatibility/2006">
+    <mc:Choice xmlns:p14="http://schemas.microsoft.com/office/powerpoint/2010/main" Requires="p14">
+      <p:transition spd="med" p14:dur="700">
+        <p:fade/>
+      </p:transition>
+    </mc:Choice>
+    <mc:Fallback>
+      <p:transition spd="med">
+        <p:fade/>
+      </p:transition>
+    </mc:Fallback>
+  </mc:AlternateContent>
   <p:timing>
     <p:tnLst>
       <p:par>
@@ -6320,7 +8254,7 @@
 </p:sld>
 </file>
 
-<file path=ppt/slides/slide26.xml><?xml version="1.0" encoding="utf-8"?>
+<file path=ppt/slides/slide33.xml><?xml version="1.0" encoding="utf-8"?>
 <p:sld xmlns:a="http://schemas.openxmlformats.org/drawingml/2006/main" xmlns:r="http://schemas.openxmlformats.org/officeDocument/2006/relationships" xmlns:p="http://schemas.openxmlformats.org/presentationml/2006/main">
   <p:cSld>
     <p:spTree>
@@ -6544,6 +8478,18 @@
   <p:clrMapOvr>
     <a:masterClrMapping/>
   </p:clrMapOvr>
+  <mc:AlternateContent xmlns:mc="http://schemas.openxmlformats.org/markup-compatibility/2006">
+    <mc:Choice xmlns:p14="http://schemas.microsoft.com/office/powerpoint/2010/main" Requires="p14">
+      <p:transition spd="med" p14:dur="700">
+        <p:fade/>
+      </p:transition>
+    </mc:Choice>
+    <mc:Fallback>
+      <p:transition spd="med">
+        <p:fade/>
+      </p:transition>
+    </mc:Fallback>
+  </mc:AlternateContent>
   <p:timing>
     <p:tnLst>
       <p:par>
@@ -6686,7 +8632,7 @@
 </p:sld>
 </file>
 
-<file path=ppt/slides/slide27.xml><?xml version="1.0" encoding="utf-8"?>
+<file path=ppt/slides/slide34.xml><?xml version="1.0" encoding="utf-8"?>
 <p:sld xmlns:a="http://schemas.openxmlformats.org/drawingml/2006/main" xmlns:r="http://schemas.openxmlformats.org/officeDocument/2006/relationships" xmlns:p="http://schemas.openxmlformats.org/presentationml/2006/main">
   <p:cSld>
     <p:spTree>
@@ -6918,10 +8864,22 @@
   <p:clrMapOvr>
     <a:masterClrMapping/>
   </p:clrMapOvr>
+  <mc:AlternateContent xmlns:mc="http://schemas.openxmlformats.org/markup-compatibility/2006">
+    <mc:Choice xmlns:p14="http://schemas.microsoft.com/office/powerpoint/2010/main" Requires="p14">
+      <p:transition spd="med" p14:dur="700">
+        <p:fade/>
+      </p:transition>
+    </mc:Choice>
+    <mc:Fallback>
+      <p:transition spd="med">
+        <p:fade/>
+      </p:transition>
+    </mc:Fallback>
+  </mc:AlternateContent>
 </p:sld>
 </file>
 
-<file path=ppt/slides/slide28.xml><?xml version="1.0" encoding="utf-8"?>
+<file path=ppt/slides/slide35.xml><?xml version="1.0" encoding="utf-8"?>
 <p:sld xmlns:a="http://schemas.openxmlformats.org/drawingml/2006/main" xmlns:r="http://schemas.openxmlformats.org/officeDocument/2006/relationships" xmlns:p="http://schemas.openxmlformats.org/presentationml/2006/main">
   <p:cSld>
     <p:spTree>
@@ -7050,10 +9008,22 @@
   <p:clrMapOvr>
     <a:masterClrMapping/>
   </p:clrMapOvr>
+  <mc:AlternateContent xmlns:mc="http://schemas.openxmlformats.org/markup-compatibility/2006">
+    <mc:Choice xmlns:p14="http://schemas.microsoft.com/office/powerpoint/2010/main" Requires="p14">
+      <p:transition spd="med" p14:dur="700">
+        <p:fade/>
+      </p:transition>
+    </mc:Choice>
+    <mc:Fallback>
+      <p:transition spd="med">
+        <p:fade/>
+      </p:transition>
+    </mc:Fallback>
+  </mc:AlternateContent>
 </p:sld>
 </file>
 
-<file path=ppt/slides/slide29.xml><?xml version="1.0" encoding="utf-8"?>
+<file path=ppt/slides/slide36.xml><?xml version="1.0" encoding="utf-8"?>
 <p:sld xmlns:a="http://schemas.openxmlformats.org/drawingml/2006/main" xmlns:r="http://schemas.openxmlformats.org/officeDocument/2006/relationships" xmlns:p="http://schemas.openxmlformats.org/presentationml/2006/main">
   <p:cSld>
     <p:spTree>
@@ -7215,10 +9185,22 @@
   <p:clrMapOvr>
     <a:masterClrMapping/>
   </p:clrMapOvr>
+  <mc:AlternateContent xmlns:mc="http://schemas.openxmlformats.org/markup-compatibility/2006">
+    <mc:Choice xmlns:p14="http://schemas.microsoft.com/office/powerpoint/2010/main" Requires="p14">
+      <p:transition spd="med" p14:dur="700">
+        <p:fade/>
+      </p:transition>
+    </mc:Choice>
+    <mc:Fallback>
+      <p:transition spd="med">
+        <p:fade/>
+      </p:transition>
+    </mc:Fallback>
+  </mc:AlternateContent>
 </p:sld>
 </file>
 
-<file path=ppt/slides/slide3.xml><?xml version="1.0" encoding="utf-8"?>
+<file path=ppt/slides/slide37.xml><?xml version="1.0" encoding="utf-8"?>
 <p:sld xmlns:a="http://schemas.openxmlformats.org/drawingml/2006/main" xmlns:r="http://schemas.openxmlformats.org/officeDocument/2006/relationships" xmlns:p="http://schemas.openxmlformats.org/presentationml/2006/main">
   <p:cSld>
     <p:spTree>
@@ -7237,144 +9219,6 @@
       </p:grpSpPr>
       <p:sp>
         <p:nvSpPr>
-          <p:cNvPr id="2" name="Titel 1"/>
-          <p:cNvSpPr>
-            <a:spLocks noGrp="1"/>
-          </p:cNvSpPr>
-          <p:nvPr>
-            <p:ph type="title"/>
-          </p:nvPr>
-        </p:nvSpPr>
-        <p:spPr/>
-        <p:txBody>
-          <a:bodyPr/>
-          <a:lstStyle/>
-          <a:p>
-            <a:r>
-              <a:rPr lang="da-DK" b="1"/>
-              <a:t>Class</a:t>
-            </a:r>
-            <a:r>
-              <a:rPr lang="da-DK"/>
-              <a:t> types</a:t>
-            </a:r>
-          </a:p>
-        </p:txBody>
-      </p:sp>
-      <p:sp>
-        <p:nvSpPr>
-          <p:cNvPr id="3" name="Pladsholder til indhold 2"/>
-          <p:cNvSpPr>
-            <a:spLocks noGrp="1"/>
-          </p:cNvSpPr>
-          <p:nvPr>
-            <p:ph idx="1"/>
-          </p:nvPr>
-        </p:nvSpPr>
-        <p:spPr/>
-        <p:txBody>
-          <a:bodyPr>
-            <a:normAutofit/>
-          </a:bodyPr>
-          <a:lstStyle/>
-          <a:p>
-            <a:pPr marL="457200" lvl="1" indent="0">
-              <a:buNone/>
-            </a:pPr>
-            <a:r>
-              <a:rPr lang="da-DK" sz="6000" b="1">
-                <a:solidFill>
-                  <a:schemeClr val="accent6">
-                    <a:lumMod val="75000"/>
-                  </a:schemeClr>
-                </a:solidFill>
-                <a:latin typeface="Consolas" panose="020B0609020204030204" pitchFamily="49" charset="0"/>
-              </a:rPr>
-              <a:t>Student</a:t>
-            </a:r>
-          </a:p>
-          <a:p>
-            <a:pPr marL="457200" lvl="1" indent="0">
-              <a:buNone/>
-            </a:pPr>
-            <a:r>
-              <a:rPr lang="da-DK" sz="6000" b="1">
-                <a:solidFill>
-                  <a:schemeClr val="accent6">
-                    <a:lumMod val="75000"/>
-                  </a:schemeClr>
-                </a:solidFill>
-                <a:latin typeface="Consolas" panose="020B0609020204030204" pitchFamily="49" charset="0"/>
-              </a:rPr>
-              <a:t>TimeTable</a:t>
-            </a:r>
-          </a:p>
-          <a:p>
-            <a:pPr marL="457200" lvl="1" indent="0">
-              <a:buNone/>
-            </a:pPr>
-            <a:r>
-              <a:rPr lang="da-DK" sz="6000" b="1">
-                <a:solidFill>
-                  <a:schemeClr val="accent6">
-                    <a:lumMod val="75000"/>
-                  </a:schemeClr>
-                </a:solidFill>
-                <a:latin typeface="Consolas" panose="020B0609020204030204" pitchFamily="49" charset="0"/>
-              </a:rPr>
-              <a:t>TimeTablePlanner</a:t>
-            </a:r>
-          </a:p>
-          <a:p>
-            <a:pPr marL="457200" lvl="1" indent="0">
-              <a:buNone/>
-            </a:pPr>
-            <a:r>
-              <a:rPr lang="da-DK" sz="6000" b="1">
-                <a:solidFill>
-                  <a:schemeClr val="accent6">
-                    <a:lumMod val="75000"/>
-                  </a:schemeClr>
-                </a:solidFill>
-                <a:latin typeface="Consolas" panose="020B0609020204030204" pitchFamily="49" charset="0"/>
-              </a:rPr>
-              <a:t>ListBox</a:t>
-            </a:r>
-          </a:p>
-        </p:txBody>
-      </p:sp>
-    </p:spTree>
-    <p:extLst>
-      <p:ext uri="{BB962C8B-B14F-4D97-AF65-F5344CB8AC3E}">
-        <p14:creationId xmlns:p14="http://schemas.microsoft.com/office/powerpoint/2010/main" val="3693650341"/>
-      </p:ext>
-    </p:extLst>
-  </p:cSld>
-  <p:clrMapOvr>
-    <a:masterClrMapping/>
-  </p:clrMapOvr>
-</p:sld>
-</file>
-
-<file path=ppt/slides/slide30.xml><?xml version="1.0" encoding="utf-8"?>
-<p:sld xmlns:a="http://schemas.openxmlformats.org/drawingml/2006/main" xmlns:r="http://schemas.openxmlformats.org/officeDocument/2006/relationships" xmlns:p="http://schemas.openxmlformats.org/presentationml/2006/main">
-  <p:cSld>
-    <p:spTree>
-      <p:nvGrpSpPr>
-        <p:cNvPr id="1" name=""/>
-        <p:cNvGrpSpPr/>
-        <p:nvPr/>
-      </p:nvGrpSpPr>
-      <p:grpSpPr>
-        <a:xfrm>
-          <a:off x="0" y="0"/>
-          <a:ext cx="0" cy="0"/>
-          <a:chOff x="0" y="0"/>
-          <a:chExt cx="0" cy="0"/>
-        </a:xfrm>
-      </p:grpSpPr>
-      <p:sp>
-        <p:nvSpPr>
           <p:cNvPr id="2" name="Tekstfelt 1"/>
           <p:cNvSpPr txBox="1"/>
           <p:nvPr/>
@@ -7501,6 +9345,18 @@
   <p:clrMapOvr>
     <a:masterClrMapping/>
   </p:clrMapOvr>
+  <mc:AlternateContent xmlns:mc="http://schemas.openxmlformats.org/markup-compatibility/2006">
+    <mc:Choice xmlns:p14="http://schemas.microsoft.com/office/powerpoint/2010/main" Requires="p14">
+      <p:transition spd="med" p14:dur="700">
+        <p:fade/>
+      </p:transition>
+    </mc:Choice>
+    <mc:Fallback>
+      <p:transition spd="med">
+        <p:fade/>
+      </p:transition>
+    </mc:Fallback>
+  </mc:AlternateContent>
 </p:sld>
 </file>
 
@@ -7523,193 +9379,319 @@
       </p:grpSpPr>
       <p:sp>
         <p:nvSpPr>
-          <p:cNvPr id="3" name="Pladsholder til indhold 2"/>
+          <p:cNvPr id="2" name="Titel 1">
+            <a:extLst>
+              <a:ext uri="{FF2B5EF4-FFF2-40B4-BE49-F238E27FC236}">
+                <a16:creationId xmlns:a16="http://schemas.microsoft.com/office/drawing/2014/main" id="{163FA250-D69B-4B90-5026-222BF8A1FBF3}"/>
+              </a:ext>
+            </a:extLst>
+          </p:cNvPr>
           <p:cNvSpPr>
             <a:spLocks noGrp="1"/>
           </p:cNvSpPr>
           <p:nvPr>
-            <p:ph idx="1"/>
+            <p:ph type="title"/>
           </p:nvPr>
+        </p:nvSpPr>
+        <p:spPr/>
+        <p:txBody>
+          <a:bodyPr/>
+          <a:lstStyle/>
+          <a:p>
+            <a:r>
+              <a:rPr lang="da-DK" b="1"/>
+              <a:t>Object</a:t>
+            </a:r>
+            <a:endParaRPr lang="da-DK"/>
+          </a:p>
+        </p:txBody>
+      </p:sp>
+      <p:sp>
+        <p:nvSpPr>
+          <p:cNvPr id="4" name="Afrundet rektangel 3">
+            <a:extLst>
+              <a:ext uri="{FF2B5EF4-FFF2-40B4-BE49-F238E27FC236}">
+                <a16:creationId xmlns:a16="http://schemas.microsoft.com/office/drawing/2014/main" id="{844D465F-14E5-EADB-171D-6196E5178291}"/>
+              </a:ext>
+            </a:extLst>
+          </p:cNvPr>
+          <p:cNvSpPr/>
+          <p:nvPr/>
         </p:nvSpPr>
         <p:spPr>
           <a:xfrm>
-            <a:off x="838200" y="751974"/>
-            <a:ext cx="10515600" cy="5424989"/>
-          </a:xfrm>
-        </p:spPr>
-        <p:txBody>
-          <a:bodyPr>
-            <a:normAutofit/>
+            <a:off x="3389540" y="2362573"/>
+            <a:ext cx="7001490" cy="4100885"/>
+          </a:xfrm>
+          <a:prstGeom prst="roundRect">
+            <a:avLst/>
+          </a:prstGeom>
+          <a:solidFill>
+            <a:schemeClr val="accent5">
+              <a:lumMod val="50000"/>
+            </a:schemeClr>
+          </a:solidFill>
+        </p:spPr>
+        <p:style>
+          <a:lnRef idx="2">
+            <a:schemeClr val="accent1">
+              <a:shade val="50000"/>
+            </a:schemeClr>
+          </a:lnRef>
+          <a:fillRef idx="1">
+            <a:schemeClr val="accent1"/>
+          </a:fillRef>
+          <a:effectRef idx="0">
+            <a:schemeClr val="accent1"/>
+          </a:effectRef>
+          <a:fontRef idx="minor">
+            <a:schemeClr val="lt1"/>
+          </a:fontRef>
+        </p:style>
+        <p:txBody>
+          <a:bodyPr rtlCol="0" anchor="t"/>
+          <a:lstStyle/>
+          <a:p>
+            <a:r>
+              <a:rPr lang="da-DK" sz="3200">
+                <a:solidFill>
+                  <a:srgbClr val="FFFF00"/>
+                </a:solidFill>
+              </a:rPr>
+              <a:t>Name</a:t>
+            </a:r>
+            <a:r>
+              <a:rPr lang="da-DK" sz="3200"/>
+              <a:t> : ”John Smith” (</a:t>
+            </a:r>
+            <a:r>
+              <a:rPr lang="da-DK" sz="3200">
+                <a:solidFill>
+                  <a:srgbClr val="FFFF00"/>
+                </a:solidFill>
+              </a:rPr>
+              <a:t>string</a:t>
+            </a:r>
+            <a:r>
+              <a:rPr lang="da-DK" sz="3200"/>
+              <a:t>)</a:t>
+            </a:r>
+          </a:p>
+          <a:p>
+            <a:r>
+              <a:rPr lang="da-DK" sz="3200">
+                <a:solidFill>
+                  <a:srgbClr val="FFFF00"/>
+                </a:solidFill>
+              </a:rPr>
+              <a:t>Weight</a:t>
+            </a:r>
+            <a:r>
+              <a:rPr lang="da-DK" sz="3200"/>
+              <a:t>: 85.3 (</a:t>
+            </a:r>
+            <a:r>
+              <a:rPr lang="da-DK" sz="3200">
+                <a:solidFill>
+                  <a:srgbClr val="FFFF00"/>
+                </a:solidFill>
+              </a:rPr>
+              <a:t>double</a:t>
+            </a:r>
+            <a:r>
+              <a:rPr lang="da-DK" sz="3200"/>
+              <a:t>)</a:t>
+            </a:r>
+          </a:p>
+          <a:p>
+            <a:r>
+              <a:rPr lang="da-DK" sz="3200">
+                <a:solidFill>
+                  <a:srgbClr val="FFFF00"/>
+                </a:solidFill>
+              </a:rPr>
+              <a:t>Height</a:t>
+            </a:r>
+            <a:r>
+              <a:rPr lang="da-DK" sz="3200"/>
+              <a:t>: 1.86 (</a:t>
+            </a:r>
+            <a:r>
+              <a:rPr lang="da-DK" sz="3200">
+                <a:solidFill>
+                  <a:srgbClr val="FFFF00"/>
+                </a:solidFill>
+              </a:rPr>
+              <a:t>double</a:t>
+            </a:r>
+            <a:r>
+              <a:rPr lang="da-DK" sz="3200"/>
+              <a:t>)</a:t>
+            </a:r>
+          </a:p>
+          <a:p>
+            <a:endParaRPr lang="da-DK" sz="2400"/>
+          </a:p>
+        </p:txBody>
+      </p:sp>
+      <p:sp>
+        <p:nvSpPr>
+          <p:cNvPr id="5" name="Tekstfelt 4">
+            <a:extLst>
+              <a:ext uri="{FF2B5EF4-FFF2-40B4-BE49-F238E27FC236}">
+                <a16:creationId xmlns:a16="http://schemas.microsoft.com/office/drawing/2014/main" id="{91BEA99D-13BD-837A-54CC-6DB0A68F38D9}"/>
+              </a:ext>
+            </a:extLst>
+          </p:cNvPr>
+          <p:cNvSpPr txBox="1"/>
+          <p:nvPr/>
+        </p:nvSpPr>
+        <p:spPr>
+          <a:xfrm>
+            <a:off x="6213657" y="1275189"/>
+            <a:ext cx="1353256" cy="830997"/>
+          </a:xfrm>
+          <a:prstGeom prst="rect">
+            <a:avLst/>
+          </a:prstGeom>
+          <a:noFill/>
+        </p:spPr>
+        <p:txBody>
+          <a:bodyPr wrap="none" rtlCol="0">
+            <a:spAutoFit/>
           </a:bodyPr>
           <a:lstStyle/>
           <a:p>
-            <a:pPr marL="0" indent="0">
-              <a:buNone/>
-            </a:pPr>
-            <a:endParaRPr lang="da-DK" sz="4400" b="1">
-              <a:solidFill>
-                <a:schemeClr val="accent6">
-                  <a:lumMod val="75000"/>
-                </a:schemeClr>
-              </a:solidFill>
-              <a:latin typeface="Consolas" panose="020B0609020204030204" pitchFamily="49" charset="0"/>
-            </a:endParaRPr>
-          </a:p>
-          <a:p>
-            <a:pPr marL="0" indent="0">
-              <a:buNone/>
-            </a:pPr>
-            <a:r>
-              <a:rPr lang="da-DK" sz="4400" b="1">
-                <a:solidFill>
-                  <a:schemeClr val="accent6">
-                    <a:lumMod val="75000"/>
-                  </a:schemeClr>
-                </a:solidFill>
-                <a:latin typeface="Consolas" panose="020B0609020204030204" pitchFamily="49" charset="0"/>
-              </a:rPr>
-              <a:t>Student    </a:t>
-            </a:r>
-            <a:r>
-              <a:rPr lang="da-DK" sz="4400" b="1">
-                <a:solidFill>
-                  <a:schemeClr val="bg1">
-                    <a:lumMod val="50000"/>
-                  </a:schemeClr>
-                </a:solidFill>
-                <a:latin typeface="Consolas" panose="020B0609020204030204" pitchFamily="49" charset="0"/>
-              </a:rPr>
-              <a:t>// Physical entity</a:t>
-            </a:r>
-            <a:r>
-              <a:rPr lang="da-DK" sz="4400" b="1">
-                <a:solidFill>
-                  <a:schemeClr val="accent6">
-                    <a:lumMod val="75000"/>
-                  </a:schemeClr>
-                </a:solidFill>
-                <a:latin typeface="Consolas" panose="020B0609020204030204" pitchFamily="49" charset="0"/>
-              </a:rPr>
-              <a:t> </a:t>
-            </a:r>
-          </a:p>
-          <a:p>
-            <a:pPr marL="0" indent="0">
-              <a:buNone/>
-            </a:pPr>
-            <a:r>
-              <a:rPr lang="da-DK" sz="4400" b="1">
-                <a:solidFill>
-                  <a:schemeClr val="accent6">
-                    <a:lumMod val="75000"/>
-                  </a:schemeClr>
-                </a:solidFill>
-                <a:latin typeface="Consolas" panose="020B0609020204030204" pitchFamily="49" charset="0"/>
-              </a:rPr>
-              <a:t>TimeTable  </a:t>
-            </a:r>
-            <a:r>
-              <a:rPr lang="da-DK" sz="4400" b="1">
-                <a:solidFill>
-                  <a:schemeClr val="bg1">
-                    <a:lumMod val="50000"/>
-                  </a:schemeClr>
-                </a:solidFill>
-                <a:latin typeface="Consolas" panose="020B0609020204030204" pitchFamily="49" charset="0"/>
-              </a:rPr>
-              <a:t>// Conceptual entity</a:t>
-            </a:r>
-            <a:endParaRPr lang="da-DK" sz="4400" b="1">
-              <a:solidFill>
-                <a:schemeClr val="accent6">
-                  <a:lumMod val="75000"/>
-                </a:schemeClr>
-              </a:solidFill>
-              <a:latin typeface="Consolas" panose="020B0609020204030204" pitchFamily="49" charset="0"/>
-            </a:endParaRPr>
-          </a:p>
-          <a:p>
-            <a:pPr marL="0" indent="0">
-              <a:buNone/>
-            </a:pPr>
-            <a:r>
-              <a:rPr lang="da-DK" sz="4400" b="1">
-                <a:solidFill>
-                  <a:schemeClr val="accent6">
-                    <a:lumMod val="75000"/>
-                  </a:schemeClr>
-                </a:solidFill>
-                <a:latin typeface="Consolas" panose="020B0609020204030204" pitchFamily="49" charset="0"/>
-              </a:rPr>
-              <a:t>TimeTablePlanner </a:t>
-            </a:r>
-            <a:r>
-              <a:rPr lang="da-DK" sz="4400" b="1">
-                <a:solidFill>
-                  <a:schemeClr val="bg1">
-                    <a:lumMod val="50000"/>
-                  </a:schemeClr>
-                </a:solidFill>
-                <a:latin typeface="Consolas" panose="020B0609020204030204" pitchFamily="49" charset="0"/>
-              </a:rPr>
-              <a:t>// Process</a:t>
-            </a:r>
-            <a:endParaRPr lang="da-DK" sz="4400" b="1">
-              <a:solidFill>
-                <a:schemeClr val="accent6">
-                  <a:lumMod val="75000"/>
-                </a:schemeClr>
-              </a:solidFill>
-              <a:latin typeface="Consolas" panose="020B0609020204030204" pitchFamily="49" charset="0"/>
-            </a:endParaRPr>
-          </a:p>
-          <a:p>
-            <a:pPr marL="0" indent="0">
-              <a:buNone/>
-            </a:pPr>
-            <a:r>
-              <a:rPr lang="da-DK" sz="4400" b="1">
-                <a:solidFill>
-                  <a:schemeClr val="accent6">
-                    <a:lumMod val="75000"/>
-                  </a:schemeClr>
-                </a:solidFill>
-                <a:latin typeface="Consolas" panose="020B0609020204030204" pitchFamily="49" charset="0"/>
-              </a:rPr>
-              <a:t>ListBox </a:t>
-            </a:r>
-            <a:r>
-              <a:rPr lang="da-DK" sz="4400" b="1">
-                <a:solidFill>
-                  <a:schemeClr val="bg1">
-                    <a:lumMod val="50000"/>
-                  </a:schemeClr>
-                </a:solidFill>
-                <a:latin typeface="Consolas" panose="020B0609020204030204" pitchFamily="49" charset="0"/>
-              </a:rPr>
-              <a:t>// Software entity</a:t>
-            </a:r>
-            <a:endParaRPr lang="da-DK" sz="4400" b="1">
-              <a:solidFill>
-                <a:schemeClr val="accent6">
-                  <a:lumMod val="75000"/>
-                </a:schemeClr>
-              </a:solidFill>
-              <a:latin typeface="Consolas" panose="020B0609020204030204" pitchFamily="49" charset="0"/>
-            </a:endParaRPr>
+            <a:r>
+              <a:rPr lang="da-DK" sz="4800" i="1"/>
+              <a:t>John</a:t>
+            </a:r>
+          </a:p>
+        </p:txBody>
+      </p:sp>
+      <p:sp>
+        <p:nvSpPr>
+          <p:cNvPr id="3" name="Smilende ansigt 2">
+            <a:extLst>
+              <a:ext uri="{FF2B5EF4-FFF2-40B4-BE49-F238E27FC236}">
+                <a16:creationId xmlns:a16="http://schemas.microsoft.com/office/drawing/2014/main" id="{58615953-D777-BE81-30F2-9B388A6599EC}"/>
+              </a:ext>
+            </a:extLst>
+          </p:cNvPr>
+          <p:cNvSpPr/>
+          <p:nvPr/>
+        </p:nvSpPr>
+        <p:spPr>
+          <a:xfrm>
+            <a:off x="353833" y="3510500"/>
+            <a:ext cx="1280160" cy="1224501"/>
+          </a:xfrm>
+          <a:prstGeom prst="smileyFace">
+            <a:avLst/>
+          </a:prstGeom>
+          <a:solidFill>
+            <a:schemeClr val="accent6">
+              <a:lumMod val="60000"/>
+              <a:lumOff val="40000"/>
+            </a:schemeClr>
+          </a:solidFill>
+        </p:spPr>
+        <p:style>
+          <a:lnRef idx="2">
+            <a:schemeClr val="accent1">
+              <a:shade val="15000"/>
+            </a:schemeClr>
+          </a:lnRef>
+          <a:fillRef idx="1">
+            <a:schemeClr val="accent1"/>
+          </a:fillRef>
+          <a:effectRef idx="0">
+            <a:schemeClr val="accent1"/>
+          </a:effectRef>
+          <a:fontRef idx="minor">
+            <a:schemeClr val="lt1"/>
+          </a:fontRef>
+        </p:style>
+        <p:txBody>
+          <a:bodyPr rtlCol="0" anchor="ctr"/>
+          <a:lstStyle/>
+          <a:p>
+            <a:pPr algn="ctr"/>
+            <a:endParaRPr lang="da-DK"/>
+          </a:p>
+        </p:txBody>
+      </p:sp>
+      <p:sp>
+        <p:nvSpPr>
+          <p:cNvPr id="6" name="Pil: venstre-højre 5">
+            <a:extLst>
+              <a:ext uri="{FF2B5EF4-FFF2-40B4-BE49-F238E27FC236}">
+                <a16:creationId xmlns:a16="http://schemas.microsoft.com/office/drawing/2014/main" id="{ABBE5DA7-040F-5A3F-0F9D-DB5B7145B085}"/>
+              </a:ext>
+            </a:extLst>
+          </p:cNvPr>
+          <p:cNvSpPr/>
+          <p:nvPr/>
+        </p:nvSpPr>
+        <p:spPr>
+          <a:xfrm>
+            <a:off x="1823979" y="3737111"/>
+            <a:ext cx="1375575" cy="771277"/>
+          </a:xfrm>
+          <a:prstGeom prst="leftRightArrow">
+            <a:avLst/>
+          </a:prstGeom>
+          <a:solidFill>
+            <a:srgbClr val="C00000"/>
+          </a:solidFill>
+        </p:spPr>
+        <p:style>
+          <a:lnRef idx="2">
+            <a:schemeClr val="accent1">
+              <a:shade val="15000"/>
+            </a:schemeClr>
+          </a:lnRef>
+          <a:fillRef idx="1">
+            <a:schemeClr val="accent1"/>
+          </a:fillRef>
+          <a:effectRef idx="0">
+            <a:schemeClr val="accent1"/>
+          </a:effectRef>
+          <a:fontRef idx="minor">
+            <a:schemeClr val="lt1"/>
+          </a:fontRef>
+        </p:style>
+        <p:txBody>
+          <a:bodyPr rtlCol="0" anchor="ctr"/>
+          <a:lstStyle/>
+          <a:p>
+            <a:pPr algn="ctr"/>
+            <a:endParaRPr lang="da-DK"/>
           </a:p>
         </p:txBody>
       </p:sp>
     </p:spTree>
     <p:extLst>
       <p:ext uri="{BB962C8B-B14F-4D97-AF65-F5344CB8AC3E}">
-        <p14:creationId xmlns:p14="http://schemas.microsoft.com/office/powerpoint/2010/main" val="1908328238"/>
+        <p14:creationId xmlns:p14="http://schemas.microsoft.com/office/powerpoint/2010/main" val="1017206573"/>
       </p:ext>
     </p:extLst>
   </p:cSld>
   <p:clrMapOvr>
     <a:masterClrMapping/>
   </p:clrMapOvr>
+  <mc:AlternateContent xmlns:mc="http://schemas.openxmlformats.org/markup-compatibility/2006">
+    <mc:Choice xmlns:p14="http://schemas.microsoft.com/office/powerpoint/2010/main" Requires="p14">
+      <p:transition spd="med" p14:dur="700">
+        <p:fade/>
+      </p:transition>
+    </mc:Choice>
+    <mc:Fallback>
+      <p:transition spd="med">
+        <p:fade/>
+      </p:transition>
+    </mc:Fallback>
+  </mc:AlternateContent>
 </p:sld>
 </file>
 
@@ -7732,18 +9714,58 @@
       </p:grpSpPr>
       <p:sp>
         <p:nvSpPr>
-          <p:cNvPr id="4" name="Afrundet rektangel 3"/>
+          <p:cNvPr id="2" name="Titel 1">
+            <a:extLst>
+              <a:ext uri="{FF2B5EF4-FFF2-40B4-BE49-F238E27FC236}">
+                <a16:creationId xmlns:a16="http://schemas.microsoft.com/office/drawing/2014/main" id="{163FA250-D69B-4B90-5026-222BF8A1FBF3}"/>
+              </a:ext>
+            </a:extLst>
+          </p:cNvPr>
+          <p:cNvSpPr>
+            <a:spLocks noGrp="1"/>
+          </p:cNvSpPr>
+          <p:nvPr>
+            <p:ph type="title"/>
+          </p:nvPr>
+        </p:nvSpPr>
+        <p:spPr/>
+        <p:txBody>
+          <a:bodyPr/>
+          <a:lstStyle/>
+          <a:p>
+            <a:r>
+              <a:rPr lang="da-DK" b="1"/>
+              <a:t>Object</a:t>
+            </a:r>
+            <a:endParaRPr lang="da-DK"/>
+          </a:p>
+        </p:txBody>
+      </p:sp>
+      <p:sp>
+        <p:nvSpPr>
+          <p:cNvPr id="4" name="Afrundet rektangel 3">
+            <a:extLst>
+              <a:ext uri="{FF2B5EF4-FFF2-40B4-BE49-F238E27FC236}">
+                <a16:creationId xmlns:a16="http://schemas.microsoft.com/office/drawing/2014/main" id="{844D465F-14E5-EADB-171D-6196E5178291}"/>
+              </a:ext>
+            </a:extLst>
+          </p:cNvPr>
           <p:cNvSpPr/>
           <p:nvPr/>
         </p:nvSpPr>
         <p:spPr>
           <a:xfrm>
-            <a:off x="1100889" y="860258"/>
-            <a:ext cx="10064416" cy="5311942"/>
+            <a:off x="3389540" y="2362573"/>
+            <a:ext cx="7001490" cy="4100885"/>
           </a:xfrm>
           <a:prstGeom prst="roundRect">
             <a:avLst/>
           </a:prstGeom>
+          <a:solidFill>
+            <a:schemeClr val="accent5">
+              <a:lumMod val="50000"/>
+            </a:schemeClr>
+          </a:solidFill>
         </p:spPr>
         <p:style>
           <a:lnRef idx="2">
@@ -7765,38 +9787,168 @@
           <a:bodyPr rtlCol="0" anchor="t"/>
           <a:lstStyle/>
           <a:p>
-            <a:pPr algn="ctr"/>
-            <a:r>
-              <a:rPr lang="da-DK" sz="7200"/>
-              <a:t>Class</a:t>
-            </a:r>
-          </a:p>
-        </p:txBody>
-      </p:sp>
-      <p:sp>
-        <p:nvSpPr>
-          <p:cNvPr id="5" name="Afrundet rektangel 4"/>
+            <a:r>
+              <a:rPr lang="da-DK" sz="3200">
+                <a:solidFill>
+                  <a:srgbClr val="FFFF00"/>
+                </a:solidFill>
+              </a:rPr>
+              <a:t>Name</a:t>
+            </a:r>
+            <a:r>
+              <a:rPr lang="da-DK" sz="3200"/>
+              <a:t> : ”John Smith” (</a:t>
+            </a:r>
+            <a:r>
+              <a:rPr lang="da-DK" sz="3200">
+                <a:solidFill>
+                  <a:srgbClr val="FFFF00"/>
+                </a:solidFill>
+              </a:rPr>
+              <a:t>string</a:t>
+            </a:r>
+            <a:r>
+              <a:rPr lang="da-DK" sz="3200"/>
+              <a:t>)</a:t>
+            </a:r>
+          </a:p>
+          <a:p>
+            <a:r>
+              <a:rPr lang="da-DK" sz="3200">
+                <a:solidFill>
+                  <a:srgbClr val="FFFF00"/>
+                </a:solidFill>
+              </a:rPr>
+              <a:t>Weight</a:t>
+            </a:r>
+            <a:r>
+              <a:rPr lang="da-DK" sz="3200"/>
+              <a:t>: 85.3 (</a:t>
+            </a:r>
+            <a:r>
+              <a:rPr lang="da-DK" sz="3200">
+                <a:solidFill>
+                  <a:srgbClr val="FFFF00"/>
+                </a:solidFill>
+              </a:rPr>
+              <a:t>double</a:t>
+            </a:r>
+            <a:r>
+              <a:rPr lang="da-DK" sz="3200"/>
+              <a:t>)</a:t>
+            </a:r>
+          </a:p>
+          <a:p>
+            <a:r>
+              <a:rPr lang="da-DK" sz="3200">
+                <a:solidFill>
+                  <a:srgbClr val="FFFF00"/>
+                </a:solidFill>
+              </a:rPr>
+              <a:t>Height</a:t>
+            </a:r>
+            <a:r>
+              <a:rPr lang="da-DK" sz="3200"/>
+              <a:t>: 1.86 (</a:t>
+            </a:r>
+            <a:r>
+              <a:rPr lang="da-DK" sz="3200">
+                <a:solidFill>
+                  <a:srgbClr val="FFFF00"/>
+                </a:solidFill>
+              </a:rPr>
+              <a:t>double</a:t>
+            </a:r>
+            <a:r>
+              <a:rPr lang="da-DK" sz="3200"/>
+              <a:t>)</a:t>
+            </a:r>
+          </a:p>
+          <a:p>
+            <a:r>
+              <a:rPr lang="da-DK" sz="3200">
+                <a:solidFill>
+                  <a:srgbClr val="FFFF00"/>
+                </a:solidFill>
+              </a:rPr>
+              <a:t>BMI</a:t>
+            </a:r>
+            <a:r>
+              <a:rPr lang="da-DK" sz="3200"/>
+              <a:t>: …?</a:t>
+            </a:r>
+          </a:p>
+          <a:p>
+            <a:endParaRPr lang="da-DK" sz="2400"/>
+          </a:p>
+        </p:txBody>
+      </p:sp>
+      <p:sp>
+        <p:nvSpPr>
+          <p:cNvPr id="5" name="Tekstfelt 4">
+            <a:extLst>
+              <a:ext uri="{FF2B5EF4-FFF2-40B4-BE49-F238E27FC236}">
+                <a16:creationId xmlns:a16="http://schemas.microsoft.com/office/drawing/2014/main" id="{91BEA99D-13BD-837A-54CC-6DB0A68F38D9}"/>
+              </a:ext>
+            </a:extLst>
+          </p:cNvPr>
+          <p:cNvSpPr txBox="1"/>
+          <p:nvPr/>
+        </p:nvSpPr>
+        <p:spPr>
+          <a:xfrm>
+            <a:off x="6213657" y="1275189"/>
+            <a:ext cx="1353256" cy="830997"/>
+          </a:xfrm>
+          <a:prstGeom prst="rect">
+            <a:avLst/>
+          </a:prstGeom>
+          <a:noFill/>
+        </p:spPr>
+        <p:txBody>
+          <a:bodyPr wrap="none" rtlCol="0">
+            <a:spAutoFit/>
+          </a:bodyPr>
+          <a:lstStyle/>
+          <a:p>
+            <a:r>
+              <a:rPr lang="da-DK" sz="4800" i="1"/>
+              <a:t>John</a:t>
+            </a:r>
+          </a:p>
+        </p:txBody>
+      </p:sp>
+      <p:sp>
+        <p:nvSpPr>
+          <p:cNvPr id="3" name="Smilende ansigt 2">
+            <a:extLst>
+              <a:ext uri="{FF2B5EF4-FFF2-40B4-BE49-F238E27FC236}">
+                <a16:creationId xmlns:a16="http://schemas.microsoft.com/office/drawing/2014/main" id="{58615953-D777-BE81-30F2-9B388A6599EC}"/>
+              </a:ext>
+            </a:extLst>
+          </p:cNvPr>
           <p:cNvSpPr/>
           <p:nvPr/>
         </p:nvSpPr>
         <p:spPr>
           <a:xfrm>
-            <a:off x="6990347" y="2550695"/>
-            <a:ext cx="3410953" cy="2586789"/>
-          </a:xfrm>
-          <a:prstGeom prst="roundRect">
+            <a:off x="353833" y="3510500"/>
+            <a:ext cx="1280160" cy="1224501"/>
+          </a:xfrm>
+          <a:prstGeom prst="smileyFace">
             <a:avLst/>
           </a:prstGeom>
           <a:solidFill>
             <a:schemeClr val="accent6">
-              <a:lumMod val="75000"/>
+              <a:lumMod val="60000"/>
+              <a:lumOff val="40000"/>
             </a:schemeClr>
           </a:solidFill>
         </p:spPr>
         <p:style>
           <a:lnRef idx="2">
             <a:schemeClr val="accent1">
-              <a:shade val="50000"/>
+              <a:shade val="15000"/>
             </a:schemeClr>
           </a:lnRef>
           <a:fillRef idx="1">
@@ -7814,25 +9966,28 @@
           <a:lstStyle/>
           <a:p>
             <a:pPr algn="ctr"/>
-            <a:r>
-              <a:rPr lang="da-DK" sz="6000"/>
-              <a:t>Logic</a:t>
-            </a:r>
-          </a:p>
-        </p:txBody>
-      </p:sp>
-      <p:sp>
-        <p:nvSpPr>
-          <p:cNvPr id="6" name="Afrundet rektangel 5"/>
+            <a:endParaRPr lang="da-DK"/>
+          </a:p>
+        </p:txBody>
+      </p:sp>
+      <p:sp>
+        <p:nvSpPr>
+          <p:cNvPr id="6" name="Pil: venstre-højre 5">
+            <a:extLst>
+              <a:ext uri="{FF2B5EF4-FFF2-40B4-BE49-F238E27FC236}">
+                <a16:creationId xmlns:a16="http://schemas.microsoft.com/office/drawing/2014/main" id="{ABBE5DA7-040F-5A3F-0F9D-DB5B7145B085}"/>
+              </a:ext>
+            </a:extLst>
+          </p:cNvPr>
           <p:cNvSpPr/>
           <p:nvPr/>
         </p:nvSpPr>
         <p:spPr>
           <a:xfrm>
-            <a:off x="2059405" y="2550695"/>
-            <a:ext cx="3410953" cy="2586789"/>
-          </a:xfrm>
-          <a:prstGeom prst="roundRect">
+            <a:off x="1823979" y="3737111"/>
+            <a:ext cx="1375575" cy="771277"/>
+          </a:xfrm>
+          <a:prstGeom prst="leftRightArrow">
             <a:avLst/>
           </a:prstGeom>
           <a:solidFill>
@@ -7842,7 +9997,7 @@
         <p:style>
           <a:lnRef idx="2">
             <a:schemeClr val="accent1">
-              <a:shade val="50000"/>
+              <a:shade val="15000"/>
             </a:schemeClr>
           </a:lnRef>
           <a:fillRef idx="1">
@@ -7860,23 +10015,32 @@
           <a:lstStyle/>
           <a:p>
             <a:pPr algn="ctr"/>
-            <a:r>
-              <a:rPr lang="da-DK" sz="6000"/>
-              <a:t>Data</a:t>
-            </a:r>
+            <a:endParaRPr lang="da-DK"/>
           </a:p>
         </p:txBody>
       </p:sp>
     </p:spTree>
     <p:extLst>
       <p:ext uri="{BB962C8B-B14F-4D97-AF65-F5344CB8AC3E}">
-        <p14:creationId xmlns:p14="http://schemas.microsoft.com/office/powerpoint/2010/main" val="1580180874"/>
+        <p14:creationId xmlns:p14="http://schemas.microsoft.com/office/powerpoint/2010/main" val="981014135"/>
       </p:ext>
     </p:extLst>
   </p:cSld>
   <p:clrMapOvr>
     <a:masterClrMapping/>
   </p:clrMapOvr>
+  <mc:AlternateContent xmlns:mc="http://schemas.openxmlformats.org/markup-compatibility/2006">
+    <mc:Choice xmlns:p14="http://schemas.microsoft.com/office/powerpoint/2010/main" Requires="p14">
+      <p:transition spd="med" p14:dur="700">
+        <p:fade/>
+      </p:transition>
+    </mc:Choice>
+    <mc:Fallback>
+      <p:transition spd="med">
+        <p:fade/>
+      </p:transition>
+    </mc:Fallback>
+  </mc:AlternateContent>
 </p:sld>
 </file>
 
@@ -7899,18 +10063,29 @@
       </p:grpSpPr>
       <p:sp>
         <p:nvSpPr>
-          <p:cNvPr id="4" name="Afrundet rektangel 3"/>
+          <p:cNvPr id="8" name="Afrundet rektangel 3">
+            <a:extLst>
+              <a:ext uri="{FF2B5EF4-FFF2-40B4-BE49-F238E27FC236}">
+                <a16:creationId xmlns:a16="http://schemas.microsoft.com/office/drawing/2014/main" id="{54E17F75-244A-8C19-B1DF-9386368ECFCA}"/>
+              </a:ext>
+            </a:extLst>
+          </p:cNvPr>
           <p:cNvSpPr/>
           <p:nvPr/>
         </p:nvSpPr>
         <p:spPr>
           <a:xfrm>
-            <a:off x="1100889" y="860258"/>
-            <a:ext cx="10064416" cy="5311942"/>
+            <a:off x="3389540" y="2362573"/>
+            <a:ext cx="7153890" cy="4100885"/>
           </a:xfrm>
           <a:prstGeom prst="roundRect">
             <a:avLst/>
           </a:prstGeom>
+          <a:solidFill>
+            <a:schemeClr val="accent1">
+              <a:lumMod val="75000"/>
+            </a:schemeClr>
+          </a:solidFill>
         </p:spPr>
         <p:style>
           <a:lnRef idx="2">
@@ -7932,31 +10107,62 @@
           <a:bodyPr rtlCol="0" anchor="t"/>
           <a:lstStyle/>
           <a:p>
-            <a:pPr algn="ctr"/>
-            <a:r>
-              <a:rPr lang="da-DK" sz="7200"/>
-              <a:t>Class</a:t>
-            </a:r>
-          </a:p>
-        </p:txBody>
-      </p:sp>
-      <p:sp>
-        <p:nvSpPr>
-          <p:cNvPr id="5" name="Afrundet rektangel 4"/>
+            <a:endParaRPr lang="da-DK" sz="2400"/>
+          </a:p>
+        </p:txBody>
+      </p:sp>
+      <p:sp>
+        <p:nvSpPr>
+          <p:cNvPr id="2" name="Titel 1">
+            <a:extLst>
+              <a:ext uri="{FF2B5EF4-FFF2-40B4-BE49-F238E27FC236}">
+                <a16:creationId xmlns:a16="http://schemas.microsoft.com/office/drawing/2014/main" id="{163FA250-D69B-4B90-5026-222BF8A1FBF3}"/>
+              </a:ext>
+            </a:extLst>
+          </p:cNvPr>
+          <p:cNvSpPr>
+            <a:spLocks noGrp="1"/>
+          </p:cNvSpPr>
+          <p:nvPr>
+            <p:ph type="title"/>
+          </p:nvPr>
+        </p:nvSpPr>
+        <p:spPr/>
+        <p:txBody>
+          <a:bodyPr/>
+          <a:lstStyle/>
+          <a:p>
+            <a:r>
+              <a:rPr lang="da-DK" b="1"/>
+              <a:t>Object</a:t>
+            </a:r>
+            <a:endParaRPr lang="da-DK"/>
+          </a:p>
+        </p:txBody>
+      </p:sp>
+      <p:sp>
+        <p:nvSpPr>
+          <p:cNvPr id="4" name="Afrundet rektangel 3">
+            <a:extLst>
+              <a:ext uri="{FF2B5EF4-FFF2-40B4-BE49-F238E27FC236}">
+                <a16:creationId xmlns:a16="http://schemas.microsoft.com/office/drawing/2014/main" id="{844D465F-14E5-EADB-171D-6196E5178291}"/>
+              </a:ext>
+            </a:extLst>
+          </p:cNvPr>
           <p:cNvSpPr/>
           <p:nvPr/>
         </p:nvSpPr>
         <p:spPr>
           <a:xfrm>
-            <a:off x="6990347" y="2550695"/>
-            <a:ext cx="3410953" cy="2586789"/>
+            <a:off x="3389540" y="2362573"/>
+            <a:ext cx="4257354" cy="4100885"/>
           </a:xfrm>
           <a:prstGeom prst="roundRect">
             <a:avLst/>
           </a:prstGeom>
           <a:solidFill>
-            <a:schemeClr val="accent6">
-              <a:lumMod val="75000"/>
+            <a:schemeClr val="accent5">
+              <a:lumMod val="50000"/>
             </a:schemeClr>
           </a:solidFill>
         </p:spPr>
@@ -7977,33 +10183,251 @@
           </a:fontRef>
         </p:style>
         <p:txBody>
-          <a:bodyPr rtlCol="0" anchor="ctr"/>
-          <a:lstStyle/>
-          <a:p>
-            <a:pPr algn="ctr"/>
-            <a:r>
-              <a:rPr lang="da-DK" sz="6000"/>
-              <a:t>Behavior</a:t>
-            </a:r>
-          </a:p>
-        </p:txBody>
-      </p:sp>
-      <p:sp>
-        <p:nvSpPr>
-          <p:cNvPr id="6" name="Afrundet rektangel 5"/>
+          <a:bodyPr rtlCol="0" anchor="t"/>
+          <a:lstStyle/>
+          <a:p>
+            <a:r>
+              <a:rPr lang="da-DK" sz="2400" b="1">
+                <a:solidFill>
+                  <a:schemeClr val="accent6">
+                    <a:lumMod val="60000"/>
+                    <a:lumOff val="40000"/>
+                  </a:schemeClr>
+                </a:solidFill>
+              </a:rPr>
+              <a:t>Public</a:t>
+            </a:r>
+          </a:p>
+          <a:p>
+            <a:endParaRPr lang="da-DK" sz="2400">
+              <a:solidFill>
+                <a:srgbClr val="FFFF00"/>
+              </a:solidFill>
+            </a:endParaRPr>
+          </a:p>
+          <a:p>
+            <a:r>
+              <a:rPr lang="da-DK" sz="2400">
+                <a:solidFill>
+                  <a:srgbClr val="FFFF00"/>
+                </a:solidFill>
+              </a:rPr>
+              <a:t>Name</a:t>
+            </a:r>
+            <a:r>
+              <a:rPr lang="da-DK" sz="2400"/>
+              <a:t> : ”John Smith” </a:t>
+            </a:r>
+          </a:p>
+          <a:p>
+            <a:r>
+              <a:rPr lang="da-DK" sz="2400">
+                <a:solidFill>
+                  <a:srgbClr val="FFFF00"/>
+                </a:solidFill>
+              </a:rPr>
+              <a:t>Weight</a:t>
+            </a:r>
+            <a:r>
+              <a:rPr lang="da-DK" sz="2400"/>
+              <a:t>: 85.3 </a:t>
+            </a:r>
+          </a:p>
+          <a:p>
+            <a:r>
+              <a:rPr lang="da-DK" sz="2400">
+                <a:solidFill>
+                  <a:srgbClr val="FFFF00"/>
+                </a:solidFill>
+              </a:rPr>
+              <a:t>Height</a:t>
+            </a:r>
+            <a:r>
+              <a:rPr lang="da-DK" sz="2400"/>
+              <a:t>: 1.86</a:t>
+            </a:r>
+          </a:p>
+          <a:p>
+            <a:r>
+              <a:rPr lang="da-DK" sz="2400">
+                <a:solidFill>
+                  <a:srgbClr val="FFFF00"/>
+                </a:solidFill>
+              </a:rPr>
+              <a:t>BMI</a:t>
+            </a:r>
+            <a:r>
+              <a:rPr lang="da-DK" sz="2400"/>
+              <a:t>: 24.7</a:t>
+            </a:r>
+          </a:p>
+          <a:p>
+            <a:endParaRPr lang="da-DK" sz="2400"/>
+          </a:p>
+        </p:txBody>
+      </p:sp>
+      <p:sp>
+        <p:nvSpPr>
+          <p:cNvPr id="5" name="Tekstfelt 4">
+            <a:extLst>
+              <a:ext uri="{FF2B5EF4-FFF2-40B4-BE49-F238E27FC236}">
+                <a16:creationId xmlns:a16="http://schemas.microsoft.com/office/drawing/2014/main" id="{91BEA99D-13BD-837A-54CC-6DB0A68F38D9}"/>
+              </a:ext>
+            </a:extLst>
+          </p:cNvPr>
+          <p:cNvSpPr txBox="1"/>
+          <p:nvPr/>
+        </p:nvSpPr>
+        <p:spPr>
+          <a:xfrm>
+            <a:off x="6213657" y="1275189"/>
+            <a:ext cx="1353256" cy="830997"/>
+          </a:xfrm>
+          <a:prstGeom prst="rect">
+            <a:avLst/>
+          </a:prstGeom>
+          <a:noFill/>
+        </p:spPr>
+        <p:txBody>
+          <a:bodyPr wrap="none" rtlCol="0">
+            <a:spAutoFit/>
+          </a:bodyPr>
+          <a:lstStyle/>
+          <a:p>
+            <a:r>
+              <a:rPr lang="da-DK" sz="4800" i="1"/>
+              <a:t>John</a:t>
+            </a:r>
+          </a:p>
+        </p:txBody>
+      </p:sp>
+      <p:sp>
+        <p:nvSpPr>
+          <p:cNvPr id="3" name="Smilende ansigt 2">
+            <a:extLst>
+              <a:ext uri="{FF2B5EF4-FFF2-40B4-BE49-F238E27FC236}">
+                <a16:creationId xmlns:a16="http://schemas.microsoft.com/office/drawing/2014/main" id="{58615953-D777-BE81-30F2-9B388A6599EC}"/>
+              </a:ext>
+            </a:extLst>
+          </p:cNvPr>
           <p:cNvSpPr/>
           <p:nvPr/>
         </p:nvSpPr>
         <p:spPr>
           <a:xfrm>
-            <a:off x="2059405" y="2550695"/>
-            <a:ext cx="3410953" cy="2586789"/>
-          </a:xfrm>
-          <a:prstGeom prst="roundRect">
+            <a:off x="353833" y="3510500"/>
+            <a:ext cx="1280160" cy="1224501"/>
+          </a:xfrm>
+          <a:prstGeom prst="smileyFace">
+            <a:avLst/>
+          </a:prstGeom>
+          <a:solidFill>
+            <a:schemeClr val="accent6">
+              <a:lumMod val="60000"/>
+              <a:lumOff val="40000"/>
+            </a:schemeClr>
+          </a:solidFill>
+        </p:spPr>
+        <p:style>
+          <a:lnRef idx="2">
+            <a:schemeClr val="accent1">
+              <a:shade val="15000"/>
+            </a:schemeClr>
+          </a:lnRef>
+          <a:fillRef idx="1">
+            <a:schemeClr val="accent1"/>
+          </a:fillRef>
+          <a:effectRef idx="0">
+            <a:schemeClr val="accent1"/>
+          </a:effectRef>
+          <a:fontRef idx="minor">
+            <a:schemeClr val="lt1"/>
+          </a:fontRef>
+        </p:style>
+        <p:txBody>
+          <a:bodyPr rtlCol="0" anchor="ctr"/>
+          <a:lstStyle/>
+          <a:p>
+            <a:pPr algn="ctr"/>
+            <a:endParaRPr lang="da-DK"/>
+          </a:p>
+        </p:txBody>
+      </p:sp>
+      <p:sp>
+        <p:nvSpPr>
+          <p:cNvPr id="6" name="Pil: venstre-højre 5">
+            <a:extLst>
+              <a:ext uri="{FF2B5EF4-FFF2-40B4-BE49-F238E27FC236}">
+                <a16:creationId xmlns:a16="http://schemas.microsoft.com/office/drawing/2014/main" id="{ABBE5DA7-040F-5A3F-0F9D-DB5B7145B085}"/>
+              </a:ext>
+            </a:extLst>
+          </p:cNvPr>
+          <p:cNvSpPr/>
+          <p:nvPr/>
+        </p:nvSpPr>
+        <p:spPr>
+          <a:xfrm>
+            <a:off x="1823979" y="3737111"/>
+            <a:ext cx="1375575" cy="771277"/>
+          </a:xfrm>
+          <a:prstGeom prst="leftRightArrow">
             <a:avLst/>
           </a:prstGeom>
           <a:solidFill>
             <a:srgbClr val="C00000"/>
+          </a:solidFill>
+        </p:spPr>
+        <p:style>
+          <a:lnRef idx="2">
+            <a:schemeClr val="accent1">
+              <a:shade val="15000"/>
+            </a:schemeClr>
+          </a:lnRef>
+          <a:fillRef idx="1">
+            <a:schemeClr val="accent1"/>
+          </a:fillRef>
+          <a:effectRef idx="0">
+            <a:schemeClr val="accent1"/>
+          </a:effectRef>
+          <a:fontRef idx="minor">
+            <a:schemeClr val="lt1"/>
+          </a:fontRef>
+        </p:style>
+        <p:txBody>
+          <a:bodyPr rtlCol="0" anchor="ctr"/>
+          <a:lstStyle/>
+          <a:p>
+            <a:pPr algn="ctr"/>
+            <a:endParaRPr lang="da-DK"/>
+          </a:p>
+        </p:txBody>
+      </p:sp>
+      <p:sp>
+        <p:nvSpPr>
+          <p:cNvPr id="7" name="Afrundet rektangel 3">
+            <a:extLst>
+              <a:ext uri="{FF2B5EF4-FFF2-40B4-BE49-F238E27FC236}">
+                <a16:creationId xmlns:a16="http://schemas.microsoft.com/office/drawing/2014/main" id="{F19FA94F-FE6B-77EC-F718-6081AF82649C}"/>
+              </a:ext>
+            </a:extLst>
+          </p:cNvPr>
+          <p:cNvSpPr/>
+          <p:nvPr/>
+        </p:nvSpPr>
+        <p:spPr>
+          <a:xfrm>
+            <a:off x="6817660" y="2362573"/>
+            <a:ext cx="2971800" cy="4093696"/>
+          </a:xfrm>
+          <a:prstGeom prst="roundRect">
+            <a:avLst>
+              <a:gd name="adj" fmla="val 0"/>
+            </a:avLst>
+          </a:prstGeom>
+          <a:solidFill>
+            <a:schemeClr val="accent1">
+              <a:lumMod val="75000"/>
+            </a:schemeClr>
           </a:solidFill>
         </p:spPr>
         <p:style>
@@ -8023,34 +10447,116 @@
           </a:fontRef>
         </p:style>
         <p:txBody>
-          <a:bodyPr rtlCol="0" anchor="ctr"/>
-          <a:lstStyle/>
-          <a:p>
-            <a:pPr algn="ctr"/>
-            <a:r>
-              <a:rPr lang="da-DK" sz="6000"/>
-              <a:t>State</a:t>
-            </a:r>
+          <a:bodyPr rtlCol="0" anchor="t"/>
+          <a:lstStyle/>
+          <a:p>
+            <a:endParaRPr lang="da-DK" sz="2400" b="1">
+              <a:solidFill>
+                <a:schemeClr val="accent6">
+                  <a:lumMod val="60000"/>
+                  <a:lumOff val="40000"/>
+                </a:schemeClr>
+              </a:solidFill>
+            </a:endParaRPr>
+          </a:p>
+          <a:p>
+            <a:r>
+              <a:rPr lang="da-DK" sz="2400" b="1">
+                <a:solidFill>
+                  <a:schemeClr val="accent6">
+                    <a:lumMod val="60000"/>
+                    <a:lumOff val="40000"/>
+                  </a:schemeClr>
+                </a:solidFill>
+              </a:rPr>
+              <a:t>Private</a:t>
+            </a:r>
+          </a:p>
+          <a:p>
+            <a:endParaRPr lang="da-DK" sz="2400">
+              <a:solidFill>
+                <a:srgbClr val="FFFF00"/>
+              </a:solidFill>
+            </a:endParaRPr>
+          </a:p>
+          <a:p>
+            <a:r>
+              <a:rPr lang="da-DK" sz="2400">
+                <a:solidFill>
+                  <a:srgbClr val="FFFF00"/>
+                </a:solidFill>
+              </a:rPr>
+              <a:t>Name</a:t>
+            </a:r>
+            <a:r>
+              <a:rPr lang="da-DK" sz="2400"/>
+              <a:t> : ”John Smith” </a:t>
+            </a:r>
+          </a:p>
+          <a:p>
+            <a:r>
+              <a:rPr lang="da-DK" sz="2400">
+                <a:solidFill>
+                  <a:srgbClr val="FFFF00"/>
+                </a:solidFill>
+              </a:rPr>
+              <a:t>Weight</a:t>
+            </a:r>
+            <a:r>
+              <a:rPr lang="da-DK" sz="2400"/>
+              <a:t>: 85.3 </a:t>
+            </a:r>
+          </a:p>
+          <a:p>
+            <a:r>
+              <a:rPr lang="da-DK" sz="2400">
+                <a:solidFill>
+                  <a:srgbClr val="FFFF00"/>
+                </a:solidFill>
+              </a:rPr>
+              <a:t>Height</a:t>
+            </a:r>
+            <a:r>
+              <a:rPr lang="da-DK" sz="2400"/>
+              <a:t>: 1.86</a:t>
+            </a:r>
+          </a:p>
+          <a:p>
+            <a:r>
+              <a:rPr lang="da-DK" sz="2400">
+                <a:solidFill>
+                  <a:srgbClr val="FFFF00"/>
+                </a:solidFill>
+              </a:rPr>
+              <a:t>BMI</a:t>
+            </a:r>
+            <a:r>
+              <a:rPr lang="da-DK" sz="2400"/>
+              <a:t>: (calculated)</a:t>
+            </a:r>
+          </a:p>
+          <a:p>
+            <a:endParaRPr lang="da-DK" sz="2400"/>
           </a:p>
         </p:txBody>
       </p:sp>
     </p:spTree>
     <p:extLst>
       <p:ext uri="{BB962C8B-B14F-4D97-AF65-F5344CB8AC3E}">
-        <p14:creationId xmlns:p14="http://schemas.microsoft.com/office/powerpoint/2010/main" val="1617663655"/>
+        <p14:creationId xmlns:p14="http://schemas.microsoft.com/office/powerpoint/2010/main" val="3927297873"/>
       </p:ext>
     </p:extLst>
   </p:cSld>
   <p:clrMapOvr>
     <a:masterClrMapping/>
   </p:clrMapOvr>
-  <mc:AlternateContent xmlns:mc="http://schemas.openxmlformats.org/markup-compatibility/2006" xmlns:p14="http://schemas.microsoft.com/office/powerpoint/2010/main">
-    <mc:Choice Requires="p14">
+  <mc:AlternateContent xmlns:mc="http://schemas.openxmlformats.org/markup-compatibility/2006">
+    <mc:Choice xmlns:p14="http://schemas.microsoft.com/office/powerpoint/2010/main" Requires="p14">
       <p:transition spd="med" p14:dur="700">
         <p:fade/>
       </p:transition>
     </mc:Choice>
-    <mc:Fallback xmlns="">
+    <mc:Fallback>
       <p:transition spd="med">
         <p:fade/>
       </p:transition>
@@ -8078,7 +10584,13 @@
       </p:grpSpPr>
       <p:sp>
         <p:nvSpPr>
-          <p:cNvPr id="2" name="Titel 1"/>
+          <p:cNvPr id="2" name="Titel 1">
+            <a:extLst>
+              <a:ext uri="{FF2B5EF4-FFF2-40B4-BE49-F238E27FC236}">
+                <a16:creationId xmlns:a16="http://schemas.microsoft.com/office/drawing/2014/main" id="{39F78470-5646-83A3-02C3-76FE0425EF53}"/>
+              </a:ext>
+            </a:extLst>
+          </p:cNvPr>
           <p:cNvSpPr>
             <a:spLocks noGrp="1"/>
           </p:cNvSpPr>
@@ -8093,14 +10605,20 @@
           <a:p>
             <a:r>
               <a:rPr lang="da-DK"/>
-              <a:t>Where do classes come from…?</a:t>
-            </a:r>
-          </a:p>
-        </p:txBody>
-      </p:sp>
-      <p:sp>
-        <p:nvSpPr>
-          <p:cNvPr id="3" name="Pladsholder til indhold 2"/>
+              <a:t>Class vs Object</a:t>
+            </a:r>
+          </a:p>
+        </p:txBody>
+      </p:sp>
+      <p:sp>
+        <p:nvSpPr>
+          <p:cNvPr id="3" name="Pladsholder til indhold 2">
+            <a:extLst>
+              <a:ext uri="{FF2B5EF4-FFF2-40B4-BE49-F238E27FC236}">
+                <a16:creationId xmlns:a16="http://schemas.microsoft.com/office/drawing/2014/main" id="{4328FBE7-ED3C-6D23-E8B8-32F3AC8D5877}"/>
+              </a:ext>
+            </a:extLst>
+          </p:cNvPr>
           <p:cNvSpPr>
             <a:spLocks noGrp="1"/>
           </p:cNvSpPr>
@@ -8111,7 +10629,7 @@
         <p:spPr>
           <a:xfrm>
             <a:off x="838200" y="1825625"/>
-            <a:ext cx="6254416" cy="4351338"/>
+            <a:ext cx="7192617" cy="4351338"/>
           </a:xfrm>
         </p:spPr>
         <p:txBody>
@@ -8120,51 +10638,127 @@
           <a:p>
             <a:r>
               <a:rPr lang="da-DK"/>
-              <a:t>.NET class library</a:t>
-            </a:r>
-          </a:p>
-          <a:p>
+              <a:t>A </a:t>
+            </a:r>
+            <a:r>
+              <a:rPr lang="da-DK" b="1"/>
+              <a:t>class</a:t>
+            </a:r>
             <a:r>
               <a:rPr lang="da-DK"/>
-              <a:t>Third-party suppliers (e.g. via NuGet)</a:t>
+              <a:t> is a ”blueprint” for creating </a:t>
+            </a:r>
+            <a:r>
+              <a:rPr lang="da-DK" b="1"/>
+              <a:t>objects</a:t>
             </a:r>
           </a:p>
           <a:p>
             <a:r>
               <a:rPr lang="da-DK"/>
-              <a:t>Open source (e.g. from GitHub)</a:t>
-            </a:r>
-          </a:p>
-          <a:p>
+              <a:t>A </a:t>
+            </a:r>
+            <a:r>
+              <a:rPr lang="da-DK" b="1"/>
+              <a:t>class </a:t>
+            </a:r>
             <a:r>
               <a:rPr lang="da-DK"/>
-              <a:t>Own company</a:t>
-            </a:r>
-          </a:p>
-          <a:p>
+              <a:t>is a </a:t>
+            </a:r>
+            <a:r>
+              <a:rPr lang="da-DK" b="1"/>
+              <a:t>type</a:t>
+            </a:r>
             <a:r>
               <a:rPr lang="da-DK"/>
-              <a:t>Your own library</a:t>
-            </a:r>
-          </a:p>
-          <a:p>
+              <a:t>, just like </a:t>
+            </a:r>
+            <a:r>
+              <a:rPr lang="da-DK" b="1"/>
+              <a:t>int</a:t>
+            </a:r>
             <a:r>
               <a:rPr lang="da-DK"/>
-              <a:t>Write it yourself…</a:t>
+              <a:t> is a type.</a:t>
+            </a:r>
+          </a:p>
+          <a:p>
+            <a:r>
+              <a:rPr lang="da-DK"/>
+              <a:t>A </a:t>
+            </a:r>
+            <a:r>
+              <a:rPr lang="da-DK" b="1"/>
+              <a:t>class definition </a:t>
+            </a:r>
+            <a:r>
+              <a:rPr lang="da-DK"/>
+              <a:t>is part of the code, i.e. created when </a:t>
+            </a:r>
+            <a:r>
+              <a:rPr lang="da-DK" u="sng"/>
+              <a:t>writing</a:t>
+            </a:r>
+            <a:r>
+              <a:rPr lang="da-DK"/>
+              <a:t> the code.</a:t>
+            </a:r>
+          </a:p>
+          <a:p>
+            <a:r>
+              <a:rPr lang="da-DK"/>
+              <a:t>An </a:t>
+            </a:r>
+            <a:r>
+              <a:rPr lang="da-DK" b="1"/>
+              <a:t>object</a:t>
+            </a:r>
+            <a:r>
+              <a:rPr lang="da-DK"/>
+              <a:t> is created from a class definition, when </a:t>
+            </a:r>
+            <a:r>
+              <a:rPr lang="da-DK" u="sng"/>
+              <a:t>running</a:t>
+            </a:r>
+            <a:r>
+              <a:rPr lang="da-DK"/>
+              <a:t> the code.</a:t>
+            </a:r>
+          </a:p>
+          <a:p>
+            <a:r>
+              <a:rPr lang="da-DK"/>
+              <a:t>Objects are created, used and disposed of at r</a:t>
+            </a:r>
+            <a:r>
+              <a:rPr lang="da-DK" b="1"/>
+              <a:t>un-time</a:t>
+            </a:r>
+            <a:r>
+              <a:rPr lang="da-DK"/>
+              <a:t>, i.e. when the application is running.</a:t>
             </a:r>
           </a:p>
         </p:txBody>
       </p:sp>
       <p:pic>
         <p:nvPicPr>
-          <p:cNvPr id="4" name="Picture 2" descr="Billedresultat for stork"/>
+          <p:cNvPr id="1026" name="Picture 2" descr="12 Pieces Cookie Cutter Stainless Steel Cookie Cutter with Different Shape">
+            <a:extLst>
+              <a:ext uri="{FF2B5EF4-FFF2-40B4-BE49-F238E27FC236}">
+                <a16:creationId xmlns:a16="http://schemas.microsoft.com/office/drawing/2014/main" id="{AD09567A-1270-6C22-9B99-9CD67BE6817A}"/>
+              </a:ext>
+            </a:extLst>
+          </p:cNvPr>
           <p:cNvPicPr>
             <a:picLocks noChangeAspect="1" noChangeArrowheads="1"/>
           </p:cNvPicPr>
           <p:nvPr/>
         </p:nvPicPr>
         <p:blipFill>
-          <a:blip r:embed="rId2" cstate="print">
+          <a:blip r:embed="rId2">
             <a:extLst>
               <a:ext uri="{28A0092B-C50C-407E-A947-70E740481C1C}">
                 <a14:useLocalDpi xmlns:a14="http://schemas.microsoft.com/office/drawing/2010/main" val="0"/>
@@ -8177,9 +10771,9 @@
           </a:stretch>
         </p:blipFill>
         <p:spPr bwMode="auto">
-          <a:xfrm flipH="1">
-            <a:off x="8436334" y="1720856"/>
-            <a:ext cx="3204928" cy="3873267"/>
+          <a:xfrm>
+            <a:off x="8516471" y="1887071"/>
+            <a:ext cx="3170144" cy="3170144"/>
           </a:xfrm>
           <a:prstGeom prst="rect">
             <a:avLst/>
@@ -8199,13 +10793,25 @@
     </p:spTree>
     <p:extLst>
       <p:ext uri="{BB962C8B-B14F-4D97-AF65-F5344CB8AC3E}">
-        <p14:creationId xmlns:p14="http://schemas.microsoft.com/office/powerpoint/2010/main" val="104270971"/>
+        <p14:creationId xmlns:p14="http://schemas.microsoft.com/office/powerpoint/2010/main" val="2313651650"/>
       </p:ext>
     </p:extLst>
   </p:cSld>
   <p:clrMapOvr>
     <a:masterClrMapping/>
   </p:clrMapOvr>
+  <mc:AlternateContent xmlns:mc="http://schemas.openxmlformats.org/markup-compatibility/2006">
+    <mc:Choice xmlns:p14="http://schemas.microsoft.com/office/powerpoint/2010/main" Requires="p14">
+      <p:transition spd="med" p14:dur="700">
+        <p:fade/>
+      </p:transition>
+    </mc:Choice>
+    <mc:Fallback>
+      <p:transition spd="med">
+        <p:fade/>
+      </p:transition>
+    </mc:Fallback>
+  </mc:AlternateContent>
 </p:sld>
 </file>
 
@@ -8243,7 +10849,7 @@
           <a:p>
             <a:r>
               <a:rPr lang="da-DK"/>
-              <a:t>Objects</a:t>
+              <a:t>Class vs Object</a:t>
             </a:r>
           </a:p>
         </p:txBody>
@@ -8261,7 +10867,7 @@
         <p:spPr>
           <a:xfrm>
             <a:off x="838201" y="1825625"/>
-            <a:ext cx="5352046" cy="4351338"/>
+            <a:ext cx="5447452" cy="4690322"/>
           </a:xfrm>
         </p:spPr>
         <p:txBody>
@@ -8271,184 +10877,6 @@
           <a:lstStyle/>
           <a:p>
             <a:r>
-              <a:rPr lang="da-DK"/>
-              <a:t>An </a:t>
-            </a:r>
-            <a:r>
-              <a:rPr lang="da-DK" b="1"/>
-              <a:t>object</a:t>
-            </a:r>
-            <a:r>
-              <a:rPr lang="da-DK"/>
-              <a:t> is an </a:t>
-            </a:r>
-            <a:r>
-              <a:rPr lang="da-DK" u="sng"/>
-              <a:t>instance</a:t>
-            </a:r>
-            <a:r>
-              <a:rPr lang="da-DK"/>
-              <a:t> of a specific </a:t>
-            </a:r>
-            <a:r>
-              <a:rPr lang="da-DK" b="1"/>
-              <a:t>class</a:t>
-            </a:r>
-          </a:p>
-          <a:p>
-            <a:r>
-              <a:rPr lang="da-DK"/>
-              <a:t>Can create </a:t>
-            </a:r>
-            <a:r>
-              <a:rPr lang="da-DK" u="sng"/>
-              <a:t>many</a:t>
-            </a:r>
-            <a:r>
-              <a:rPr lang="da-DK"/>
-              <a:t> objects of the same class</a:t>
-            </a:r>
-          </a:p>
-          <a:p>
-            <a:r>
-              <a:rPr lang="da-DK"/>
-              <a:t>An object is </a:t>
-            </a:r>
-            <a:r>
-              <a:rPr lang="da-DK" u="sng"/>
-              <a:t>created</a:t>
-            </a:r>
-            <a:r>
-              <a:rPr lang="da-DK"/>
-              <a:t> during run-time, and may be </a:t>
-            </a:r>
-            <a:r>
-              <a:rPr lang="da-DK" u="sng"/>
-              <a:t>destroyed</a:t>
-            </a:r>
-            <a:r>
-              <a:rPr lang="da-DK"/>
-              <a:t> again when nobody uses it any more</a:t>
-            </a:r>
-          </a:p>
-        </p:txBody>
-      </p:sp>
-      <p:pic>
-        <p:nvPicPr>
-          <p:cNvPr id="2052" name="Picture 4" descr="Billedresultat for dogs"/>
-          <p:cNvPicPr>
-            <a:picLocks noChangeAspect="1" noChangeArrowheads="1"/>
-          </p:cNvPicPr>
-          <p:nvPr/>
-        </p:nvPicPr>
-        <p:blipFill>
-          <a:blip r:embed="rId2">
-            <a:extLst>
-              <a:ext uri="{28A0092B-C50C-407E-A947-70E740481C1C}">
-                <a14:useLocalDpi xmlns:a14="http://schemas.microsoft.com/office/drawing/2010/main" val="0"/>
-              </a:ext>
-            </a:extLst>
-          </a:blip>
-          <a:srcRect/>
-          <a:stretch>
-            <a:fillRect/>
-          </a:stretch>
-        </p:blipFill>
-        <p:spPr bwMode="auto">
-          <a:xfrm>
-            <a:off x="6996853" y="2576761"/>
-            <a:ext cx="4282751" cy="2141376"/>
-          </a:xfrm>
-          <a:prstGeom prst="rect">
-            <a:avLst/>
-          </a:prstGeom>
-          <a:noFill/>
-          <a:extLst>
-            <a:ext uri="{909E8E84-426E-40DD-AFC4-6F175D3DCCD1}">
-              <a14:hiddenFill xmlns:a14="http://schemas.microsoft.com/office/drawing/2010/main">
-                <a:solidFill>
-                  <a:srgbClr val="FFFFFF"/>
-                </a:solidFill>
-              </a14:hiddenFill>
-            </a:ext>
-          </a:extLst>
-        </p:spPr>
-      </p:pic>
-    </p:spTree>
-    <p:extLst>
-      <p:ext uri="{BB962C8B-B14F-4D97-AF65-F5344CB8AC3E}">
-        <p14:creationId xmlns:p14="http://schemas.microsoft.com/office/powerpoint/2010/main" val="324859287"/>
-      </p:ext>
-    </p:extLst>
-  </p:cSld>
-  <p:clrMapOvr>
-    <a:masterClrMapping/>
-  </p:clrMapOvr>
-</p:sld>
-</file>
-
-<file path=ppt/slides/slide9.xml><?xml version="1.0" encoding="utf-8"?>
-<p:sld xmlns:a="http://schemas.openxmlformats.org/drawingml/2006/main" xmlns:r="http://schemas.openxmlformats.org/officeDocument/2006/relationships" xmlns:p="http://schemas.openxmlformats.org/presentationml/2006/main">
-  <p:cSld>
-    <p:spTree>
-      <p:nvGrpSpPr>
-        <p:cNvPr id="1" name=""/>
-        <p:cNvGrpSpPr/>
-        <p:nvPr/>
-      </p:nvGrpSpPr>
-      <p:grpSpPr>
-        <a:xfrm>
-          <a:off x="0" y="0"/>
-          <a:ext cx="0" cy="0"/>
-          <a:chOff x="0" y="0"/>
-          <a:chExt cx="0" cy="0"/>
-        </a:xfrm>
-      </p:grpSpPr>
-      <p:sp>
-        <p:nvSpPr>
-          <p:cNvPr id="2" name="Titel 1"/>
-          <p:cNvSpPr>
-            <a:spLocks noGrp="1"/>
-          </p:cNvSpPr>
-          <p:nvPr>
-            <p:ph type="title"/>
-          </p:nvPr>
-        </p:nvSpPr>
-        <p:spPr/>
-        <p:txBody>
-          <a:bodyPr/>
-          <a:lstStyle/>
-          <a:p>
-            <a:r>
-              <a:rPr lang="da-DK"/>
-              <a:t>Objects</a:t>
-            </a:r>
-          </a:p>
-        </p:txBody>
-      </p:sp>
-      <p:sp>
-        <p:nvSpPr>
-          <p:cNvPr id="3" name="Pladsholder til indhold 2"/>
-          <p:cNvSpPr>
-            <a:spLocks noGrp="1"/>
-          </p:cNvSpPr>
-          <p:nvPr>
-            <p:ph idx="1"/>
-          </p:nvPr>
-        </p:nvSpPr>
-        <p:spPr>
-          <a:xfrm>
-            <a:off x="838201" y="1825625"/>
-            <a:ext cx="5447452" cy="4690322"/>
-          </a:xfrm>
-        </p:spPr>
-        <p:txBody>
-          <a:bodyPr>
-            <a:normAutofit/>
-          </a:bodyPr>
-          <a:lstStyle/>
-          <a:p>
-            <a:r>
               <a:rPr lang="da-DK" dirty="0"/>
               <a:t>All </a:t>
             </a:r>
@@ -8512,15 +10940,11 @@
             </a:r>
             <a:r>
               <a:rPr lang="da-DK" dirty="0"/>
-              <a:t> the same set of </a:t>
-            </a:r>
-            <a:r>
-              <a:rPr lang="da-DK" dirty="0" err="1"/>
-              <a:t>fields</a:t>
-            </a:r>
-            <a:r>
-              <a:rPr lang="da-DK" dirty="0"/>
-              <a:t> </a:t>
+              <a:t> the same set </a:t>
+            </a:r>
+            <a:r>
+              <a:rPr lang="da-DK"/>
+              <a:t>of values </a:t>
             </a:r>
             <a:r>
               <a:rPr lang="da-DK" dirty="0" err="1"/>
@@ -8711,6 +11135,136 @@
   <p:clrMapOvr>
     <a:masterClrMapping/>
   </p:clrMapOvr>
+  <mc:AlternateContent xmlns:mc="http://schemas.openxmlformats.org/markup-compatibility/2006">
+    <mc:Choice xmlns:p14="http://schemas.microsoft.com/office/powerpoint/2010/main" Requires="p14">
+      <p:transition spd="med" p14:dur="700">
+        <p:fade/>
+      </p:transition>
+    </mc:Choice>
+    <mc:Fallback>
+      <p:transition spd="med">
+        <p:fade/>
+      </p:transition>
+    </mc:Fallback>
+  </mc:AlternateContent>
+</p:sld>
+</file>
+
+<file path=ppt/slides/slide9.xml><?xml version="1.0" encoding="utf-8"?>
+<p:sld xmlns:a="http://schemas.openxmlformats.org/drawingml/2006/main" xmlns:r="http://schemas.openxmlformats.org/officeDocument/2006/relationships" xmlns:p="http://schemas.openxmlformats.org/presentationml/2006/main">
+  <p:cSld>
+    <p:spTree>
+      <p:nvGrpSpPr>
+        <p:cNvPr id="1" name=""/>
+        <p:cNvGrpSpPr/>
+        <p:nvPr/>
+      </p:nvGrpSpPr>
+      <p:grpSpPr>
+        <a:xfrm>
+          <a:off x="0" y="0"/>
+          <a:ext cx="0" cy="0"/>
+          <a:chOff x="0" y="0"/>
+          <a:chExt cx="0" cy="0"/>
+        </a:xfrm>
+      </p:grpSpPr>
+      <p:sp>
+        <p:nvSpPr>
+          <p:cNvPr id="3" name="Pladsholder til indhold 2">
+            <a:extLst>
+              <a:ext uri="{FF2B5EF4-FFF2-40B4-BE49-F238E27FC236}">
+                <a16:creationId xmlns:a16="http://schemas.microsoft.com/office/drawing/2014/main" id="{C47DAA13-50F3-0BFC-E429-FC53F496736C}"/>
+              </a:ext>
+            </a:extLst>
+          </p:cNvPr>
+          <p:cNvSpPr>
+            <a:spLocks noGrp="1"/>
+          </p:cNvSpPr>
+          <p:nvPr>
+            <p:ph idx="1"/>
+          </p:nvPr>
+        </p:nvSpPr>
+        <p:spPr/>
+        <p:txBody>
+          <a:bodyPr>
+            <a:normAutofit/>
+          </a:bodyPr>
+          <a:lstStyle/>
+          <a:p>
+            <a:pPr marL="0" indent="0">
+              <a:buNone/>
+            </a:pPr>
+            <a:r>
+              <a:rPr lang="da-DK" sz="7200"/>
+              <a:t>A </a:t>
+            </a:r>
+            <a:r>
+              <a:rPr lang="da-DK" sz="7200" b="1">
+                <a:solidFill>
+                  <a:schemeClr val="accent6">
+                    <a:lumMod val="75000"/>
+                  </a:schemeClr>
+                </a:solidFill>
+              </a:rPr>
+              <a:t>Class</a:t>
+            </a:r>
+            <a:r>
+              <a:rPr lang="da-DK" sz="7200"/>
+              <a:t> is to an </a:t>
+            </a:r>
+            <a:r>
+              <a:rPr lang="da-DK" sz="7200" b="1"/>
+              <a:t>Object</a:t>
+            </a:r>
+          </a:p>
+          <a:p>
+            <a:pPr marL="0" indent="0">
+              <a:buNone/>
+            </a:pPr>
+            <a:r>
+              <a:rPr lang="da-DK" sz="7200"/>
+              <a:t>as </a:t>
+            </a:r>
+            <a:r>
+              <a:rPr lang="da-DK" sz="7200" b="1">
+                <a:solidFill>
+                  <a:srgbClr val="0070C0"/>
+                </a:solidFill>
+              </a:rPr>
+              <a:t>int</a:t>
+            </a:r>
+            <a:r>
+              <a:rPr lang="da-DK" sz="7200"/>
+              <a:t> is to </a:t>
+            </a:r>
+            <a:r>
+              <a:rPr lang="da-DK" sz="7200" b="1"/>
+              <a:t>38</a:t>
+            </a:r>
+          </a:p>
+        </p:txBody>
+      </p:sp>
+    </p:spTree>
+    <p:extLst>
+      <p:ext uri="{BB962C8B-B14F-4D97-AF65-F5344CB8AC3E}">
+        <p14:creationId xmlns:p14="http://schemas.microsoft.com/office/powerpoint/2010/main" val="3903530304"/>
+      </p:ext>
+    </p:extLst>
+  </p:cSld>
+  <p:clrMapOvr>
+    <a:masterClrMapping/>
+  </p:clrMapOvr>
+  <mc:AlternateContent xmlns:mc="http://schemas.openxmlformats.org/markup-compatibility/2006">
+    <mc:Choice xmlns:p14="http://schemas.microsoft.com/office/powerpoint/2010/main" Requires="p14">
+      <p:transition spd="med" p14:dur="700">
+        <p:fade/>
+      </p:transition>
+    </mc:Choice>
+    <mc:Fallback>
+      <p:transition spd="med">
+        <p:fade/>
+      </p:transition>
+    </mc:Fallback>
+  </mc:AlternateContent>
 </p:sld>
 </file>
 
